--- a/JLC_JDS_IndoorAir_F0AMProject.pptx
+++ b/JLC_JDS_IndoorAir_F0AMProject.pptx
@@ -5,12 +5,18 @@
     <p:sldMasterId id="2147483648" r:id="rId1"/>
   </p:sldMasterIdLst>
   <p:notesMasterIdLst>
-    <p:notesMasterId r:id="rId5"/>
+    <p:notesMasterId r:id="rId11"/>
   </p:notesMasterIdLst>
   <p:sldIdLst>
     <p:sldId id="266" r:id="rId2"/>
     <p:sldId id="257" r:id="rId3"/>
-    <p:sldId id="267" r:id="rId4"/>
+    <p:sldId id="273" r:id="rId4"/>
+    <p:sldId id="268" r:id="rId5"/>
+    <p:sldId id="272" r:id="rId6"/>
+    <p:sldId id="269" r:id="rId7"/>
+    <p:sldId id="270" r:id="rId8"/>
+    <p:sldId id="271" r:id="rId9"/>
+    <p:sldId id="267" r:id="rId10"/>
   </p:sldIdLst>
   <p:sldSz cx="12192000" cy="6858000"/>
   <p:notesSz cx="6858000" cy="9144000"/>
@@ -203,7 +209,7 @@
           <a:p>
             <a:fld id="{990FA88B-22CD-494E-90BF-139DE1399439}" type="datetimeFigureOut">
               <a:rPr lang="en-US" smtClean="0"/>
-              <a:t>12/3/17</a:t>
+              <a:t>12/6/2017</a:t>
             </a:fld>
             <a:endParaRPr lang="en-US"/>
           </a:p>
@@ -267,38 +273,37 @@
           <a:p>
             <a:pPr lvl="0"/>
             <a:r>
-              <a:rPr lang="en-US" smtClean="0"/>
+              <a:rPr lang="en-US"/>
               <a:t>Click to edit Master text styles</a:t>
             </a:r>
           </a:p>
           <a:p>
             <a:pPr lvl="1"/>
             <a:r>
-              <a:rPr lang="en-US" smtClean="0"/>
+              <a:rPr lang="en-US"/>
               <a:t>Second level</a:t>
             </a:r>
           </a:p>
           <a:p>
             <a:pPr lvl="2"/>
             <a:r>
-              <a:rPr lang="en-US" smtClean="0"/>
+              <a:rPr lang="en-US"/>
               <a:t>Third level</a:t>
             </a:r>
           </a:p>
           <a:p>
             <a:pPr lvl="3"/>
             <a:r>
-              <a:rPr lang="en-US" smtClean="0"/>
+              <a:rPr lang="en-US"/>
               <a:t>Fourth level</a:t>
             </a:r>
           </a:p>
           <a:p>
             <a:pPr lvl="4"/>
             <a:r>
-              <a:rPr lang="en-US" smtClean="0"/>
+              <a:rPr lang="en-US"/>
               <a:t>Fifth level</a:t>
             </a:r>
-            <a:endParaRPr lang="en-US"/>
           </a:p>
         </p:txBody>
       </p:sp>
@@ -493,7 +498,7 @@
           <p:cNvPr id="2" name="Title 1">
             <a:extLst>
               <a:ext uri="{FF2B5EF4-FFF2-40B4-BE49-F238E27FC236}">
-                <a16:creationId xmlns:a16="http://schemas.microsoft.com/office/drawing/2014/main" xmlns="" id="{BD85D8FF-17CF-4666-B121-FF4B2B4C6658}"/>
+                <a16:creationId xmlns:a16="http://schemas.microsoft.com/office/drawing/2014/main" id="{BD85D8FF-17CF-4666-B121-FF4B2B4C6658}"/>
               </a:ext>
             </a:extLst>
           </p:cNvPr>
@@ -530,7 +535,7 @@
           <p:cNvPr id="3" name="Subtitle 2">
             <a:extLst>
               <a:ext uri="{FF2B5EF4-FFF2-40B4-BE49-F238E27FC236}">
-                <a16:creationId xmlns:a16="http://schemas.microsoft.com/office/drawing/2014/main" xmlns="" id="{3CDA8499-FE63-48C2-8E7D-D9B9B81E2136}"/>
+                <a16:creationId xmlns:a16="http://schemas.microsoft.com/office/drawing/2014/main" id="{3CDA8499-FE63-48C2-8E7D-D9B9B81E2136}"/>
               </a:ext>
             </a:extLst>
           </p:cNvPr>
@@ -600,7 +605,7 @@
           <p:cNvPr id="4" name="Date Placeholder 3">
             <a:extLst>
               <a:ext uri="{FF2B5EF4-FFF2-40B4-BE49-F238E27FC236}">
-                <a16:creationId xmlns:a16="http://schemas.microsoft.com/office/drawing/2014/main" xmlns="" id="{61377473-1CE1-4076-8467-FB0EF0024A09}"/>
+                <a16:creationId xmlns:a16="http://schemas.microsoft.com/office/drawing/2014/main" id="{61377473-1CE1-4076-8467-FB0EF0024A09}"/>
               </a:ext>
             </a:extLst>
           </p:cNvPr>
@@ -618,7 +623,7 @@
           <a:p>
             <a:fld id="{A469A568-6B25-4D20-8962-4FA881C732E8}" type="datetimeFigureOut">
               <a:rPr lang="en-US" smtClean="0"/>
-              <a:t>12/3/17</a:t>
+              <a:t>12/6/2017</a:t>
             </a:fld>
             <a:endParaRPr lang="en-US"/>
           </a:p>
@@ -629,7 +634,7 @@
           <p:cNvPr id="5" name="Footer Placeholder 4">
             <a:extLst>
               <a:ext uri="{FF2B5EF4-FFF2-40B4-BE49-F238E27FC236}">
-                <a16:creationId xmlns:a16="http://schemas.microsoft.com/office/drawing/2014/main" xmlns="" id="{29044C06-6772-48BA-BB40-FB3B223CF124}"/>
+                <a16:creationId xmlns:a16="http://schemas.microsoft.com/office/drawing/2014/main" id="{29044C06-6772-48BA-BB40-FB3B223CF124}"/>
               </a:ext>
             </a:extLst>
           </p:cNvPr>
@@ -654,7 +659,7 @@
           <p:cNvPr id="6" name="Slide Number Placeholder 5">
             <a:extLst>
               <a:ext uri="{FF2B5EF4-FFF2-40B4-BE49-F238E27FC236}">
-                <a16:creationId xmlns:a16="http://schemas.microsoft.com/office/drawing/2014/main" xmlns="" id="{0DBB8A39-C50C-4DA7-9F8B-92B9E9F0C48B}"/>
+                <a16:creationId xmlns:a16="http://schemas.microsoft.com/office/drawing/2014/main" id="{0DBB8A39-C50C-4DA7-9F8B-92B9E9F0C48B}"/>
               </a:ext>
             </a:extLst>
           </p:cNvPr>
@@ -713,7 +718,7 @@
           <p:cNvPr id="2" name="Title 1">
             <a:extLst>
               <a:ext uri="{FF2B5EF4-FFF2-40B4-BE49-F238E27FC236}">
-                <a16:creationId xmlns:a16="http://schemas.microsoft.com/office/drawing/2014/main" xmlns="" id="{67E43A93-0521-4643-B348-40C47410F4C6}"/>
+                <a16:creationId xmlns:a16="http://schemas.microsoft.com/office/drawing/2014/main" id="{67E43A93-0521-4643-B348-40C47410F4C6}"/>
               </a:ext>
             </a:extLst>
           </p:cNvPr>
@@ -741,7 +746,7 @@
           <p:cNvPr id="3" name="Vertical Text Placeholder 2">
             <a:extLst>
               <a:ext uri="{FF2B5EF4-FFF2-40B4-BE49-F238E27FC236}">
-                <a16:creationId xmlns:a16="http://schemas.microsoft.com/office/drawing/2014/main" xmlns="" id="{05C66203-46F2-4F74-87BA-7B766095A343}"/>
+                <a16:creationId xmlns:a16="http://schemas.microsoft.com/office/drawing/2014/main" id="{05C66203-46F2-4F74-87BA-7B766095A343}"/>
               </a:ext>
             </a:extLst>
           </p:cNvPr>
@@ -798,7 +803,7 @@
           <p:cNvPr id="4" name="Date Placeholder 3">
             <a:extLst>
               <a:ext uri="{FF2B5EF4-FFF2-40B4-BE49-F238E27FC236}">
-                <a16:creationId xmlns:a16="http://schemas.microsoft.com/office/drawing/2014/main" xmlns="" id="{083633A2-290A-4E8E-9A6F-5495ED71B44C}"/>
+                <a16:creationId xmlns:a16="http://schemas.microsoft.com/office/drawing/2014/main" id="{083633A2-290A-4E8E-9A6F-5495ED71B44C}"/>
               </a:ext>
             </a:extLst>
           </p:cNvPr>
@@ -816,7 +821,7 @@
           <a:p>
             <a:fld id="{A469A568-6B25-4D20-8962-4FA881C732E8}" type="datetimeFigureOut">
               <a:rPr lang="en-US" smtClean="0"/>
-              <a:t>12/3/17</a:t>
+              <a:t>12/6/2017</a:t>
             </a:fld>
             <a:endParaRPr lang="en-US"/>
           </a:p>
@@ -827,7 +832,7 @@
           <p:cNvPr id="5" name="Footer Placeholder 4">
             <a:extLst>
               <a:ext uri="{FF2B5EF4-FFF2-40B4-BE49-F238E27FC236}">
-                <a16:creationId xmlns:a16="http://schemas.microsoft.com/office/drawing/2014/main" xmlns="" id="{09F8A964-9F15-4499-B909-63CA4A9495CD}"/>
+                <a16:creationId xmlns:a16="http://schemas.microsoft.com/office/drawing/2014/main" id="{09F8A964-9F15-4499-B909-63CA4A9495CD}"/>
               </a:ext>
             </a:extLst>
           </p:cNvPr>
@@ -852,7 +857,7 @@
           <p:cNvPr id="6" name="Slide Number Placeholder 5">
             <a:extLst>
               <a:ext uri="{FF2B5EF4-FFF2-40B4-BE49-F238E27FC236}">
-                <a16:creationId xmlns:a16="http://schemas.microsoft.com/office/drawing/2014/main" xmlns="" id="{8112555C-9FAF-482F-A5F0-29AF52701183}"/>
+                <a16:creationId xmlns:a16="http://schemas.microsoft.com/office/drawing/2014/main" id="{8112555C-9FAF-482F-A5F0-29AF52701183}"/>
               </a:ext>
             </a:extLst>
           </p:cNvPr>
@@ -911,7 +916,7 @@
           <p:cNvPr id="2" name="Vertical Title 1">
             <a:extLst>
               <a:ext uri="{FF2B5EF4-FFF2-40B4-BE49-F238E27FC236}">
-                <a16:creationId xmlns:a16="http://schemas.microsoft.com/office/drawing/2014/main" xmlns="" id="{40414020-62A2-4262-A9F5-D07C43964A61}"/>
+                <a16:creationId xmlns:a16="http://schemas.microsoft.com/office/drawing/2014/main" id="{40414020-62A2-4262-A9F5-D07C43964A61}"/>
               </a:ext>
             </a:extLst>
           </p:cNvPr>
@@ -944,7 +949,7 @@
           <p:cNvPr id="3" name="Vertical Text Placeholder 2">
             <a:extLst>
               <a:ext uri="{FF2B5EF4-FFF2-40B4-BE49-F238E27FC236}">
-                <a16:creationId xmlns:a16="http://schemas.microsoft.com/office/drawing/2014/main" xmlns="" id="{1EE6D787-DB79-4669-92C5-8732F3B2A261}"/>
+                <a16:creationId xmlns:a16="http://schemas.microsoft.com/office/drawing/2014/main" id="{1EE6D787-DB79-4669-92C5-8732F3B2A261}"/>
               </a:ext>
             </a:extLst>
           </p:cNvPr>
@@ -1006,7 +1011,7 @@
           <p:cNvPr id="4" name="Date Placeholder 3">
             <a:extLst>
               <a:ext uri="{FF2B5EF4-FFF2-40B4-BE49-F238E27FC236}">
-                <a16:creationId xmlns:a16="http://schemas.microsoft.com/office/drawing/2014/main" xmlns="" id="{8C47F533-B5AB-44BC-9938-E49184C84A06}"/>
+                <a16:creationId xmlns:a16="http://schemas.microsoft.com/office/drawing/2014/main" id="{8C47F533-B5AB-44BC-9938-E49184C84A06}"/>
               </a:ext>
             </a:extLst>
           </p:cNvPr>
@@ -1024,7 +1029,7 @@
           <a:p>
             <a:fld id="{A469A568-6B25-4D20-8962-4FA881C732E8}" type="datetimeFigureOut">
               <a:rPr lang="en-US" smtClean="0"/>
-              <a:t>12/3/17</a:t>
+              <a:t>12/6/2017</a:t>
             </a:fld>
             <a:endParaRPr lang="en-US"/>
           </a:p>
@@ -1035,7 +1040,7 @@
           <p:cNvPr id="5" name="Footer Placeholder 4">
             <a:extLst>
               <a:ext uri="{FF2B5EF4-FFF2-40B4-BE49-F238E27FC236}">
-                <a16:creationId xmlns:a16="http://schemas.microsoft.com/office/drawing/2014/main" xmlns="" id="{946CB5D9-AF66-4822-AED1-6F7B4CFC7ABF}"/>
+                <a16:creationId xmlns:a16="http://schemas.microsoft.com/office/drawing/2014/main" id="{946CB5D9-AF66-4822-AED1-6F7B4CFC7ABF}"/>
               </a:ext>
             </a:extLst>
           </p:cNvPr>
@@ -1060,7 +1065,7 @@
           <p:cNvPr id="6" name="Slide Number Placeholder 5">
             <a:extLst>
               <a:ext uri="{FF2B5EF4-FFF2-40B4-BE49-F238E27FC236}">
-                <a16:creationId xmlns:a16="http://schemas.microsoft.com/office/drawing/2014/main" xmlns="" id="{3D6D79AC-366E-45BF-AA94-F14DE1275F09}"/>
+                <a16:creationId xmlns:a16="http://schemas.microsoft.com/office/drawing/2014/main" id="{3D6D79AC-366E-45BF-AA94-F14DE1275F09}"/>
               </a:ext>
             </a:extLst>
           </p:cNvPr>
@@ -1119,7 +1124,7 @@
           <p:cNvPr id="2" name="Title 1">
             <a:extLst>
               <a:ext uri="{FF2B5EF4-FFF2-40B4-BE49-F238E27FC236}">
-                <a16:creationId xmlns:a16="http://schemas.microsoft.com/office/drawing/2014/main" xmlns="" id="{B2A1817E-11D8-4593-8BD3-0696CF218930}"/>
+                <a16:creationId xmlns:a16="http://schemas.microsoft.com/office/drawing/2014/main" id="{B2A1817E-11D8-4593-8BD3-0696CF218930}"/>
               </a:ext>
             </a:extLst>
           </p:cNvPr>
@@ -1147,7 +1152,7 @@
           <p:cNvPr id="3" name="Content Placeholder 2">
             <a:extLst>
               <a:ext uri="{FF2B5EF4-FFF2-40B4-BE49-F238E27FC236}">
-                <a16:creationId xmlns:a16="http://schemas.microsoft.com/office/drawing/2014/main" xmlns="" id="{723C5D0A-EC09-42CD-A295-37B208367CA8}"/>
+                <a16:creationId xmlns:a16="http://schemas.microsoft.com/office/drawing/2014/main" id="{723C5D0A-EC09-42CD-A295-37B208367CA8}"/>
               </a:ext>
             </a:extLst>
           </p:cNvPr>
@@ -1204,7 +1209,7 @@
           <p:cNvPr id="4" name="Date Placeholder 3">
             <a:extLst>
               <a:ext uri="{FF2B5EF4-FFF2-40B4-BE49-F238E27FC236}">
-                <a16:creationId xmlns:a16="http://schemas.microsoft.com/office/drawing/2014/main" xmlns="" id="{E3645B4E-F930-4E5E-9D16-197C0C54D9F8}"/>
+                <a16:creationId xmlns:a16="http://schemas.microsoft.com/office/drawing/2014/main" id="{E3645B4E-F930-4E5E-9D16-197C0C54D9F8}"/>
               </a:ext>
             </a:extLst>
           </p:cNvPr>
@@ -1222,7 +1227,7 @@
           <a:p>
             <a:fld id="{A469A568-6B25-4D20-8962-4FA881C732E8}" type="datetimeFigureOut">
               <a:rPr lang="en-US" smtClean="0"/>
-              <a:t>12/3/17</a:t>
+              <a:t>12/6/2017</a:t>
             </a:fld>
             <a:endParaRPr lang="en-US"/>
           </a:p>
@@ -1233,7 +1238,7 @@
           <p:cNvPr id="5" name="Footer Placeholder 4">
             <a:extLst>
               <a:ext uri="{FF2B5EF4-FFF2-40B4-BE49-F238E27FC236}">
-                <a16:creationId xmlns:a16="http://schemas.microsoft.com/office/drawing/2014/main" xmlns="" id="{D2220B2A-B898-4E0C-8F30-EAAC672756E5}"/>
+                <a16:creationId xmlns:a16="http://schemas.microsoft.com/office/drawing/2014/main" id="{D2220B2A-B898-4E0C-8F30-EAAC672756E5}"/>
               </a:ext>
             </a:extLst>
           </p:cNvPr>
@@ -1258,7 +1263,7 @@
           <p:cNvPr id="6" name="Slide Number Placeholder 5">
             <a:extLst>
               <a:ext uri="{FF2B5EF4-FFF2-40B4-BE49-F238E27FC236}">
-                <a16:creationId xmlns:a16="http://schemas.microsoft.com/office/drawing/2014/main" xmlns="" id="{CA89E0A9-C4DF-4771-8917-E0F416BE3F1E}"/>
+                <a16:creationId xmlns:a16="http://schemas.microsoft.com/office/drawing/2014/main" id="{CA89E0A9-C4DF-4771-8917-E0F416BE3F1E}"/>
               </a:ext>
             </a:extLst>
           </p:cNvPr>
@@ -1317,7 +1322,7 @@
           <p:cNvPr id="2" name="Title 1">
             <a:extLst>
               <a:ext uri="{FF2B5EF4-FFF2-40B4-BE49-F238E27FC236}">
-                <a16:creationId xmlns:a16="http://schemas.microsoft.com/office/drawing/2014/main" xmlns="" id="{E9475FC2-7BF6-4C38-A3C3-F4B02EB4A0D3}"/>
+                <a16:creationId xmlns:a16="http://schemas.microsoft.com/office/drawing/2014/main" id="{E9475FC2-7BF6-4C38-A3C3-F4B02EB4A0D3}"/>
               </a:ext>
             </a:extLst>
           </p:cNvPr>
@@ -1354,7 +1359,7 @@
           <p:cNvPr id="3" name="Text Placeholder 2">
             <a:extLst>
               <a:ext uri="{FF2B5EF4-FFF2-40B4-BE49-F238E27FC236}">
-                <a16:creationId xmlns:a16="http://schemas.microsoft.com/office/drawing/2014/main" xmlns="" id="{D84F6A6A-0023-4B94-92E4-01F9E9E719A3}"/>
+                <a16:creationId xmlns:a16="http://schemas.microsoft.com/office/drawing/2014/main" id="{D84F6A6A-0023-4B94-92E4-01F9E9E719A3}"/>
               </a:ext>
             </a:extLst>
           </p:cNvPr>
@@ -1479,7 +1484,7 @@
           <p:cNvPr id="4" name="Date Placeholder 3">
             <a:extLst>
               <a:ext uri="{FF2B5EF4-FFF2-40B4-BE49-F238E27FC236}">
-                <a16:creationId xmlns:a16="http://schemas.microsoft.com/office/drawing/2014/main" xmlns="" id="{C34D8A63-6903-4A8F-A7CB-879FB0E37331}"/>
+                <a16:creationId xmlns:a16="http://schemas.microsoft.com/office/drawing/2014/main" id="{C34D8A63-6903-4A8F-A7CB-879FB0E37331}"/>
               </a:ext>
             </a:extLst>
           </p:cNvPr>
@@ -1497,7 +1502,7 @@
           <a:p>
             <a:fld id="{A469A568-6B25-4D20-8962-4FA881C732E8}" type="datetimeFigureOut">
               <a:rPr lang="en-US" smtClean="0"/>
-              <a:t>12/3/17</a:t>
+              <a:t>12/6/2017</a:t>
             </a:fld>
             <a:endParaRPr lang="en-US"/>
           </a:p>
@@ -1508,7 +1513,7 @@
           <p:cNvPr id="5" name="Footer Placeholder 4">
             <a:extLst>
               <a:ext uri="{FF2B5EF4-FFF2-40B4-BE49-F238E27FC236}">
-                <a16:creationId xmlns:a16="http://schemas.microsoft.com/office/drawing/2014/main" xmlns="" id="{32BB782C-3491-405B-9A7F-BF41608A9E44}"/>
+                <a16:creationId xmlns:a16="http://schemas.microsoft.com/office/drawing/2014/main" id="{32BB782C-3491-405B-9A7F-BF41608A9E44}"/>
               </a:ext>
             </a:extLst>
           </p:cNvPr>
@@ -1533,7 +1538,7 @@
           <p:cNvPr id="6" name="Slide Number Placeholder 5">
             <a:extLst>
               <a:ext uri="{FF2B5EF4-FFF2-40B4-BE49-F238E27FC236}">
-                <a16:creationId xmlns:a16="http://schemas.microsoft.com/office/drawing/2014/main" xmlns="" id="{D7A2F118-B7E3-4F18-A435-C70B28C49282}"/>
+                <a16:creationId xmlns:a16="http://schemas.microsoft.com/office/drawing/2014/main" id="{D7A2F118-B7E3-4F18-A435-C70B28C49282}"/>
               </a:ext>
             </a:extLst>
           </p:cNvPr>
@@ -1592,7 +1597,7 @@
           <p:cNvPr id="2" name="Title 1">
             <a:extLst>
               <a:ext uri="{FF2B5EF4-FFF2-40B4-BE49-F238E27FC236}">
-                <a16:creationId xmlns:a16="http://schemas.microsoft.com/office/drawing/2014/main" xmlns="" id="{E16EB6F3-4E4C-4FE4-80F2-8358513ACD1B}"/>
+                <a16:creationId xmlns:a16="http://schemas.microsoft.com/office/drawing/2014/main" id="{E16EB6F3-4E4C-4FE4-80F2-8358513ACD1B}"/>
               </a:ext>
             </a:extLst>
           </p:cNvPr>
@@ -1620,7 +1625,7 @@
           <p:cNvPr id="3" name="Content Placeholder 2">
             <a:extLst>
               <a:ext uri="{FF2B5EF4-FFF2-40B4-BE49-F238E27FC236}">
-                <a16:creationId xmlns:a16="http://schemas.microsoft.com/office/drawing/2014/main" xmlns="" id="{F43F9E8A-6204-4683-A9F8-72C03ABE2F84}"/>
+                <a16:creationId xmlns:a16="http://schemas.microsoft.com/office/drawing/2014/main" id="{F43F9E8A-6204-4683-A9F8-72C03ABE2F84}"/>
               </a:ext>
             </a:extLst>
           </p:cNvPr>
@@ -1682,7 +1687,7 @@
           <p:cNvPr id="4" name="Content Placeholder 3">
             <a:extLst>
               <a:ext uri="{FF2B5EF4-FFF2-40B4-BE49-F238E27FC236}">
-                <a16:creationId xmlns:a16="http://schemas.microsoft.com/office/drawing/2014/main" xmlns="" id="{CE6FF2FD-E2C5-44F7-88A4-AE30C75EEFAD}"/>
+                <a16:creationId xmlns:a16="http://schemas.microsoft.com/office/drawing/2014/main" id="{CE6FF2FD-E2C5-44F7-88A4-AE30C75EEFAD}"/>
               </a:ext>
             </a:extLst>
           </p:cNvPr>
@@ -1744,7 +1749,7 @@
           <p:cNvPr id="5" name="Date Placeholder 4">
             <a:extLst>
               <a:ext uri="{FF2B5EF4-FFF2-40B4-BE49-F238E27FC236}">
-                <a16:creationId xmlns:a16="http://schemas.microsoft.com/office/drawing/2014/main" xmlns="" id="{D569A63B-E6AE-48D9-AC66-C485E7321927}"/>
+                <a16:creationId xmlns:a16="http://schemas.microsoft.com/office/drawing/2014/main" id="{D569A63B-E6AE-48D9-AC66-C485E7321927}"/>
               </a:ext>
             </a:extLst>
           </p:cNvPr>
@@ -1762,7 +1767,7 @@
           <a:p>
             <a:fld id="{A469A568-6B25-4D20-8962-4FA881C732E8}" type="datetimeFigureOut">
               <a:rPr lang="en-US" smtClean="0"/>
-              <a:t>12/3/17</a:t>
+              <a:t>12/6/2017</a:t>
             </a:fld>
             <a:endParaRPr lang="en-US"/>
           </a:p>
@@ -1773,7 +1778,7 @@
           <p:cNvPr id="6" name="Footer Placeholder 5">
             <a:extLst>
               <a:ext uri="{FF2B5EF4-FFF2-40B4-BE49-F238E27FC236}">
-                <a16:creationId xmlns:a16="http://schemas.microsoft.com/office/drawing/2014/main" xmlns="" id="{711E7643-FE90-4401-A647-5B6795482DFE}"/>
+                <a16:creationId xmlns:a16="http://schemas.microsoft.com/office/drawing/2014/main" id="{711E7643-FE90-4401-A647-5B6795482DFE}"/>
               </a:ext>
             </a:extLst>
           </p:cNvPr>
@@ -1798,7 +1803,7 @@
           <p:cNvPr id="7" name="Slide Number Placeholder 6">
             <a:extLst>
               <a:ext uri="{FF2B5EF4-FFF2-40B4-BE49-F238E27FC236}">
-                <a16:creationId xmlns:a16="http://schemas.microsoft.com/office/drawing/2014/main" xmlns="" id="{8A5C4E17-39DC-41D9-849D-53F627367A0C}"/>
+                <a16:creationId xmlns:a16="http://schemas.microsoft.com/office/drawing/2014/main" id="{8A5C4E17-39DC-41D9-849D-53F627367A0C}"/>
               </a:ext>
             </a:extLst>
           </p:cNvPr>
@@ -1857,7 +1862,7 @@
           <p:cNvPr id="2" name="Title 1">
             <a:extLst>
               <a:ext uri="{FF2B5EF4-FFF2-40B4-BE49-F238E27FC236}">
-                <a16:creationId xmlns:a16="http://schemas.microsoft.com/office/drawing/2014/main" xmlns="" id="{F632DB8E-0218-426E-B5CE-418537DDF465}"/>
+                <a16:creationId xmlns:a16="http://schemas.microsoft.com/office/drawing/2014/main" id="{F632DB8E-0218-426E-B5CE-418537DDF465}"/>
               </a:ext>
             </a:extLst>
           </p:cNvPr>
@@ -1890,7 +1895,7 @@
           <p:cNvPr id="3" name="Text Placeholder 2">
             <a:extLst>
               <a:ext uri="{FF2B5EF4-FFF2-40B4-BE49-F238E27FC236}">
-                <a16:creationId xmlns:a16="http://schemas.microsoft.com/office/drawing/2014/main" xmlns="" id="{61AC2142-3A35-4184-A7F5-29FC6CA3576A}"/>
+                <a16:creationId xmlns:a16="http://schemas.microsoft.com/office/drawing/2014/main" id="{61AC2142-3A35-4184-A7F5-29FC6CA3576A}"/>
               </a:ext>
             </a:extLst>
           </p:cNvPr>
@@ -1961,7 +1966,7 @@
           <p:cNvPr id="4" name="Content Placeholder 3">
             <a:extLst>
               <a:ext uri="{FF2B5EF4-FFF2-40B4-BE49-F238E27FC236}">
-                <a16:creationId xmlns:a16="http://schemas.microsoft.com/office/drawing/2014/main" xmlns="" id="{1BA449F3-8261-4140-BF42-DA61F59CB017}"/>
+                <a16:creationId xmlns:a16="http://schemas.microsoft.com/office/drawing/2014/main" id="{1BA449F3-8261-4140-BF42-DA61F59CB017}"/>
               </a:ext>
             </a:extLst>
           </p:cNvPr>
@@ -2023,7 +2028,7 @@
           <p:cNvPr id="5" name="Text Placeholder 4">
             <a:extLst>
               <a:ext uri="{FF2B5EF4-FFF2-40B4-BE49-F238E27FC236}">
-                <a16:creationId xmlns:a16="http://schemas.microsoft.com/office/drawing/2014/main" xmlns="" id="{B5126FD6-30CC-4F27-996B-59F3A7AB3F66}"/>
+                <a16:creationId xmlns:a16="http://schemas.microsoft.com/office/drawing/2014/main" id="{B5126FD6-30CC-4F27-996B-59F3A7AB3F66}"/>
               </a:ext>
             </a:extLst>
           </p:cNvPr>
@@ -2094,7 +2099,7 @@
           <p:cNvPr id="6" name="Content Placeholder 5">
             <a:extLst>
               <a:ext uri="{FF2B5EF4-FFF2-40B4-BE49-F238E27FC236}">
-                <a16:creationId xmlns:a16="http://schemas.microsoft.com/office/drawing/2014/main" xmlns="" id="{E3469C01-42BB-43E0-9266-FBDCD681DE26}"/>
+                <a16:creationId xmlns:a16="http://schemas.microsoft.com/office/drawing/2014/main" id="{E3469C01-42BB-43E0-9266-FBDCD681DE26}"/>
               </a:ext>
             </a:extLst>
           </p:cNvPr>
@@ -2156,7 +2161,7 @@
           <p:cNvPr id="7" name="Date Placeholder 6">
             <a:extLst>
               <a:ext uri="{FF2B5EF4-FFF2-40B4-BE49-F238E27FC236}">
-                <a16:creationId xmlns:a16="http://schemas.microsoft.com/office/drawing/2014/main" xmlns="" id="{6ECB385D-6D96-4FBB-80E2-5CA7B7A835FB}"/>
+                <a16:creationId xmlns:a16="http://schemas.microsoft.com/office/drawing/2014/main" id="{6ECB385D-6D96-4FBB-80E2-5CA7B7A835FB}"/>
               </a:ext>
             </a:extLst>
           </p:cNvPr>
@@ -2174,7 +2179,7 @@
           <a:p>
             <a:fld id="{A469A568-6B25-4D20-8962-4FA881C732E8}" type="datetimeFigureOut">
               <a:rPr lang="en-US" smtClean="0"/>
-              <a:t>12/3/17</a:t>
+              <a:t>12/6/2017</a:t>
             </a:fld>
             <a:endParaRPr lang="en-US"/>
           </a:p>
@@ -2185,7 +2190,7 @@
           <p:cNvPr id="8" name="Footer Placeholder 7">
             <a:extLst>
               <a:ext uri="{FF2B5EF4-FFF2-40B4-BE49-F238E27FC236}">
-                <a16:creationId xmlns:a16="http://schemas.microsoft.com/office/drawing/2014/main" xmlns="" id="{EBB14137-6163-455D-B311-385E0F578B3F}"/>
+                <a16:creationId xmlns:a16="http://schemas.microsoft.com/office/drawing/2014/main" id="{EBB14137-6163-455D-B311-385E0F578B3F}"/>
               </a:ext>
             </a:extLst>
           </p:cNvPr>
@@ -2210,7 +2215,7 @@
           <p:cNvPr id="9" name="Slide Number Placeholder 8">
             <a:extLst>
               <a:ext uri="{FF2B5EF4-FFF2-40B4-BE49-F238E27FC236}">
-                <a16:creationId xmlns:a16="http://schemas.microsoft.com/office/drawing/2014/main" xmlns="" id="{09D998AA-37F1-4F9D-AB19-D08DB91CBE17}"/>
+                <a16:creationId xmlns:a16="http://schemas.microsoft.com/office/drawing/2014/main" id="{09D998AA-37F1-4F9D-AB19-D08DB91CBE17}"/>
               </a:ext>
             </a:extLst>
           </p:cNvPr>
@@ -2269,7 +2274,7 @@
           <p:cNvPr id="2" name="Title 1">
             <a:extLst>
               <a:ext uri="{FF2B5EF4-FFF2-40B4-BE49-F238E27FC236}">
-                <a16:creationId xmlns:a16="http://schemas.microsoft.com/office/drawing/2014/main" xmlns="" id="{DAAF844B-1B69-44AB-B9E0-4B92C657427B}"/>
+                <a16:creationId xmlns:a16="http://schemas.microsoft.com/office/drawing/2014/main" id="{DAAF844B-1B69-44AB-B9E0-4B92C657427B}"/>
               </a:ext>
             </a:extLst>
           </p:cNvPr>
@@ -2297,7 +2302,7 @@
           <p:cNvPr id="3" name="Date Placeholder 2">
             <a:extLst>
               <a:ext uri="{FF2B5EF4-FFF2-40B4-BE49-F238E27FC236}">
-                <a16:creationId xmlns:a16="http://schemas.microsoft.com/office/drawing/2014/main" xmlns="" id="{221BCA1F-2824-4DAE-BD56-0D0298617621}"/>
+                <a16:creationId xmlns:a16="http://schemas.microsoft.com/office/drawing/2014/main" id="{221BCA1F-2824-4DAE-BD56-0D0298617621}"/>
               </a:ext>
             </a:extLst>
           </p:cNvPr>
@@ -2315,7 +2320,7 @@
           <a:p>
             <a:fld id="{A469A568-6B25-4D20-8962-4FA881C732E8}" type="datetimeFigureOut">
               <a:rPr lang="en-US" smtClean="0"/>
-              <a:t>12/3/17</a:t>
+              <a:t>12/6/2017</a:t>
             </a:fld>
             <a:endParaRPr lang="en-US"/>
           </a:p>
@@ -2326,7 +2331,7 @@
           <p:cNvPr id="4" name="Footer Placeholder 3">
             <a:extLst>
               <a:ext uri="{FF2B5EF4-FFF2-40B4-BE49-F238E27FC236}">
-                <a16:creationId xmlns:a16="http://schemas.microsoft.com/office/drawing/2014/main" xmlns="" id="{7C409EF1-287B-4781-B58D-9FFF42B46771}"/>
+                <a16:creationId xmlns:a16="http://schemas.microsoft.com/office/drawing/2014/main" id="{7C409EF1-287B-4781-B58D-9FFF42B46771}"/>
               </a:ext>
             </a:extLst>
           </p:cNvPr>
@@ -2351,7 +2356,7 @@
           <p:cNvPr id="5" name="Slide Number Placeholder 4">
             <a:extLst>
               <a:ext uri="{FF2B5EF4-FFF2-40B4-BE49-F238E27FC236}">
-                <a16:creationId xmlns:a16="http://schemas.microsoft.com/office/drawing/2014/main" xmlns="" id="{EC731459-FD06-4763-A22D-F7437043B9B2}"/>
+                <a16:creationId xmlns:a16="http://schemas.microsoft.com/office/drawing/2014/main" id="{EC731459-FD06-4763-A22D-F7437043B9B2}"/>
               </a:ext>
             </a:extLst>
           </p:cNvPr>
@@ -2410,7 +2415,7 @@
           <p:cNvPr id="2" name="Date Placeholder 1">
             <a:extLst>
               <a:ext uri="{FF2B5EF4-FFF2-40B4-BE49-F238E27FC236}">
-                <a16:creationId xmlns:a16="http://schemas.microsoft.com/office/drawing/2014/main" xmlns="" id="{B8FAACEE-86BC-4B72-A9EC-73BFB7AD21F7}"/>
+                <a16:creationId xmlns:a16="http://schemas.microsoft.com/office/drawing/2014/main" id="{B8FAACEE-86BC-4B72-A9EC-73BFB7AD21F7}"/>
               </a:ext>
             </a:extLst>
           </p:cNvPr>
@@ -2428,7 +2433,7 @@
           <a:p>
             <a:fld id="{A469A568-6B25-4D20-8962-4FA881C732E8}" type="datetimeFigureOut">
               <a:rPr lang="en-US" smtClean="0"/>
-              <a:t>12/3/17</a:t>
+              <a:t>12/6/2017</a:t>
             </a:fld>
             <a:endParaRPr lang="en-US"/>
           </a:p>
@@ -2439,7 +2444,7 @@
           <p:cNvPr id="3" name="Footer Placeholder 2">
             <a:extLst>
               <a:ext uri="{FF2B5EF4-FFF2-40B4-BE49-F238E27FC236}">
-                <a16:creationId xmlns:a16="http://schemas.microsoft.com/office/drawing/2014/main" xmlns="" id="{84D6C6E8-15C6-47C8-AF83-34179258031C}"/>
+                <a16:creationId xmlns:a16="http://schemas.microsoft.com/office/drawing/2014/main" id="{84D6C6E8-15C6-47C8-AF83-34179258031C}"/>
               </a:ext>
             </a:extLst>
           </p:cNvPr>
@@ -2464,7 +2469,7 @@
           <p:cNvPr id="4" name="Slide Number Placeholder 3">
             <a:extLst>
               <a:ext uri="{FF2B5EF4-FFF2-40B4-BE49-F238E27FC236}">
-                <a16:creationId xmlns:a16="http://schemas.microsoft.com/office/drawing/2014/main" xmlns="" id="{66B9D180-5DBB-4449-905E-5E3BA748FC3E}"/>
+                <a16:creationId xmlns:a16="http://schemas.microsoft.com/office/drawing/2014/main" id="{66B9D180-5DBB-4449-905E-5E3BA748FC3E}"/>
               </a:ext>
             </a:extLst>
           </p:cNvPr>
@@ -2523,7 +2528,7 @@
           <p:cNvPr id="2" name="Title 1">
             <a:extLst>
               <a:ext uri="{FF2B5EF4-FFF2-40B4-BE49-F238E27FC236}">
-                <a16:creationId xmlns:a16="http://schemas.microsoft.com/office/drawing/2014/main" xmlns="" id="{6E22BCA8-D670-406B-A650-1611E4794388}"/>
+                <a16:creationId xmlns:a16="http://schemas.microsoft.com/office/drawing/2014/main" id="{6E22BCA8-D670-406B-A650-1611E4794388}"/>
               </a:ext>
             </a:extLst>
           </p:cNvPr>
@@ -2560,7 +2565,7 @@
           <p:cNvPr id="3" name="Content Placeholder 2">
             <a:extLst>
               <a:ext uri="{FF2B5EF4-FFF2-40B4-BE49-F238E27FC236}">
-                <a16:creationId xmlns:a16="http://schemas.microsoft.com/office/drawing/2014/main" xmlns="" id="{65248FD2-9A85-4CB0-A21B-536BD4BC20D5}"/>
+                <a16:creationId xmlns:a16="http://schemas.microsoft.com/office/drawing/2014/main" id="{65248FD2-9A85-4CB0-A21B-536BD4BC20D5}"/>
               </a:ext>
             </a:extLst>
           </p:cNvPr>
@@ -2650,7 +2655,7 @@
           <p:cNvPr id="4" name="Text Placeholder 3">
             <a:extLst>
               <a:ext uri="{FF2B5EF4-FFF2-40B4-BE49-F238E27FC236}">
-                <a16:creationId xmlns:a16="http://schemas.microsoft.com/office/drawing/2014/main" xmlns="" id="{9523C60F-E454-4949-9A0A-F020A49BC974}"/>
+                <a16:creationId xmlns:a16="http://schemas.microsoft.com/office/drawing/2014/main" id="{9523C60F-E454-4949-9A0A-F020A49BC974}"/>
               </a:ext>
             </a:extLst>
           </p:cNvPr>
@@ -2721,7 +2726,7 @@
           <p:cNvPr id="5" name="Date Placeholder 4">
             <a:extLst>
               <a:ext uri="{FF2B5EF4-FFF2-40B4-BE49-F238E27FC236}">
-                <a16:creationId xmlns:a16="http://schemas.microsoft.com/office/drawing/2014/main" xmlns="" id="{2BD15136-814F-4DF7-8E04-83BAC0C009A5}"/>
+                <a16:creationId xmlns:a16="http://schemas.microsoft.com/office/drawing/2014/main" id="{2BD15136-814F-4DF7-8E04-83BAC0C009A5}"/>
               </a:ext>
             </a:extLst>
           </p:cNvPr>
@@ -2739,7 +2744,7 @@
           <a:p>
             <a:fld id="{A469A568-6B25-4D20-8962-4FA881C732E8}" type="datetimeFigureOut">
               <a:rPr lang="en-US" smtClean="0"/>
-              <a:t>12/3/17</a:t>
+              <a:t>12/6/2017</a:t>
             </a:fld>
             <a:endParaRPr lang="en-US"/>
           </a:p>
@@ -2750,7 +2755,7 @@
           <p:cNvPr id="6" name="Footer Placeholder 5">
             <a:extLst>
               <a:ext uri="{FF2B5EF4-FFF2-40B4-BE49-F238E27FC236}">
-                <a16:creationId xmlns:a16="http://schemas.microsoft.com/office/drawing/2014/main" xmlns="" id="{21B2319F-0DE5-4306-95A3-4C12328264D6}"/>
+                <a16:creationId xmlns:a16="http://schemas.microsoft.com/office/drawing/2014/main" id="{21B2319F-0DE5-4306-95A3-4C12328264D6}"/>
               </a:ext>
             </a:extLst>
           </p:cNvPr>
@@ -2775,7 +2780,7 @@
           <p:cNvPr id="7" name="Slide Number Placeholder 6">
             <a:extLst>
               <a:ext uri="{FF2B5EF4-FFF2-40B4-BE49-F238E27FC236}">
-                <a16:creationId xmlns:a16="http://schemas.microsoft.com/office/drawing/2014/main" xmlns="" id="{34A1457E-2C4D-408C-ADD7-D09F0E7EA33F}"/>
+                <a16:creationId xmlns:a16="http://schemas.microsoft.com/office/drawing/2014/main" id="{34A1457E-2C4D-408C-ADD7-D09F0E7EA33F}"/>
               </a:ext>
             </a:extLst>
           </p:cNvPr>
@@ -2834,7 +2839,7 @@
           <p:cNvPr id="2" name="Title 1">
             <a:extLst>
               <a:ext uri="{FF2B5EF4-FFF2-40B4-BE49-F238E27FC236}">
-                <a16:creationId xmlns:a16="http://schemas.microsoft.com/office/drawing/2014/main" xmlns="" id="{79EDE652-5887-47DB-AE9C-4D2631BB932C}"/>
+                <a16:creationId xmlns:a16="http://schemas.microsoft.com/office/drawing/2014/main" id="{79EDE652-5887-47DB-AE9C-4D2631BB932C}"/>
               </a:ext>
             </a:extLst>
           </p:cNvPr>
@@ -2871,7 +2876,7 @@
           <p:cNvPr id="3" name="Picture Placeholder 2">
             <a:extLst>
               <a:ext uri="{FF2B5EF4-FFF2-40B4-BE49-F238E27FC236}">
-                <a16:creationId xmlns:a16="http://schemas.microsoft.com/office/drawing/2014/main" xmlns="" id="{4571C2C1-F69F-4CDA-8710-3AA541A4A253}"/>
+                <a16:creationId xmlns:a16="http://schemas.microsoft.com/office/drawing/2014/main" id="{4571C2C1-F69F-4CDA-8710-3AA541A4A253}"/>
               </a:ext>
             </a:extLst>
           </p:cNvPr>
@@ -2938,7 +2943,7 @@
           <p:cNvPr id="4" name="Text Placeholder 3">
             <a:extLst>
               <a:ext uri="{FF2B5EF4-FFF2-40B4-BE49-F238E27FC236}">
-                <a16:creationId xmlns:a16="http://schemas.microsoft.com/office/drawing/2014/main" xmlns="" id="{89835961-A81E-4492-84A2-BEBD8970BCF7}"/>
+                <a16:creationId xmlns:a16="http://schemas.microsoft.com/office/drawing/2014/main" id="{89835961-A81E-4492-84A2-BEBD8970BCF7}"/>
               </a:ext>
             </a:extLst>
           </p:cNvPr>
@@ -3009,7 +3014,7 @@
           <p:cNvPr id="5" name="Date Placeholder 4">
             <a:extLst>
               <a:ext uri="{FF2B5EF4-FFF2-40B4-BE49-F238E27FC236}">
-                <a16:creationId xmlns:a16="http://schemas.microsoft.com/office/drawing/2014/main" xmlns="" id="{E03360E4-66C3-48C7-AA17-45498E2E1425}"/>
+                <a16:creationId xmlns:a16="http://schemas.microsoft.com/office/drawing/2014/main" id="{E03360E4-66C3-48C7-AA17-45498E2E1425}"/>
               </a:ext>
             </a:extLst>
           </p:cNvPr>
@@ -3027,7 +3032,7 @@
           <a:p>
             <a:fld id="{A469A568-6B25-4D20-8962-4FA881C732E8}" type="datetimeFigureOut">
               <a:rPr lang="en-US" smtClean="0"/>
-              <a:t>12/3/17</a:t>
+              <a:t>12/6/2017</a:t>
             </a:fld>
             <a:endParaRPr lang="en-US"/>
           </a:p>
@@ -3038,7 +3043,7 @@
           <p:cNvPr id="6" name="Footer Placeholder 5">
             <a:extLst>
               <a:ext uri="{FF2B5EF4-FFF2-40B4-BE49-F238E27FC236}">
-                <a16:creationId xmlns:a16="http://schemas.microsoft.com/office/drawing/2014/main" xmlns="" id="{31BF48DE-BC4C-49ED-8906-03F2567FE8A0}"/>
+                <a16:creationId xmlns:a16="http://schemas.microsoft.com/office/drawing/2014/main" id="{31BF48DE-BC4C-49ED-8906-03F2567FE8A0}"/>
               </a:ext>
             </a:extLst>
           </p:cNvPr>
@@ -3063,7 +3068,7 @@
           <p:cNvPr id="7" name="Slide Number Placeholder 6">
             <a:extLst>
               <a:ext uri="{FF2B5EF4-FFF2-40B4-BE49-F238E27FC236}">
-                <a16:creationId xmlns:a16="http://schemas.microsoft.com/office/drawing/2014/main" xmlns="" id="{D07374AB-8EFC-4048-BC31-0A14F29457D8}"/>
+                <a16:creationId xmlns:a16="http://schemas.microsoft.com/office/drawing/2014/main" id="{D07374AB-8EFC-4048-BC31-0A14F29457D8}"/>
               </a:ext>
             </a:extLst>
           </p:cNvPr>
@@ -3127,7 +3132,7 @@
           <p:cNvPr id="2" name="Title Placeholder 1">
             <a:extLst>
               <a:ext uri="{FF2B5EF4-FFF2-40B4-BE49-F238E27FC236}">
-                <a16:creationId xmlns:a16="http://schemas.microsoft.com/office/drawing/2014/main" xmlns="" id="{4555AE4B-B6DF-4A1F-9744-4687B66D4AFE}"/>
+                <a16:creationId xmlns:a16="http://schemas.microsoft.com/office/drawing/2014/main" id="{4555AE4B-B6DF-4A1F-9744-4687B66D4AFE}"/>
               </a:ext>
             </a:extLst>
           </p:cNvPr>
@@ -3165,7 +3170,7 @@
           <p:cNvPr id="3" name="Text Placeholder 2">
             <a:extLst>
               <a:ext uri="{FF2B5EF4-FFF2-40B4-BE49-F238E27FC236}">
-                <a16:creationId xmlns:a16="http://schemas.microsoft.com/office/drawing/2014/main" xmlns="" id="{8A70E78B-7B89-4FA9-BDAE-F78B00A06AD5}"/>
+                <a16:creationId xmlns:a16="http://schemas.microsoft.com/office/drawing/2014/main" id="{8A70E78B-7B89-4FA9-BDAE-F78B00A06AD5}"/>
               </a:ext>
             </a:extLst>
           </p:cNvPr>
@@ -3232,7 +3237,7 @@
           <p:cNvPr id="4" name="Date Placeholder 3">
             <a:extLst>
               <a:ext uri="{FF2B5EF4-FFF2-40B4-BE49-F238E27FC236}">
-                <a16:creationId xmlns:a16="http://schemas.microsoft.com/office/drawing/2014/main" xmlns="" id="{333AE626-521E-48F7-BA88-0424312E62E8}"/>
+                <a16:creationId xmlns:a16="http://schemas.microsoft.com/office/drawing/2014/main" id="{333AE626-521E-48F7-BA88-0424312E62E8}"/>
               </a:ext>
             </a:extLst>
           </p:cNvPr>
@@ -3268,7 +3273,7 @@
           <a:p>
             <a:fld id="{A469A568-6B25-4D20-8962-4FA881C732E8}" type="datetimeFigureOut">
               <a:rPr lang="en-US" smtClean="0"/>
-              <a:t>12/3/17</a:t>
+              <a:t>12/6/2017</a:t>
             </a:fld>
             <a:endParaRPr lang="en-US"/>
           </a:p>
@@ -3279,7 +3284,7 @@
           <p:cNvPr id="5" name="Footer Placeholder 4">
             <a:extLst>
               <a:ext uri="{FF2B5EF4-FFF2-40B4-BE49-F238E27FC236}">
-                <a16:creationId xmlns:a16="http://schemas.microsoft.com/office/drawing/2014/main" xmlns="" id="{B275EC2F-353A-4143-86F3-7A6013F6C38E}"/>
+                <a16:creationId xmlns:a16="http://schemas.microsoft.com/office/drawing/2014/main" id="{B275EC2F-353A-4143-86F3-7A6013F6C38E}"/>
               </a:ext>
             </a:extLst>
           </p:cNvPr>
@@ -3322,7 +3327,7 @@
           <p:cNvPr id="6" name="Slide Number Placeholder 5">
             <a:extLst>
               <a:ext uri="{FF2B5EF4-FFF2-40B4-BE49-F238E27FC236}">
-                <a16:creationId xmlns:a16="http://schemas.microsoft.com/office/drawing/2014/main" xmlns="" id="{F04BA746-70DA-43CC-A97B-7228BF977EC5}"/>
+                <a16:creationId xmlns:a16="http://schemas.microsoft.com/office/drawing/2014/main" id="{F04BA746-70DA-43CC-A97B-7228BF977EC5}"/>
               </a:ext>
             </a:extLst>
           </p:cNvPr>
@@ -3708,10 +3713,9 @@
           <a:lstStyle/>
           <a:p>
             <a:r>
-              <a:rPr lang="en-US" sz="4400" dirty="0" smtClean="0"/>
+              <a:rPr lang="en-US" sz="4400" dirty="0"/>
               <a:t>Insignificant Role of Photochemical Oxidation in Indoor Environments</a:t>
             </a:r>
-            <a:endParaRPr lang="en-US" sz="4400" dirty="0"/>
           </a:p>
         </p:txBody>
       </p:sp>
@@ -3738,21 +3742,12 @@
           <a:lstStyle/>
           <a:p>
             <a:r>
-              <a:rPr lang="en-US" dirty="0" smtClean="0"/>
-              <a:t>Joshua L Cox and Joshua </a:t>
-            </a:r>
-            <a:r>
               <a:rPr lang="en-US" dirty="0"/>
-              <a:t>D </a:t>
-            </a:r>
-            <a:r>
-              <a:rPr lang="en-US" dirty="0" smtClean="0"/>
-              <a:t>Shutter</a:t>
-            </a:r>
+              <a:t>Joshua L Cox and Joshua D Shutter</a:t>
+            </a:r>
+          </a:p>
+          <a:p>
             <a:endParaRPr lang="en-US" dirty="0"/>
-          </a:p>
-          <a:p>
-            <a:endParaRPr lang="en-US" dirty="0" smtClean="0"/>
           </a:p>
           <a:p>
             <a:endParaRPr lang="en-US" sz="1000" dirty="0"/>
@@ -3769,13 +3764,6 @@
   <p:clrMapOvr>
     <a:masterClrMapping/>
   </p:clrMapOvr>
-  <p:timing>
-    <p:tnLst>
-      <p:par>
-        <p:cTn id="1" dur="indefinite" restart="never" nodeType="tmRoot"/>
-      </p:par>
-    </p:tnLst>
-  </p:timing>
 </p:sld>
 </file>
 
@@ -3801,7 +3789,7 @@
           <p:cNvPr id="3" name="Content Placeholder 2">
             <a:extLst>
               <a:ext uri="{FF2B5EF4-FFF2-40B4-BE49-F238E27FC236}">
-                <a16:creationId xmlns:a16="http://schemas.microsoft.com/office/drawing/2014/main" xmlns="" id="{28B29C68-9D1F-4A44-ABD0-8A2E2DE6262A}"/>
+                <a16:creationId xmlns:a16="http://schemas.microsoft.com/office/drawing/2014/main" id="{28B29C68-9D1F-4A44-ABD0-8A2E2DE6262A}"/>
               </a:ext>
             </a:extLst>
           </p:cNvPr>
@@ -3834,7 +3822,7 @@
           <p:cNvPr id="6" name="Title 1">
             <a:extLst>
               <a:ext uri="{FF2B5EF4-FFF2-40B4-BE49-F238E27FC236}">
-                <a16:creationId xmlns:a16="http://schemas.microsoft.com/office/drawing/2014/main" xmlns="" id="{F7B587BC-F78F-4B4A-B59D-215E142E0429}"/>
+                <a16:creationId xmlns:a16="http://schemas.microsoft.com/office/drawing/2014/main" id="{F7B587BC-F78F-4B4A-B59D-215E142E0429}"/>
               </a:ext>
             </a:extLst>
           </p:cNvPr>
@@ -3877,7 +3865,7 @@
           </a:lstStyle>
           <a:p>
             <a:r>
-              <a:rPr lang="en-US" sz="3600" dirty="0" smtClean="0">
+              <a:rPr lang="en-US" sz="3600" dirty="0">
                 <a:solidFill>
                   <a:prstClr val="white"/>
                 </a:solidFill>
@@ -3886,13 +3874,6 @@
               </a:rPr>
               <a:t>Indoor vs Outdoor Air</a:t>
             </a:r>
-            <a:endParaRPr lang="en-US" sz="3600" dirty="0">
-              <a:solidFill>
-                <a:prstClr val="white"/>
-              </a:solidFill>
-              <a:latin typeface="Arial"/>
-              <a:cs typeface="Arial"/>
-            </a:endParaRPr>
           </a:p>
         </p:txBody>
       </p:sp>
@@ -3906,13 +3887,6 @@
   <p:clrMapOvr>
     <a:masterClrMapping/>
   </p:clrMapOvr>
-  <p:timing>
-    <p:tnLst>
-      <p:par>
-        <p:cTn id="1" dur="indefinite" restart="never" nodeType="tmRoot"/>
-      </p:par>
-    </p:tnLst>
-  </p:timing>
 </p:sld>
 </file>
 
@@ -3933,58 +3907,47 @@
           <a:chExt cx="0" cy="0"/>
         </a:xfrm>
       </p:grpSpPr>
-      <p:sp>
-        <p:nvSpPr>
-          <p:cNvPr id="3" name="Content Placeholder 2">
-            <a:extLst>
-              <a:ext uri="{FF2B5EF4-FFF2-40B4-BE49-F238E27FC236}">
-                <a16:creationId xmlns:a16="http://schemas.microsoft.com/office/drawing/2014/main" xmlns="" id="{28B29C68-9D1F-4A44-ABD0-8A2E2DE6262A}"/>
-              </a:ext>
-            </a:extLst>
-          </p:cNvPr>
-          <p:cNvSpPr>
-            <a:spLocks noGrp="1"/>
-          </p:cNvSpPr>
+      <p:pic>
+        <p:nvPicPr>
+          <p:cNvPr id="4" name="Content Placeholder 3" descr="A screenshot of a cell phone&#10;&#10;Description generated with very high confidence">
+            <a:extLst>
+              <a:ext uri="{FF2B5EF4-FFF2-40B4-BE49-F238E27FC236}">
+                <a16:creationId xmlns:a16="http://schemas.microsoft.com/office/drawing/2014/main" id="{F7380F8F-CC31-4D69-B5EE-1A28ADC3F30D}"/>
+              </a:ext>
+            </a:extLst>
+          </p:cNvPr>
+          <p:cNvPicPr>
+            <a:picLocks noGrp="1" noChangeAspect="1"/>
+          </p:cNvPicPr>
           <p:nvPr>
             <p:ph idx="1"/>
           </p:nvPr>
-        </p:nvSpPr>
+        </p:nvPicPr>
+        <p:blipFill>
+          <a:blip r:embed="rId2">
+            <a:extLst>
+              <a:ext uri="{28A0092B-C50C-407E-A947-70E740481C1C}">
+                <a14:useLocalDpi xmlns:a14="http://schemas.microsoft.com/office/drawing/2010/main" val="0"/>
+              </a:ext>
+            </a:extLst>
+          </a:blip>
+          <a:stretch>
+            <a:fillRect/>
+          </a:stretch>
+        </p:blipFill>
         <p:spPr>
           <a:xfrm>
-            <a:off x="838200" y="1825625"/>
-            <a:ext cx="10515600" cy="3692306"/>
+            <a:off x="1313614" y="914400"/>
+            <a:ext cx="9412506" cy="5518151"/>
           </a:xfrm>
         </p:spPr>
-        <p:txBody>
-          <a:bodyPr/>
-          <a:lstStyle/>
-          <a:p>
-            <a:r>
-              <a:rPr lang="en-US" dirty="0" smtClean="0"/>
-              <a:t>Since deposition and re-emission of chemical </a:t>
-            </a:r>
-            <a:r>
-              <a:rPr lang="en-US" smtClean="0"/>
-              <a:t>species onto indoor </a:t>
-            </a:r>
-            <a:r>
-              <a:rPr lang="en-US" dirty="0" smtClean="0"/>
-              <a:t>surfaces are a major process affecting indoor air, the rate of these processes is </a:t>
-            </a:r>
-            <a:r>
-              <a:rPr lang="en-US" smtClean="0"/>
-              <a:t>little quantified</a:t>
-            </a:r>
-            <a:endParaRPr lang="en-US" dirty="0"/>
-          </a:p>
-        </p:txBody>
-      </p:sp>
+      </p:pic>
       <p:sp>
         <p:nvSpPr>
           <p:cNvPr id="6" name="Title 1">
             <a:extLst>
               <a:ext uri="{FF2B5EF4-FFF2-40B4-BE49-F238E27FC236}">
-                <a16:creationId xmlns:a16="http://schemas.microsoft.com/office/drawing/2014/main" xmlns="" id="{F7B587BC-F78F-4B4A-B59D-215E142E0429}"/>
+                <a16:creationId xmlns:a16="http://schemas.microsoft.com/office/drawing/2014/main" id="{F7B587BC-F78F-4B4A-B59D-215E142E0429}"/>
               </a:ext>
             </a:extLst>
           </p:cNvPr>
@@ -4027,7 +3990,798 @@
           </a:lstStyle>
           <a:p>
             <a:r>
-              <a:rPr lang="en-US" sz="3600" dirty="0" smtClean="0">
+              <a:rPr lang="en-US" sz="3600" dirty="0">
+                <a:solidFill>
+                  <a:prstClr val="white"/>
+                </a:solidFill>
+                <a:latin typeface="Arial"/>
+                <a:cs typeface="Arial"/>
+              </a:rPr>
+              <a:t>Base Case </a:t>
+            </a:r>
+          </a:p>
+        </p:txBody>
+      </p:sp>
+    </p:spTree>
+    <p:extLst>
+      <p:ext uri="{BB962C8B-B14F-4D97-AF65-F5344CB8AC3E}">
+        <p14:creationId xmlns:p14="http://schemas.microsoft.com/office/powerpoint/2010/main" val="3165945979"/>
+      </p:ext>
+    </p:extLst>
+  </p:cSld>
+  <p:clrMapOvr>
+    <a:masterClrMapping/>
+  </p:clrMapOvr>
+</p:sld>
+</file>
+
+<file path=ppt/slides/slide4.xml><?xml version="1.0" encoding="utf-8"?>
+<p:sld xmlns:a="http://schemas.openxmlformats.org/drawingml/2006/main" xmlns:r="http://schemas.openxmlformats.org/officeDocument/2006/relationships" xmlns:p="http://schemas.openxmlformats.org/presentationml/2006/main">
+  <p:cSld>
+    <p:spTree>
+      <p:nvGrpSpPr>
+        <p:cNvPr id="1" name=""/>
+        <p:cNvGrpSpPr/>
+        <p:nvPr/>
+      </p:nvGrpSpPr>
+      <p:grpSpPr>
+        <a:xfrm>
+          <a:off x="0" y="0"/>
+          <a:ext cx="0" cy="0"/>
+          <a:chOff x="0" y="0"/>
+          <a:chExt cx="0" cy="0"/>
+        </a:xfrm>
+      </p:grpSpPr>
+      <p:sp>
+        <p:nvSpPr>
+          <p:cNvPr id="3" name="Content Placeholder 2">
+            <a:extLst>
+              <a:ext uri="{FF2B5EF4-FFF2-40B4-BE49-F238E27FC236}">
+                <a16:creationId xmlns:a16="http://schemas.microsoft.com/office/drawing/2014/main" id="{28B29C68-9D1F-4A44-ABD0-8A2E2DE6262A}"/>
+              </a:ext>
+            </a:extLst>
+          </p:cNvPr>
+          <p:cNvSpPr>
+            <a:spLocks noGrp="1"/>
+          </p:cNvSpPr>
+          <p:nvPr>
+            <p:ph idx="1"/>
+          </p:nvPr>
+        </p:nvSpPr>
+        <p:spPr>
+          <a:xfrm>
+            <a:off x="838200" y="1825625"/>
+            <a:ext cx="10515600" cy="3692306"/>
+          </a:xfrm>
+        </p:spPr>
+        <p:txBody>
+          <a:bodyPr/>
+          <a:lstStyle/>
+          <a:p>
+            <a:pPr marL="0" indent="0">
+              <a:buNone/>
+            </a:pPr>
+            <a:endParaRPr lang="en-US" dirty="0"/>
+          </a:p>
+        </p:txBody>
+      </p:sp>
+      <p:sp>
+        <p:nvSpPr>
+          <p:cNvPr id="6" name="Title 1">
+            <a:extLst>
+              <a:ext uri="{FF2B5EF4-FFF2-40B4-BE49-F238E27FC236}">
+                <a16:creationId xmlns:a16="http://schemas.microsoft.com/office/drawing/2014/main" id="{F7B587BC-F78F-4B4A-B59D-215E142E0429}"/>
+              </a:ext>
+            </a:extLst>
+          </p:cNvPr>
+          <p:cNvSpPr txBox="1">
+            <a:spLocks/>
+          </p:cNvSpPr>
+          <p:nvPr/>
+        </p:nvSpPr>
+        <p:spPr>
+          <a:xfrm>
+            <a:off x="0" y="0"/>
+            <a:ext cx="12192000" cy="914400"/>
+          </a:xfrm>
+          <a:prstGeom prst="rect">
+            <a:avLst/>
+          </a:prstGeom>
+          <a:solidFill>
+            <a:srgbClr val="C00000"/>
+          </a:solidFill>
+        </p:spPr>
+        <p:txBody>
+          <a:bodyPr vert="horz" lIns="91440" tIns="45720" rIns="91440" bIns="45720" rtlCol="0" anchor="ctr">
+            <a:noAutofit/>
+          </a:bodyPr>
+          <a:lstStyle>
+            <a:lvl1pPr algn="ctr" defTabSz="914400" rtl="0" eaLnBrk="1" latinLnBrk="0" hangingPunct="1">
+              <a:spcBef>
+                <a:spcPct val="0"/>
+              </a:spcBef>
+              <a:buNone/>
+              <a:defRPr sz="4400" kern="1200">
+                <a:solidFill>
+                  <a:schemeClr val="tx1"/>
+                </a:solidFill>
+                <a:latin typeface="+mj-lt"/>
+                <a:ea typeface="+mj-ea"/>
+                <a:cs typeface="+mj-cs"/>
+              </a:defRPr>
+            </a:lvl1pPr>
+          </a:lstStyle>
+          <a:p>
+            <a:r>
+              <a:rPr lang="en-US" sz="3600" dirty="0">
+                <a:solidFill>
+                  <a:prstClr val="white"/>
+                </a:solidFill>
+                <a:latin typeface="Arial"/>
+                <a:cs typeface="Arial"/>
+              </a:rPr>
+              <a:t>Varying Initial [O</a:t>
+            </a:r>
+            <a:r>
+              <a:rPr lang="en-US" sz="3600" baseline="-25000" dirty="0">
+                <a:solidFill>
+                  <a:prstClr val="white"/>
+                </a:solidFill>
+                <a:latin typeface="Arial"/>
+                <a:cs typeface="Arial"/>
+              </a:rPr>
+              <a:t>3</a:t>
+            </a:r>
+            <a:r>
+              <a:rPr lang="en-US" sz="3600" dirty="0">
+                <a:solidFill>
+                  <a:prstClr val="white"/>
+                </a:solidFill>
+                <a:latin typeface="Arial"/>
+                <a:cs typeface="Arial"/>
+              </a:rPr>
+              <a:t>]</a:t>
+            </a:r>
+          </a:p>
+        </p:txBody>
+      </p:sp>
+    </p:spTree>
+    <p:extLst>
+      <p:ext uri="{BB962C8B-B14F-4D97-AF65-F5344CB8AC3E}">
+        <p14:creationId xmlns:p14="http://schemas.microsoft.com/office/powerpoint/2010/main" val="780005031"/>
+      </p:ext>
+    </p:extLst>
+  </p:cSld>
+  <p:clrMapOvr>
+    <a:masterClrMapping/>
+  </p:clrMapOvr>
+</p:sld>
+</file>
+
+<file path=ppt/slides/slide5.xml><?xml version="1.0" encoding="utf-8"?>
+<p:sld xmlns:a="http://schemas.openxmlformats.org/drawingml/2006/main" xmlns:r="http://schemas.openxmlformats.org/officeDocument/2006/relationships" xmlns:p="http://schemas.openxmlformats.org/presentationml/2006/main">
+  <p:cSld>
+    <p:spTree>
+      <p:nvGrpSpPr>
+        <p:cNvPr id="1" name=""/>
+        <p:cNvGrpSpPr/>
+        <p:nvPr/>
+      </p:nvGrpSpPr>
+      <p:grpSpPr>
+        <a:xfrm>
+          <a:off x="0" y="0"/>
+          <a:ext cx="0" cy="0"/>
+          <a:chOff x="0" y="0"/>
+          <a:chExt cx="0" cy="0"/>
+        </a:xfrm>
+      </p:grpSpPr>
+      <p:sp>
+        <p:nvSpPr>
+          <p:cNvPr id="3" name="Content Placeholder 2">
+            <a:extLst>
+              <a:ext uri="{FF2B5EF4-FFF2-40B4-BE49-F238E27FC236}">
+                <a16:creationId xmlns:a16="http://schemas.microsoft.com/office/drawing/2014/main" id="{28B29C68-9D1F-4A44-ABD0-8A2E2DE6262A}"/>
+              </a:ext>
+            </a:extLst>
+          </p:cNvPr>
+          <p:cNvSpPr>
+            <a:spLocks noGrp="1"/>
+          </p:cNvSpPr>
+          <p:nvPr>
+            <p:ph idx="1"/>
+          </p:nvPr>
+        </p:nvSpPr>
+        <p:spPr>
+          <a:xfrm>
+            <a:off x="838200" y="1825625"/>
+            <a:ext cx="10515600" cy="3692306"/>
+          </a:xfrm>
+        </p:spPr>
+        <p:txBody>
+          <a:bodyPr/>
+          <a:lstStyle/>
+          <a:p>
+            <a:pPr marL="0" indent="0">
+              <a:buNone/>
+            </a:pPr>
+            <a:endParaRPr lang="en-US" dirty="0"/>
+          </a:p>
+        </p:txBody>
+      </p:sp>
+      <p:sp>
+        <p:nvSpPr>
+          <p:cNvPr id="6" name="Title 1">
+            <a:extLst>
+              <a:ext uri="{FF2B5EF4-FFF2-40B4-BE49-F238E27FC236}">
+                <a16:creationId xmlns:a16="http://schemas.microsoft.com/office/drawing/2014/main" id="{F7B587BC-F78F-4B4A-B59D-215E142E0429}"/>
+              </a:ext>
+            </a:extLst>
+          </p:cNvPr>
+          <p:cNvSpPr txBox="1">
+            <a:spLocks/>
+          </p:cNvSpPr>
+          <p:nvPr/>
+        </p:nvSpPr>
+        <p:spPr>
+          <a:xfrm>
+            <a:off x="0" y="0"/>
+            <a:ext cx="12192000" cy="914400"/>
+          </a:xfrm>
+          <a:prstGeom prst="rect">
+            <a:avLst/>
+          </a:prstGeom>
+          <a:solidFill>
+            <a:srgbClr val="C00000"/>
+          </a:solidFill>
+        </p:spPr>
+        <p:txBody>
+          <a:bodyPr vert="horz" lIns="91440" tIns="45720" rIns="91440" bIns="45720" rtlCol="0" anchor="ctr">
+            <a:noAutofit/>
+          </a:bodyPr>
+          <a:lstStyle>
+            <a:lvl1pPr algn="ctr" defTabSz="914400" rtl="0" eaLnBrk="1" latinLnBrk="0" hangingPunct="1">
+              <a:spcBef>
+                <a:spcPct val="0"/>
+              </a:spcBef>
+              <a:buNone/>
+              <a:defRPr sz="4400" kern="1200">
+                <a:solidFill>
+                  <a:schemeClr val="tx1"/>
+                </a:solidFill>
+                <a:latin typeface="+mj-lt"/>
+                <a:ea typeface="+mj-ea"/>
+                <a:cs typeface="+mj-cs"/>
+              </a:defRPr>
+            </a:lvl1pPr>
+          </a:lstStyle>
+          <a:p>
+            <a:r>
+              <a:rPr lang="en-US" sz="3600" dirty="0">
+                <a:solidFill>
+                  <a:prstClr val="white"/>
+                </a:solidFill>
+                <a:latin typeface="Arial"/>
+                <a:cs typeface="Arial"/>
+              </a:rPr>
+              <a:t>Indoor Light Sources Examples</a:t>
+            </a:r>
+          </a:p>
+        </p:txBody>
+      </p:sp>
+    </p:spTree>
+    <p:extLst>
+      <p:ext uri="{BB962C8B-B14F-4D97-AF65-F5344CB8AC3E}">
+        <p14:creationId xmlns:p14="http://schemas.microsoft.com/office/powerpoint/2010/main" val="2073884843"/>
+      </p:ext>
+    </p:extLst>
+  </p:cSld>
+  <p:clrMapOvr>
+    <a:masterClrMapping/>
+  </p:clrMapOvr>
+</p:sld>
+</file>
+
+<file path=ppt/slides/slide6.xml><?xml version="1.0" encoding="utf-8"?>
+<p:sld xmlns:a="http://schemas.openxmlformats.org/drawingml/2006/main" xmlns:r="http://schemas.openxmlformats.org/officeDocument/2006/relationships" xmlns:p="http://schemas.openxmlformats.org/presentationml/2006/main">
+  <p:cSld>
+    <p:spTree>
+      <p:nvGrpSpPr>
+        <p:cNvPr id="1" name=""/>
+        <p:cNvGrpSpPr/>
+        <p:nvPr/>
+      </p:nvGrpSpPr>
+      <p:grpSpPr>
+        <a:xfrm>
+          <a:off x="0" y="0"/>
+          <a:ext cx="0" cy="0"/>
+          <a:chOff x="0" y="0"/>
+          <a:chExt cx="0" cy="0"/>
+        </a:xfrm>
+      </p:grpSpPr>
+      <p:sp>
+        <p:nvSpPr>
+          <p:cNvPr id="3" name="Content Placeholder 2">
+            <a:extLst>
+              <a:ext uri="{FF2B5EF4-FFF2-40B4-BE49-F238E27FC236}">
+                <a16:creationId xmlns:a16="http://schemas.microsoft.com/office/drawing/2014/main" id="{28B29C68-9D1F-4A44-ABD0-8A2E2DE6262A}"/>
+              </a:ext>
+            </a:extLst>
+          </p:cNvPr>
+          <p:cNvSpPr>
+            <a:spLocks noGrp="1"/>
+          </p:cNvSpPr>
+          <p:nvPr>
+            <p:ph idx="1"/>
+          </p:nvPr>
+        </p:nvSpPr>
+        <p:spPr>
+          <a:xfrm>
+            <a:off x="838200" y="1825625"/>
+            <a:ext cx="10515600" cy="3692306"/>
+          </a:xfrm>
+        </p:spPr>
+        <p:txBody>
+          <a:bodyPr/>
+          <a:lstStyle/>
+          <a:p>
+            <a:pPr marL="0" indent="0">
+              <a:buNone/>
+            </a:pPr>
+            <a:endParaRPr lang="en-US" dirty="0"/>
+          </a:p>
+        </p:txBody>
+      </p:sp>
+      <p:sp>
+        <p:nvSpPr>
+          <p:cNvPr id="6" name="Title 1">
+            <a:extLst>
+              <a:ext uri="{FF2B5EF4-FFF2-40B4-BE49-F238E27FC236}">
+                <a16:creationId xmlns:a16="http://schemas.microsoft.com/office/drawing/2014/main" id="{F7B587BC-F78F-4B4A-B59D-215E142E0429}"/>
+              </a:ext>
+            </a:extLst>
+          </p:cNvPr>
+          <p:cNvSpPr txBox="1">
+            <a:spLocks/>
+          </p:cNvSpPr>
+          <p:nvPr/>
+        </p:nvSpPr>
+        <p:spPr>
+          <a:xfrm>
+            <a:off x="0" y="0"/>
+            <a:ext cx="12192000" cy="914400"/>
+          </a:xfrm>
+          <a:prstGeom prst="rect">
+            <a:avLst/>
+          </a:prstGeom>
+          <a:solidFill>
+            <a:srgbClr val="C00000"/>
+          </a:solidFill>
+        </p:spPr>
+        <p:txBody>
+          <a:bodyPr vert="horz" lIns="91440" tIns="45720" rIns="91440" bIns="45720" rtlCol="0" anchor="ctr">
+            <a:noAutofit/>
+          </a:bodyPr>
+          <a:lstStyle>
+            <a:lvl1pPr algn="ctr" defTabSz="914400" rtl="0" eaLnBrk="1" latinLnBrk="0" hangingPunct="1">
+              <a:spcBef>
+                <a:spcPct val="0"/>
+              </a:spcBef>
+              <a:buNone/>
+              <a:defRPr sz="4400" kern="1200">
+                <a:solidFill>
+                  <a:schemeClr val="tx1"/>
+                </a:solidFill>
+                <a:latin typeface="+mj-lt"/>
+                <a:ea typeface="+mj-ea"/>
+                <a:cs typeface="+mj-cs"/>
+              </a:defRPr>
+            </a:lvl1pPr>
+          </a:lstStyle>
+          <a:p>
+            <a:r>
+              <a:rPr lang="en-US" sz="3600" dirty="0">
+                <a:solidFill>
+                  <a:prstClr val="white"/>
+                </a:solidFill>
+                <a:latin typeface="Arial"/>
+                <a:cs typeface="Arial"/>
+              </a:rPr>
+              <a:t>Varying Indoor Light Source</a:t>
+            </a:r>
+          </a:p>
+        </p:txBody>
+      </p:sp>
+    </p:spTree>
+    <p:extLst>
+      <p:ext uri="{BB962C8B-B14F-4D97-AF65-F5344CB8AC3E}">
+        <p14:creationId xmlns:p14="http://schemas.microsoft.com/office/powerpoint/2010/main" val="492948143"/>
+      </p:ext>
+    </p:extLst>
+  </p:cSld>
+  <p:clrMapOvr>
+    <a:masterClrMapping/>
+  </p:clrMapOvr>
+</p:sld>
+</file>
+
+<file path=ppt/slides/slide7.xml><?xml version="1.0" encoding="utf-8"?>
+<p:sld xmlns:a="http://schemas.openxmlformats.org/drawingml/2006/main" xmlns:r="http://schemas.openxmlformats.org/officeDocument/2006/relationships" xmlns:p="http://schemas.openxmlformats.org/presentationml/2006/main">
+  <p:cSld>
+    <p:spTree>
+      <p:nvGrpSpPr>
+        <p:cNvPr id="1" name=""/>
+        <p:cNvGrpSpPr/>
+        <p:nvPr/>
+      </p:nvGrpSpPr>
+      <p:grpSpPr>
+        <a:xfrm>
+          <a:off x="0" y="0"/>
+          <a:ext cx="0" cy="0"/>
+          <a:chOff x="0" y="0"/>
+          <a:chExt cx="0" cy="0"/>
+        </a:xfrm>
+      </p:grpSpPr>
+      <p:sp>
+        <p:nvSpPr>
+          <p:cNvPr id="3" name="Content Placeholder 2">
+            <a:extLst>
+              <a:ext uri="{FF2B5EF4-FFF2-40B4-BE49-F238E27FC236}">
+                <a16:creationId xmlns:a16="http://schemas.microsoft.com/office/drawing/2014/main" id="{28B29C68-9D1F-4A44-ABD0-8A2E2DE6262A}"/>
+              </a:ext>
+            </a:extLst>
+          </p:cNvPr>
+          <p:cNvSpPr>
+            <a:spLocks noGrp="1"/>
+          </p:cNvSpPr>
+          <p:nvPr>
+            <p:ph idx="1"/>
+          </p:nvPr>
+        </p:nvSpPr>
+        <p:spPr>
+          <a:xfrm>
+            <a:off x="838200" y="1825625"/>
+            <a:ext cx="10515600" cy="3692306"/>
+          </a:xfrm>
+        </p:spPr>
+        <p:txBody>
+          <a:bodyPr/>
+          <a:lstStyle/>
+          <a:p>
+            <a:pPr marL="0" indent="0">
+              <a:buNone/>
+            </a:pPr>
+            <a:endParaRPr lang="en-US" dirty="0"/>
+          </a:p>
+        </p:txBody>
+      </p:sp>
+      <p:sp>
+        <p:nvSpPr>
+          <p:cNvPr id="6" name="Title 1">
+            <a:extLst>
+              <a:ext uri="{FF2B5EF4-FFF2-40B4-BE49-F238E27FC236}">
+                <a16:creationId xmlns:a16="http://schemas.microsoft.com/office/drawing/2014/main" id="{F7B587BC-F78F-4B4A-B59D-215E142E0429}"/>
+              </a:ext>
+            </a:extLst>
+          </p:cNvPr>
+          <p:cNvSpPr txBox="1">
+            <a:spLocks/>
+          </p:cNvSpPr>
+          <p:nvPr/>
+        </p:nvSpPr>
+        <p:spPr>
+          <a:xfrm>
+            <a:off x="0" y="0"/>
+            <a:ext cx="12192000" cy="914400"/>
+          </a:xfrm>
+          <a:prstGeom prst="rect">
+            <a:avLst/>
+          </a:prstGeom>
+          <a:solidFill>
+            <a:srgbClr val="C00000"/>
+          </a:solidFill>
+        </p:spPr>
+        <p:txBody>
+          <a:bodyPr vert="horz" lIns="91440" tIns="45720" rIns="91440" bIns="45720" rtlCol="0" anchor="ctr">
+            <a:noAutofit/>
+          </a:bodyPr>
+          <a:lstStyle>
+            <a:lvl1pPr algn="ctr" defTabSz="914400" rtl="0" eaLnBrk="1" latinLnBrk="0" hangingPunct="1">
+              <a:spcBef>
+                <a:spcPct val="0"/>
+              </a:spcBef>
+              <a:buNone/>
+              <a:defRPr sz="4400" kern="1200">
+                <a:solidFill>
+                  <a:schemeClr val="tx1"/>
+                </a:solidFill>
+                <a:latin typeface="+mj-lt"/>
+                <a:ea typeface="+mj-ea"/>
+                <a:cs typeface="+mj-cs"/>
+              </a:defRPr>
+            </a:lvl1pPr>
+          </a:lstStyle>
+          <a:p>
+            <a:r>
+              <a:rPr lang="en-US" sz="3600" dirty="0">
+                <a:solidFill>
+                  <a:prstClr val="white"/>
+                </a:solidFill>
+                <a:latin typeface="Arial"/>
+                <a:cs typeface="Arial"/>
+              </a:rPr>
+              <a:t>Varying Surface Deposition</a:t>
+            </a:r>
+          </a:p>
+        </p:txBody>
+      </p:sp>
+    </p:spTree>
+    <p:extLst>
+      <p:ext uri="{BB962C8B-B14F-4D97-AF65-F5344CB8AC3E}">
+        <p14:creationId xmlns:p14="http://schemas.microsoft.com/office/powerpoint/2010/main" val="3315929640"/>
+      </p:ext>
+    </p:extLst>
+  </p:cSld>
+  <p:clrMapOvr>
+    <a:masterClrMapping/>
+  </p:clrMapOvr>
+</p:sld>
+</file>
+
+<file path=ppt/slides/slide8.xml><?xml version="1.0" encoding="utf-8"?>
+<p:sld xmlns:a="http://schemas.openxmlformats.org/drawingml/2006/main" xmlns:r="http://schemas.openxmlformats.org/officeDocument/2006/relationships" xmlns:p="http://schemas.openxmlformats.org/presentationml/2006/main">
+  <p:cSld>
+    <p:spTree>
+      <p:nvGrpSpPr>
+        <p:cNvPr id="1" name=""/>
+        <p:cNvGrpSpPr/>
+        <p:nvPr/>
+      </p:nvGrpSpPr>
+      <p:grpSpPr>
+        <a:xfrm>
+          <a:off x="0" y="0"/>
+          <a:ext cx="0" cy="0"/>
+          <a:chOff x="0" y="0"/>
+          <a:chExt cx="0" cy="0"/>
+        </a:xfrm>
+      </p:grpSpPr>
+      <p:sp>
+        <p:nvSpPr>
+          <p:cNvPr id="3" name="Content Placeholder 2">
+            <a:extLst>
+              <a:ext uri="{FF2B5EF4-FFF2-40B4-BE49-F238E27FC236}">
+                <a16:creationId xmlns:a16="http://schemas.microsoft.com/office/drawing/2014/main" id="{28B29C68-9D1F-4A44-ABD0-8A2E2DE6262A}"/>
+              </a:ext>
+            </a:extLst>
+          </p:cNvPr>
+          <p:cNvSpPr>
+            <a:spLocks noGrp="1"/>
+          </p:cNvSpPr>
+          <p:nvPr>
+            <p:ph idx="1"/>
+          </p:nvPr>
+        </p:nvSpPr>
+        <p:spPr>
+          <a:xfrm>
+            <a:off x="838200" y="1825625"/>
+            <a:ext cx="10515600" cy="3692306"/>
+          </a:xfrm>
+        </p:spPr>
+        <p:txBody>
+          <a:bodyPr/>
+          <a:lstStyle/>
+          <a:p>
+            <a:pPr marL="0" indent="0">
+              <a:buNone/>
+            </a:pPr>
+            <a:endParaRPr lang="en-US" dirty="0"/>
+          </a:p>
+        </p:txBody>
+      </p:sp>
+      <p:sp>
+        <p:nvSpPr>
+          <p:cNvPr id="6" name="Title 1">
+            <a:extLst>
+              <a:ext uri="{FF2B5EF4-FFF2-40B4-BE49-F238E27FC236}">
+                <a16:creationId xmlns:a16="http://schemas.microsoft.com/office/drawing/2014/main" id="{F7B587BC-F78F-4B4A-B59D-215E142E0429}"/>
+              </a:ext>
+            </a:extLst>
+          </p:cNvPr>
+          <p:cNvSpPr txBox="1">
+            <a:spLocks/>
+          </p:cNvSpPr>
+          <p:nvPr/>
+        </p:nvSpPr>
+        <p:spPr>
+          <a:xfrm>
+            <a:off x="0" y="0"/>
+            <a:ext cx="12192000" cy="914400"/>
+          </a:xfrm>
+          <a:prstGeom prst="rect">
+            <a:avLst/>
+          </a:prstGeom>
+          <a:solidFill>
+            <a:srgbClr val="C00000"/>
+          </a:solidFill>
+        </p:spPr>
+        <p:txBody>
+          <a:bodyPr vert="horz" lIns="91440" tIns="45720" rIns="91440" bIns="45720" rtlCol="0" anchor="ctr">
+            <a:noAutofit/>
+          </a:bodyPr>
+          <a:lstStyle>
+            <a:lvl1pPr algn="ctr" defTabSz="914400" rtl="0" eaLnBrk="1" latinLnBrk="0" hangingPunct="1">
+              <a:spcBef>
+                <a:spcPct val="0"/>
+              </a:spcBef>
+              <a:buNone/>
+              <a:defRPr sz="4400" kern="1200">
+                <a:solidFill>
+                  <a:schemeClr val="tx1"/>
+                </a:solidFill>
+                <a:latin typeface="+mj-lt"/>
+                <a:ea typeface="+mj-ea"/>
+                <a:cs typeface="+mj-cs"/>
+              </a:defRPr>
+            </a:lvl1pPr>
+          </a:lstStyle>
+          <a:p>
+            <a:r>
+              <a:rPr lang="en-US" sz="3600" dirty="0">
+                <a:solidFill>
+                  <a:prstClr val="white"/>
+                </a:solidFill>
+                <a:latin typeface="Arial"/>
+                <a:cs typeface="Arial"/>
+              </a:rPr>
+              <a:t>Varying [NO</a:t>
+            </a:r>
+            <a:r>
+              <a:rPr lang="en-US" sz="3600" baseline="-25000" dirty="0">
+                <a:solidFill>
+                  <a:prstClr val="white"/>
+                </a:solidFill>
+                <a:latin typeface="Arial"/>
+                <a:cs typeface="Arial"/>
+              </a:rPr>
+              <a:t>x</a:t>
+            </a:r>
+            <a:r>
+              <a:rPr lang="en-US" sz="3600" dirty="0">
+                <a:solidFill>
+                  <a:prstClr val="white"/>
+                </a:solidFill>
+                <a:latin typeface="Arial"/>
+                <a:cs typeface="Arial"/>
+              </a:rPr>
+              <a:t>]</a:t>
+            </a:r>
+          </a:p>
+        </p:txBody>
+      </p:sp>
+    </p:spTree>
+    <p:extLst>
+      <p:ext uri="{BB962C8B-B14F-4D97-AF65-F5344CB8AC3E}">
+        <p14:creationId xmlns:p14="http://schemas.microsoft.com/office/powerpoint/2010/main" val="3510424032"/>
+      </p:ext>
+    </p:extLst>
+  </p:cSld>
+  <p:clrMapOvr>
+    <a:masterClrMapping/>
+  </p:clrMapOvr>
+</p:sld>
+</file>
+
+<file path=ppt/slides/slide9.xml><?xml version="1.0" encoding="utf-8"?>
+<p:sld xmlns:a="http://schemas.openxmlformats.org/drawingml/2006/main" xmlns:r="http://schemas.openxmlformats.org/officeDocument/2006/relationships" xmlns:p="http://schemas.openxmlformats.org/presentationml/2006/main">
+  <p:cSld>
+    <p:spTree>
+      <p:nvGrpSpPr>
+        <p:cNvPr id="1" name=""/>
+        <p:cNvGrpSpPr/>
+        <p:nvPr/>
+      </p:nvGrpSpPr>
+      <p:grpSpPr>
+        <a:xfrm>
+          <a:off x="0" y="0"/>
+          <a:ext cx="0" cy="0"/>
+          <a:chOff x="0" y="0"/>
+          <a:chExt cx="0" cy="0"/>
+        </a:xfrm>
+      </p:grpSpPr>
+      <p:sp>
+        <p:nvSpPr>
+          <p:cNvPr id="3" name="Content Placeholder 2">
+            <a:extLst>
+              <a:ext uri="{FF2B5EF4-FFF2-40B4-BE49-F238E27FC236}">
+                <a16:creationId xmlns:a16="http://schemas.microsoft.com/office/drawing/2014/main" id="{28B29C68-9D1F-4A44-ABD0-8A2E2DE6262A}"/>
+              </a:ext>
+            </a:extLst>
+          </p:cNvPr>
+          <p:cNvSpPr>
+            <a:spLocks noGrp="1"/>
+          </p:cNvSpPr>
+          <p:nvPr>
+            <p:ph idx="1"/>
+          </p:nvPr>
+        </p:nvSpPr>
+        <p:spPr>
+          <a:xfrm>
+            <a:off x="838200" y="1825625"/>
+            <a:ext cx="10515600" cy="3692306"/>
+          </a:xfrm>
+        </p:spPr>
+        <p:txBody>
+          <a:bodyPr/>
+          <a:lstStyle/>
+          <a:p>
+            <a:r>
+              <a:rPr lang="en-US" dirty="0"/>
+              <a:t>Since deposition and re-emission of chemical </a:t>
+            </a:r>
+            <a:r>
+              <a:rPr lang="en-US"/>
+              <a:t>species onto indoor </a:t>
+            </a:r>
+            <a:r>
+              <a:rPr lang="en-US" dirty="0"/>
+              <a:t>surfaces are a major process affecting indoor air, the rate of these processes is </a:t>
+            </a:r>
+            <a:r>
+              <a:rPr lang="en-US"/>
+              <a:t>little quantified</a:t>
+            </a:r>
+            <a:endParaRPr lang="en-US" dirty="0"/>
+          </a:p>
+        </p:txBody>
+      </p:sp>
+      <p:sp>
+        <p:nvSpPr>
+          <p:cNvPr id="6" name="Title 1">
+            <a:extLst>
+              <a:ext uri="{FF2B5EF4-FFF2-40B4-BE49-F238E27FC236}">
+                <a16:creationId xmlns:a16="http://schemas.microsoft.com/office/drawing/2014/main" id="{F7B587BC-F78F-4B4A-B59D-215E142E0429}"/>
+              </a:ext>
+            </a:extLst>
+          </p:cNvPr>
+          <p:cNvSpPr txBox="1">
+            <a:spLocks/>
+          </p:cNvSpPr>
+          <p:nvPr/>
+        </p:nvSpPr>
+        <p:spPr>
+          <a:xfrm>
+            <a:off x="0" y="0"/>
+            <a:ext cx="12192000" cy="914400"/>
+          </a:xfrm>
+          <a:prstGeom prst="rect">
+            <a:avLst/>
+          </a:prstGeom>
+          <a:solidFill>
+            <a:srgbClr val="C00000"/>
+          </a:solidFill>
+        </p:spPr>
+        <p:txBody>
+          <a:bodyPr vert="horz" lIns="91440" tIns="45720" rIns="91440" bIns="45720" rtlCol="0" anchor="ctr">
+            <a:noAutofit/>
+          </a:bodyPr>
+          <a:lstStyle>
+            <a:lvl1pPr algn="ctr" defTabSz="914400" rtl="0" eaLnBrk="1" latinLnBrk="0" hangingPunct="1">
+              <a:spcBef>
+                <a:spcPct val="0"/>
+              </a:spcBef>
+              <a:buNone/>
+              <a:defRPr sz="4400" kern="1200">
+                <a:solidFill>
+                  <a:schemeClr val="tx1"/>
+                </a:solidFill>
+                <a:latin typeface="+mj-lt"/>
+                <a:ea typeface="+mj-ea"/>
+                <a:cs typeface="+mj-cs"/>
+              </a:defRPr>
+            </a:lvl1pPr>
+          </a:lstStyle>
+          <a:p>
+            <a:r>
+              <a:rPr lang="en-US" sz="3600" dirty="0">
                 <a:solidFill>
                   <a:prstClr val="white"/>
                 </a:solidFill>
@@ -4036,13 +4790,6 @@
               </a:rPr>
               <a:t>Indoor Flux Measurement Idea</a:t>
             </a:r>
-            <a:endParaRPr lang="en-US" sz="3600" dirty="0">
-              <a:solidFill>
-                <a:prstClr val="white"/>
-              </a:solidFill>
-              <a:latin typeface="Arial"/>
-              <a:cs typeface="Arial"/>
-            </a:endParaRPr>
           </a:p>
         </p:txBody>
       </p:sp>
@@ -4056,13 +4803,6 @@
   <p:clrMapOvr>
     <a:masterClrMapping/>
   </p:clrMapOvr>
-  <p:timing>
-    <p:tnLst>
-      <p:par>
-        <p:cTn id="1" dur="indefinite" restart="never" nodeType="tmRoot"/>
-      </p:par>
-    </p:tnLst>
-  </p:timing>
 </p:sld>
 </file>
 

--- a/JLC_JDS_IndoorAir_F0AMProject.pptx
+++ b/JLC_JDS_IndoorAir_F0AMProject.pptx
@@ -3872,8 +3872,25 @@
                 <a:latin typeface="Arial"/>
                 <a:cs typeface="Arial"/>
               </a:rPr>
-              <a:t>Indoor vs Outdoor Air</a:t>
-            </a:r>
+              <a:t>Why Study Indoor </a:t>
+            </a:r>
+            <a:r>
+              <a:rPr lang="en-US" sz="3600">
+                <a:solidFill>
+                  <a:prstClr val="white"/>
+                </a:solidFill>
+                <a:latin typeface="Arial"/>
+                <a:cs typeface="Arial"/>
+              </a:rPr>
+              <a:t>Air Chemistry?</a:t>
+            </a:r>
+            <a:endParaRPr lang="en-US" sz="3600" dirty="0">
+              <a:solidFill>
+                <a:prstClr val="white"/>
+              </a:solidFill>
+              <a:latin typeface="Arial"/>
+              <a:cs typeface="Arial"/>
+            </a:endParaRPr>
           </a:p>
         </p:txBody>
       </p:sp>
@@ -4032,39 +4049,41 @@
           <a:chExt cx="0" cy="0"/>
         </a:xfrm>
       </p:grpSpPr>
-      <p:sp>
-        <p:nvSpPr>
-          <p:cNvPr id="3" name="Content Placeholder 2">
-            <a:extLst>
-              <a:ext uri="{FF2B5EF4-FFF2-40B4-BE49-F238E27FC236}">
-                <a16:creationId xmlns:a16="http://schemas.microsoft.com/office/drawing/2014/main" id="{28B29C68-9D1F-4A44-ABD0-8A2E2DE6262A}"/>
-              </a:ext>
-            </a:extLst>
-          </p:cNvPr>
-          <p:cNvSpPr>
-            <a:spLocks noGrp="1"/>
-          </p:cNvSpPr>
+      <p:pic>
+        <p:nvPicPr>
+          <p:cNvPr id="4" name="Content Placeholder 3" descr="A screenshot of a map&#10;&#10;Description generated with very high confidence">
+            <a:extLst>
+              <a:ext uri="{FF2B5EF4-FFF2-40B4-BE49-F238E27FC236}">
+                <a16:creationId xmlns:a16="http://schemas.microsoft.com/office/drawing/2014/main" id="{38136FFC-AA46-4A6C-A2CC-694C839C9A65}"/>
+              </a:ext>
+            </a:extLst>
+          </p:cNvPr>
+          <p:cNvPicPr>
+            <a:picLocks noGrp="1" noChangeAspect="1"/>
+          </p:cNvPicPr>
           <p:nvPr>
             <p:ph idx="1"/>
           </p:nvPr>
-        </p:nvSpPr>
+        </p:nvPicPr>
+        <p:blipFill>
+          <a:blip r:embed="rId2">
+            <a:extLst>
+              <a:ext uri="{28A0092B-C50C-407E-A947-70E740481C1C}">
+                <a14:useLocalDpi xmlns:a14="http://schemas.microsoft.com/office/drawing/2010/main" val="0"/>
+              </a:ext>
+            </a:extLst>
+          </a:blip>
+          <a:stretch>
+            <a:fillRect/>
+          </a:stretch>
+        </p:blipFill>
         <p:spPr>
           <a:xfrm>
-            <a:off x="838200" y="1825625"/>
-            <a:ext cx="10515600" cy="3692306"/>
+            <a:off x="-338867" y="629322"/>
+            <a:ext cx="7094669" cy="3089974"/>
           </a:xfrm>
         </p:spPr>
-        <p:txBody>
-          <a:bodyPr/>
-          <a:lstStyle/>
-          <a:p>
-            <a:pPr marL="0" indent="0">
-              <a:buNone/>
-            </a:pPr>
-            <a:endParaRPr lang="en-US" dirty="0"/>
-          </a:p>
-        </p:txBody>
-      </p:sp>
+      </p:pic>
       <p:sp>
         <p:nvSpPr>
           <p:cNvPr id="6" name="Title 1">
@@ -4082,7 +4101,7 @@
         <p:spPr>
           <a:xfrm>
             <a:off x="0" y="0"/>
-            <a:ext cx="12192000" cy="914400"/>
+            <a:ext cx="12192000" cy="564776"/>
           </a:xfrm>
           <a:prstGeom prst="rect">
             <a:avLst/>
@@ -4145,6 +4164,42 @@
           </a:p>
         </p:txBody>
       </p:sp>
+      <p:pic>
+        <p:nvPicPr>
+          <p:cNvPr id="7" name="Picture 6" descr="A close up of a map&#10;&#10;Description generated with high confidence">
+            <a:extLst>
+              <a:ext uri="{FF2B5EF4-FFF2-40B4-BE49-F238E27FC236}">
+                <a16:creationId xmlns:a16="http://schemas.microsoft.com/office/drawing/2014/main" id="{7AE8FDE1-8EE9-4197-9D1A-CC14073ACAB7}"/>
+              </a:ext>
+            </a:extLst>
+          </p:cNvPr>
+          <p:cNvPicPr>
+            <a:picLocks noChangeAspect="1"/>
+          </p:cNvPicPr>
+          <p:nvPr/>
+        </p:nvPicPr>
+        <p:blipFill>
+          <a:blip r:embed="rId3">
+            <a:extLst>
+              <a:ext uri="{28A0092B-C50C-407E-A947-70E740481C1C}">
+                <a14:useLocalDpi xmlns:a14="http://schemas.microsoft.com/office/drawing/2010/main" val="0"/>
+              </a:ext>
+            </a:extLst>
+          </a:blip>
+          <a:stretch>
+            <a:fillRect/>
+          </a:stretch>
+        </p:blipFill>
+        <p:spPr>
+          <a:xfrm>
+            <a:off x="6352885" y="2718835"/>
+            <a:ext cx="6819854" cy="3691595"/>
+          </a:xfrm>
+          <a:prstGeom prst="rect">
+            <a:avLst/>
+          </a:prstGeom>
+        </p:spPr>
+      </p:pic>
     </p:spTree>
     <p:extLst>
       <p:ext uri="{BB962C8B-B14F-4D97-AF65-F5344CB8AC3E}">

--- a/JLC_JDS_IndoorAir_F0AMProject.pptx
+++ b/JLC_JDS_IndoorAir_F0AMProject.pptx
@@ -5,18 +5,26 @@
     <p:sldMasterId id="2147483648" r:id="rId1"/>
   </p:sldMasterIdLst>
   <p:notesMasterIdLst>
-    <p:notesMasterId r:id="rId11"/>
+    <p:notesMasterId r:id="rId19"/>
   </p:notesMasterIdLst>
   <p:sldIdLst>
     <p:sldId id="266" r:id="rId2"/>
     <p:sldId id="257" r:id="rId3"/>
-    <p:sldId id="273" r:id="rId4"/>
-    <p:sldId id="268" r:id="rId5"/>
-    <p:sldId id="272" r:id="rId6"/>
-    <p:sldId id="269" r:id="rId7"/>
-    <p:sldId id="270" r:id="rId8"/>
-    <p:sldId id="271" r:id="rId9"/>
-    <p:sldId id="267" r:id="rId10"/>
+    <p:sldId id="274" r:id="rId4"/>
+    <p:sldId id="275" r:id="rId5"/>
+    <p:sldId id="276" r:id="rId6"/>
+    <p:sldId id="279" r:id="rId7"/>
+    <p:sldId id="277" r:id="rId8"/>
+    <p:sldId id="278" r:id="rId9"/>
+    <p:sldId id="280" r:id="rId10"/>
+    <p:sldId id="273" r:id="rId11"/>
+    <p:sldId id="269" r:id="rId12"/>
+    <p:sldId id="272" r:id="rId13"/>
+    <p:sldId id="268" r:id="rId14"/>
+    <p:sldId id="270" r:id="rId15"/>
+    <p:sldId id="271" r:id="rId16"/>
+    <p:sldId id="281" r:id="rId17"/>
+    <p:sldId id="283" r:id="rId18"/>
   </p:sldIdLst>
   <p:sldSz cx="12192000" cy="6858000"/>
   <p:notesSz cx="6858000" cy="9144000"/>
@@ -121,10 +129,6 @@
     </p:ext>
   </p:extLst>
 </p:presentation>
-</file>
-
-<file path=ppt/revisionInfo.xml><?xml version="1.0" encoding="utf-8"?>
-<p1510:revInfo xmlns:a="http://schemas.openxmlformats.org/drawingml/2006/main" xmlns:r="http://schemas.openxmlformats.org/officeDocument/2006/relationships" xmlns:p1510="http://schemas.microsoft.com/office/powerpoint/2015/10/main"/>
 </file>
 
 <file path=ppt/notesMasters/notesMaster1.xml><?xml version="1.0" encoding="utf-8"?>
@@ -3690,6 +3694,42 @@
           <a:chExt cx="0" cy="0"/>
         </a:xfrm>
       </p:grpSpPr>
+      <p:pic>
+        <p:nvPicPr>
+          <p:cNvPr id="5" name="Picture 4" descr="A kitchen with a stove top oven&#10;&#10;Description generated with very high confidence">
+            <a:extLst>
+              <a:ext uri="{FF2B5EF4-FFF2-40B4-BE49-F238E27FC236}">
+                <a16:creationId xmlns:a16="http://schemas.microsoft.com/office/drawing/2014/main" id="{E9443F56-4776-460D-A25E-D6840A3031F0}"/>
+              </a:ext>
+            </a:extLst>
+          </p:cNvPr>
+          <p:cNvPicPr>
+            <a:picLocks noChangeAspect="1"/>
+          </p:cNvPicPr>
+          <p:nvPr/>
+        </p:nvPicPr>
+        <p:blipFill>
+          <a:blip r:embed="rId2">
+            <a:extLst>
+              <a:ext uri="{28A0092B-C50C-407E-A947-70E740481C1C}">
+                <a14:useLocalDpi xmlns:a14="http://schemas.microsoft.com/office/drawing/2010/main" val="0"/>
+              </a:ext>
+            </a:extLst>
+          </a:blip>
+          <a:stretch>
+            <a:fillRect/>
+          </a:stretch>
+        </p:blipFill>
+        <p:spPr>
+          <a:xfrm>
+            <a:off x="0" y="0"/>
+            <a:ext cx="12192000" cy="6928570"/>
+          </a:xfrm>
+          <a:prstGeom prst="rect">
+            <a:avLst/>
+          </a:prstGeom>
+        </p:spPr>
+      </p:pic>
       <p:sp>
         <p:nvSpPr>
           <p:cNvPr id="2" name="Title 1"/>
@@ -3713,15 +3753,41 @@
           <a:lstStyle/>
           <a:p>
             <a:r>
-              <a:rPr lang="en-US" sz="4400" dirty="0"/>
-              <a:t>Insignificant Role of Photochemical Oxidation in Indoor Environments</a:t>
-            </a:r>
-          </a:p>
-        </p:txBody>
-      </p:sp>
-      <p:sp>
-        <p:nvSpPr>
-          <p:cNvPr id="3" name="Subtitle 2"/>
+              <a:rPr lang="en-US" sz="4400" dirty="0">
+                <a:solidFill>
+                  <a:schemeClr val="bg1"/>
+                </a:solidFill>
+              </a:rPr>
+              <a:t>Extent of O</a:t>
+            </a:r>
+            <a:r>
+              <a:rPr lang="en-US" sz="4400" baseline="-25000" dirty="0">
+                <a:solidFill>
+                  <a:schemeClr val="bg1"/>
+                </a:solidFill>
+              </a:rPr>
+              <a:t>3</a:t>
+            </a:r>
+            <a:r>
+              <a:rPr lang="en-US" sz="4400" dirty="0">
+                <a:solidFill>
+                  <a:schemeClr val="bg1"/>
+                </a:solidFill>
+              </a:rPr>
+              <a:t> Photochemical Production in Indoor Environments</a:t>
+            </a:r>
+          </a:p>
+        </p:txBody>
+      </p:sp>
+      <p:sp>
+        <p:nvSpPr>
+          <p:cNvPr id="7" name="Subtitle 6">
+            <a:extLst>
+              <a:ext uri="{FF2B5EF4-FFF2-40B4-BE49-F238E27FC236}">
+                <a16:creationId xmlns:a16="http://schemas.microsoft.com/office/drawing/2014/main" id="{19AD6FF0-EB3B-4EBC-9711-900452E2D8F4}"/>
+              </a:ext>
+            </a:extLst>
+          </p:cNvPr>
           <p:cNvSpPr>
             <a:spLocks noGrp="1"/>
           </p:cNvSpPr>
@@ -3729,28 +3795,97 @@
             <p:ph type="subTitle" idx="1"/>
           </p:nvPr>
         </p:nvSpPr>
-        <p:spPr>
-          <a:xfrm>
-            <a:off x="1524000" y="4270830"/>
-            <a:ext cx="9144000" cy="610264"/>
-          </a:xfrm>
-        </p:spPr>
+        <p:spPr/>
         <p:txBody>
           <a:bodyPr>
-            <a:normAutofit/>
+            <a:normAutofit lnSpcReduction="10000"/>
           </a:bodyPr>
           <a:lstStyle/>
           <a:p>
             <a:r>
-              <a:rPr lang="en-US" dirty="0"/>
-              <a:t>Joshua L Cox and Joshua D Shutter</a:t>
-            </a:r>
-          </a:p>
-          <a:p>
-            <a:endParaRPr lang="en-US" dirty="0"/>
-          </a:p>
-          <a:p>
-            <a:endParaRPr lang="en-US" sz="1000" dirty="0"/>
+              <a:rPr lang="en-US" dirty="0">
+                <a:solidFill>
+                  <a:schemeClr val="bg1"/>
+                </a:solidFill>
+              </a:rPr>
+              <a:t>Josh + Josh</a:t>
+            </a:r>
+          </a:p>
+          <a:p>
+            <a:r>
+              <a:rPr lang="en-US" dirty="0">
+                <a:solidFill>
+                  <a:schemeClr val="bg1"/>
+                </a:solidFill>
+              </a:rPr>
+              <a:t>2 x Josh</a:t>
+            </a:r>
+          </a:p>
+          <a:p>
+            <a:r>
+              <a:rPr lang="en-US" dirty="0">
+                <a:solidFill>
+                  <a:schemeClr val="bg1"/>
+                </a:solidFill>
+              </a:rPr>
+              <a:t>Josh</a:t>
+            </a:r>
+            <a:r>
+              <a:rPr lang="en-US" baseline="30000" dirty="0">
+                <a:solidFill>
+                  <a:schemeClr val="bg1"/>
+                </a:solidFill>
+              </a:rPr>
+              <a:t>2</a:t>
+            </a:r>
+            <a:r>
+              <a:rPr lang="en-US" dirty="0">
+                <a:solidFill>
+                  <a:schemeClr val="bg1"/>
+                </a:solidFill>
+              </a:rPr>
+              <a:t>?</a:t>
+            </a:r>
+          </a:p>
+          <a:p>
+            <a:r>
+              <a:rPr lang="en-US" dirty="0">
+                <a:solidFill>
+                  <a:schemeClr val="bg1"/>
+                </a:solidFill>
+              </a:rPr>
+              <a:t>7 December 2017</a:t>
+            </a:r>
+            <a:r>
+              <a:rPr lang="en-US">
+                <a:solidFill>
+                  <a:schemeClr val="bg1"/>
+                </a:solidFill>
+              </a:rPr>
+              <a:t>, 3:53 </a:t>
+            </a:r>
+            <a:r>
+              <a:rPr lang="en-US" dirty="0">
+                <a:solidFill>
+                  <a:schemeClr val="bg1"/>
+                </a:solidFill>
+              </a:rPr>
+              <a:t>AM… </a:t>
+            </a:r>
+            <a:r>
+              <a:rPr lang="en-US" dirty="0">
+                <a:solidFill>
+                  <a:schemeClr val="bg1"/>
+                </a:solidFill>
+                <a:sym typeface="Wingdings" panose="05000000000000000000" pitchFamily="2" charset="2"/>
+              </a:rPr>
+              <a:t> </a:t>
+            </a:r>
+            <a:endParaRPr lang="en-US" dirty="0">
+              <a:solidFill>
+                <a:schemeClr val="bg1"/>
+              </a:solidFill>
+            </a:endParaRPr>
           </a:p>
         </p:txBody>
       </p:sp>
@@ -3758,6 +3893,2454 @@
     <p:extLst>
       <p:ext uri="{BB962C8B-B14F-4D97-AF65-F5344CB8AC3E}">
         <p14:creationId xmlns:p14="http://schemas.microsoft.com/office/powerpoint/2010/main" val="1716248926"/>
+      </p:ext>
+    </p:extLst>
+  </p:cSld>
+  <p:clrMapOvr>
+    <a:masterClrMapping/>
+  </p:clrMapOvr>
+</p:sld>
+</file>
+
+<file path=ppt/slides/slide10.xml><?xml version="1.0" encoding="utf-8"?>
+<p:sld xmlns:a="http://schemas.openxmlformats.org/drawingml/2006/main" xmlns:r="http://schemas.openxmlformats.org/officeDocument/2006/relationships" xmlns:p="http://schemas.openxmlformats.org/presentationml/2006/main">
+  <p:cSld>
+    <p:spTree>
+      <p:nvGrpSpPr>
+        <p:cNvPr id="1" name=""/>
+        <p:cNvGrpSpPr/>
+        <p:nvPr/>
+      </p:nvGrpSpPr>
+      <p:grpSpPr>
+        <a:xfrm>
+          <a:off x="0" y="0"/>
+          <a:ext cx="0" cy="0"/>
+          <a:chOff x="0" y="0"/>
+          <a:chExt cx="0" cy="0"/>
+        </a:xfrm>
+      </p:grpSpPr>
+      <p:pic>
+        <p:nvPicPr>
+          <p:cNvPr id="4" name="Content Placeholder 3" descr="A screenshot of a cell phone&#10;&#10;Description generated with very high confidence">
+            <a:extLst>
+              <a:ext uri="{FF2B5EF4-FFF2-40B4-BE49-F238E27FC236}">
+                <a16:creationId xmlns:a16="http://schemas.microsoft.com/office/drawing/2014/main" id="{F7380F8F-CC31-4D69-B5EE-1A28ADC3F30D}"/>
+              </a:ext>
+            </a:extLst>
+          </p:cNvPr>
+          <p:cNvPicPr>
+            <a:picLocks noGrp="1" noChangeAspect="1"/>
+          </p:cNvPicPr>
+          <p:nvPr>
+            <p:ph idx="1"/>
+          </p:nvPr>
+        </p:nvPicPr>
+        <p:blipFill>
+          <a:blip r:embed="rId2">
+            <a:extLst>
+              <a:ext uri="{28A0092B-C50C-407E-A947-70E740481C1C}">
+                <a14:useLocalDpi xmlns:a14="http://schemas.microsoft.com/office/drawing/2010/main" val="0"/>
+              </a:ext>
+            </a:extLst>
+          </a:blip>
+          <a:stretch>
+            <a:fillRect/>
+          </a:stretch>
+        </p:blipFill>
+        <p:spPr>
+          <a:xfrm>
+            <a:off x="1235920" y="669924"/>
+            <a:ext cx="9412506" cy="5518151"/>
+          </a:xfrm>
+        </p:spPr>
+      </p:pic>
+      <p:sp>
+        <p:nvSpPr>
+          <p:cNvPr id="6" name="Title 1">
+            <a:extLst>
+              <a:ext uri="{FF2B5EF4-FFF2-40B4-BE49-F238E27FC236}">
+                <a16:creationId xmlns:a16="http://schemas.microsoft.com/office/drawing/2014/main" id="{F7B587BC-F78F-4B4A-B59D-215E142E0429}"/>
+              </a:ext>
+            </a:extLst>
+          </p:cNvPr>
+          <p:cNvSpPr txBox="1">
+            <a:spLocks/>
+          </p:cNvSpPr>
+          <p:nvPr/>
+        </p:nvSpPr>
+        <p:spPr>
+          <a:xfrm>
+            <a:off x="0" y="0"/>
+            <a:ext cx="12192000" cy="914400"/>
+          </a:xfrm>
+          <a:prstGeom prst="rect">
+            <a:avLst/>
+          </a:prstGeom>
+          <a:solidFill>
+            <a:srgbClr val="C00000"/>
+          </a:solidFill>
+        </p:spPr>
+        <p:txBody>
+          <a:bodyPr vert="horz" lIns="91440" tIns="45720" rIns="91440" bIns="45720" rtlCol="0" anchor="ctr">
+            <a:noAutofit/>
+          </a:bodyPr>
+          <a:lstStyle>
+            <a:lvl1pPr algn="ctr" defTabSz="914400" rtl="0" eaLnBrk="1" latinLnBrk="0" hangingPunct="1">
+              <a:spcBef>
+                <a:spcPct val="0"/>
+              </a:spcBef>
+              <a:buNone/>
+              <a:defRPr sz="4400" kern="1200">
+                <a:solidFill>
+                  <a:schemeClr val="tx1"/>
+                </a:solidFill>
+                <a:latin typeface="+mj-lt"/>
+                <a:ea typeface="+mj-ea"/>
+                <a:cs typeface="+mj-cs"/>
+              </a:defRPr>
+            </a:lvl1pPr>
+          </a:lstStyle>
+          <a:p>
+            <a:r>
+              <a:rPr lang="en-US" sz="3600" dirty="0">
+                <a:solidFill>
+                  <a:prstClr val="white"/>
+                </a:solidFill>
+                <a:latin typeface="Arial"/>
+                <a:cs typeface="Arial"/>
+              </a:rPr>
+              <a:t>Base Case Model Run Example (Low VOC)   </a:t>
+            </a:r>
+          </a:p>
+        </p:txBody>
+      </p:sp>
+      <p:sp>
+        <p:nvSpPr>
+          <p:cNvPr id="2" name="TextBox 1">
+            <a:extLst>
+              <a:ext uri="{FF2B5EF4-FFF2-40B4-BE49-F238E27FC236}">
+                <a16:creationId xmlns:a16="http://schemas.microsoft.com/office/drawing/2014/main" id="{0AF3A53A-9612-4870-A4AA-227135655155}"/>
+              </a:ext>
+            </a:extLst>
+          </p:cNvPr>
+          <p:cNvSpPr txBox="1"/>
+          <p:nvPr/>
+        </p:nvSpPr>
+        <p:spPr>
+          <a:xfrm>
+            <a:off x="1163246" y="6188075"/>
+            <a:ext cx="9865508" cy="400110"/>
+          </a:xfrm>
+          <a:prstGeom prst="rect">
+            <a:avLst/>
+          </a:prstGeom>
+        </p:spPr>
+        <p:style>
+          <a:lnRef idx="2">
+            <a:schemeClr val="accent2"/>
+          </a:lnRef>
+          <a:fillRef idx="1">
+            <a:schemeClr val="lt1"/>
+          </a:fillRef>
+          <a:effectRef idx="0">
+            <a:schemeClr val="accent2"/>
+          </a:effectRef>
+          <a:fontRef idx="minor">
+            <a:schemeClr val="dk1"/>
+          </a:fontRef>
+        </p:style>
+        <p:txBody>
+          <a:bodyPr wrap="square" rtlCol="0">
+            <a:spAutoFit/>
+          </a:bodyPr>
+          <a:lstStyle/>
+          <a:p>
+            <a:r>
+              <a:rPr lang="en-US" sz="2000" dirty="0"/>
+              <a:t>At first glance, mixing ratios of species are constant except for O</a:t>
+            </a:r>
+            <a:r>
+              <a:rPr lang="en-US" sz="2000" baseline="-25000" dirty="0"/>
+              <a:t>3</a:t>
+            </a:r>
+            <a:r>
+              <a:rPr lang="en-US" sz="2000" dirty="0"/>
+              <a:t> </a:t>
+            </a:r>
+            <a:r>
+              <a:rPr lang="en-US" sz="2000" dirty="0">
+                <a:sym typeface="Wingdings" panose="05000000000000000000" pitchFamily="2" charset="2"/>
+              </a:rPr>
+              <a:t> Warrants Investigation!</a:t>
+            </a:r>
+            <a:endParaRPr lang="en-US" sz="2000" dirty="0"/>
+          </a:p>
+        </p:txBody>
+      </p:sp>
+    </p:spTree>
+    <p:extLst>
+      <p:ext uri="{BB962C8B-B14F-4D97-AF65-F5344CB8AC3E}">
+        <p14:creationId xmlns:p14="http://schemas.microsoft.com/office/powerpoint/2010/main" val="3165945979"/>
+      </p:ext>
+    </p:extLst>
+  </p:cSld>
+  <p:clrMapOvr>
+    <a:masterClrMapping/>
+  </p:clrMapOvr>
+</p:sld>
+</file>
+
+<file path=ppt/slides/slide11.xml><?xml version="1.0" encoding="utf-8"?>
+<p:sld xmlns:a="http://schemas.openxmlformats.org/drawingml/2006/main" xmlns:r="http://schemas.openxmlformats.org/officeDocument/2006/relationships" xmlns:p="http://schemas.openxmlformats.org/presentationml/2006/main">
+  <p:cSld>
+    <p:spTree>
+      <p:nvGrpSpPr>
+        <p:cNvPr id="1" name=""/>
+        <p:cNvGrpSpPr/>
+        <p:nvPr/>
+      </p:nvGrpSpPr>
+      <p:grpSpPr>
+        <a:xfrm>
+          <a:off x="0" y="0"/>
+          <a:ext cx="0" cy="0"/>
+          <a:chOff x="0" y="0"/>
+          <a:chExt cx="0" cy="0"/>
+        </a:xfrm>
+      </p:grpSpPr>
+      <p:sp>
+        <p:nvSpPr>
+          <p:cNvPr id="6" name="Title 1">
+            <a:extLst>
+              <a:ext uri="{FF2B5EF4-FFF2-40B4-BE49-F238E27FC236}">
+                <a16:creationId xmlns:a16="http://schemas.microsoft.com/office/drawing/2014/main" id="{F7B587BC-F78F-4B4A-B59D-215E142E0429}"/>
+              </a:ext>
+            </a:extLst>
+          </p:cNvPr>
+          <p:cNvSpPr txBox="1">
+            <a:spLocks/>
+          </p:cNvSpPr>
+          <p:nvPr/>
+        </p:nvSpPr>
+        <p:spPr>
+          <a:xfrm>
+            <a:off x="0" y="0"/>
+            <a:ext cx="12192000" cy="914400"/>
+          </a:xfrm>
+          <a:prstGeom prst="rect">
+            <a:avLst/>
+          </a:prstGeom>
+          <a:solidFill>
+            <a:srgbClr val="C00000"/>
+          </a:solidFill>
+        </p:spPr>
+        <p:txBody>
+          <a:bodyPr vert="horz" lIns="91440" tIns="45720" rIns="91440" bIns="45720" rtlCol="0" anchor="ctr">
+            <a:noAutofit/>
+          </a:bodyPr>
+          <a:lstStyle>
+            <a:lvl1pPr algn="ctr" defTabSz="914400" rtl="0" eaLnBrk="1" latinLnBrk="0" hangingPunct="1">
+              <a:spcBef>
+                <a:spcPct val="0"/>
+              </a:spcBef>
+              <a:buNone/>
+              <a:defRPr sz="4400" kern="1200">
+                <a:solidFill>
+                  <a:schemeClr val="tx1"/>
+                </a:solidFill>
+                <a:latin typeface="+mj-lt"/>
+                <a:ea typeface="+mj-ea"/>
+                <a:cs typeface="+mj-cs"/>
+              </a:defRPr>
+            </a:lvl1pPr>
+          </a:lstStyle>
+          <a:p>
+            <a:r>
+              <a:rPr lang="en-US" sz="3600">
+                <a:solidFill>
+                  <a:prstClr val="white"/>
+                </a:solidFill>
+                <a:latin typeface="Arial"/>
+                <a:cs typeface="Arial"/>
+              </a:rPr>
+              <a:t>Varying Indoor Light Source</a:t>
+            </a:r>
+            <a:endParaRPr lang="en-US" sz="3600" dirty="0">
+              <a:solidFill>
+                <a:prstClr val="white"/>
+              </a:solidFill>
+              <a:latin typeface="Arial"/>
+              <a:cs typeface="Arial"/>
+            </a:endParaRPr>
+          </a:p>
+        </p:txBody>
+      </p:sp>
+      <p:pic>
+        <p:nvPicPr>
+          <p:cNvPr id="9" name="Picture 8">
+            <a:extLst>
+              <a:ext uri="{FF2B5EF4-FFF2-40B4-BE49-F238E27FC236}">
+                <a16:creationId xmlns:a16="http://schemas.microsoft.com/office/drawing/2014/main" id="{DA87F357-B9B6-4928-847B-FF06C15B5F88}"/>
+              </a:ext>
+            </a:extLst>
+          </p:cNvPr>
+          <p:cNvPicPr>
+            <a:picLocks noChangeAspect="1"/>
+          </p:cNvPicPr>
+          <p:nvPr/>
+        </p:nvPicPr>
+        <p:blipFill rotWithShape="1">
+          <a:blip r:embed="rId2">
+            <a:extLst>
+              <a:ext uri="{28A0092B-C50C-407E-A947-70E740481C1C}">
+                <a14:useLocalDpi xmlns:a14="http://schemas.microsoft.com/office/drawing/2010/main" val="0"/>
+              </a:ext>
+            </a:extLst>
+          </a:blip>
+          <a:srcRect l="8881" t="3438" r="9213" b="2704"/>
+          <a:stretch/>
+        </p:blipFill>
+        <p:spPr>
+          <a:xfrm>
+            <a:off x="67155" y="1063812"/>
+            <a:ext cx="5865782" cy="3731815"/>
+          </a:xfrm>
+          <a:prstGeom prst="rect">
+            <a:avLst/>
+          </a:prstGeom>
+        </p:spPr>
+      </p:pic>
+      <p:pic>
+        <p:nvPicPr>
+          <p:cNvPr id="11" name="Picture 10" descr="A close up of a map&#10;&#10;Description generated with high confidence">
+            <a:extLst>
+              <a:ext uri="{FF2B5EF4-FFF2-40B4-BE49-F238E27FC236}">
+                <a16:creationId xmlns:a16="http://schemas.microsoft.com/office/drawing/2014/main" id="{92E91CA1-AD6C-4A91-8DDB-282948982250}"/>
+              </a:ext>
+            </a:extLst>
+          </p:cNvPr>
+          <p:cNvPicPr>
+            <a:picLocks noChangeAspect="1"/>
+          </p:cNvPicPr>
+          <p:nvPr/>
+        </p:nvPicPr>
+        <p:blipFill rotWithShape="1">
+          <a:blip r:embed="rId3">
+            <a:extLst>
+              <a:ext uri="{28A0092B-C50C-407E-A947-70E740481C1C}">
+                <a14:useLocalDpi xmlns:a14="http://schemas.microsoft.com/office/drawing/2010/main" val="0"/>
+              </a:ext>
+            </a:extLst>
+          </a:blip>
+          <a:srcRect l="8841" t="3904" r="9082" b="3563"/>
+          <a:stretch/>
+        </p:blipFill>
+        <p:spPr>
+          <a:xfrm>
+            <a:off x="6009731" y="1063812"/>
+            <a:ext cx="6115114" cy="3731815"/>
+          </a:xfrm>
+          <a:prstGeom prst="rect">
+            <a:avLst/>
+          </a:prstGeom>
+        </p:spPr>
+      </p:pic>
+      <p:sp>
+        <p:nvSpPr>
+          <p:cNvPr id="12" name="TextBox 11">
+            <a:extLst>
+              <a:ext uri="{FF2B5EF4-FFF2-40B4-BE49-F238E27FC236}">
+                <a16:creationId xmlns:a16="http://schemas.microsoft.com/office/drawing/2014/main" id="{E8D2B2A2-D71C-4091-8B7B-D413D267DA8B}"/>
+              </a:ext>
+            </a:extLst>
+          </p:cNvPr>
+          <p:cNvSpPr txBox="1"/>
+          <p:nvPr/>
+        </p:nvSpPr>
+        <p:spPr>
+          <a:xfrm>
+            <a:off x="328706" y="5127812"/>
+            <a:ext cx="11409082" cy="369332"/>
+          </a:xfrm>
+          <a:prstGeom prst="rect">
+            <a:avLst/>
+          </a:prstGeom>
+          <a:noFill/>
+        </p:spPr>
+        <p:txBody>
+          <a:bodyPr wrap="square" rtlCol="0">
+            <a:spAutoFit/>
+          </a:bodyPr>
+          <a:lstStyle/>
+          <a:p>
+            <a:pPr marL="285750" indent="-285750">
+              <a:buFont typeface="Arial" panose="020B0604020202020204" pitchFamily="34" charset="0"/>
+              <a:buChar char="•"/>
+            </a:pPr>
+            <a:r>
+              <a:rPr lang="en-US" dirty="0"/>
+              <a:t>The maximum observed outdoors is likely due to elevated photon flux </a:t>
+            </a:r>
+            <a:r>
+              <a:rPr lang="en-US" dirty="0">
+                <a:sym typeface="Wingdings" panose="05000000000000000000" pitchFamily="2" charset="2"/>
+              </a:rPr>
+              <a:t> Propagating the VOC/NO</a:t>
+            </a:r>
+            <a:r>
+              <a:rPr lang="en-US" baseline="-25000" dirty="0">
+                <a:sym typeface="Wingdings" panose="05000000000000000000" pitchFamily="2" charset="2"/>
+              </a:rPr>
+              <a:t>x</a:t>
+            </a:r>
+            <a:r>
+              <a:rPr lang="en-US" dirty="0">
+                <a:sym typeface="Wingdings" panose="05000000000000000000" pitchFamily="2" charset="2"/>
+              </a:rPr>
+              <a:t>/O</a:t>
+            </a:r>
+            <a:r>
+              <a:rPr lang="en-US" baseline="-25000" dirty="0">
+                <a:sym typeface="Wingdings" panose="05000000000000000000" pitchFamily="2" charset="2"/>
+              </a:rPr>
+              <a:t>3</a:t>
+            </a:r>
+            <a:r>
+              <a:rPr lang="en-US" dirty="0">
+                <a:sym typeface="Wingdings" panose="05000000000000000000" pitchFamily="2" charset="2"/>
+              </a:rPr>
+              <a:t> cycle</a:t>
+            </a:r>
+            <a:endParaRPr lang="en-US" dirty="0"/>
+          </a:p>
+        </p:txBody>
+      </p:sp>
+      <p:sp>
+        <p:nvSpPr>
+          <p:cNvPr id="15" name="TextBox 14">
+            <a:extLst>
+              <a:ext uri="{FF2B5EF4-FFF2-40B4-BE49-F238E27FC236}">
+                <a16:creationId xmlns:a16="http://schemas.microsoft.com/office/drawing/2014/main" id="{6D94CC62-3531-4645-8EB8-525BB772FCB0}"/>
+              </a:ext>
+            </a:extLst>
+          </p:cNvPr>
+          <p:cNvSpPr txBox="1"/>
+          <p:nvPr/>
+        </p:nvSpPr>
+        <p:spPr>
+          <a:xfrm>
+            <a:off x="328706" y="5722471"/>
+            <a:ext cx="10273553" cy="369332"/>
+          </a:xfrm>
+          <a:prstGeom prst="rect">
+            <a:avLst/>
+          </a:prstGeom>
+          <a:noFill/>
+        </p:spPr>
+        <p:txBody>
+          <a:bodyPr wrap="square" rtlCol="0">
+            <a:spAutoFit/>
+          </a:bodyPr>
+          <a:lstStyle/>
+          <a:p>
+            <a:pPr marL="285750" indent="-285750">
+              <a:buFont typeface="Arial" panose="020B0604020202020204" pitchFamily="34" charset="0"/>
+              <a:buChar char="•"/>
+            </a:pPr>
+            <a:r>
+              <a:rPr lang="en-US" dirty="0"/>
+              <a:t>Indoors, decreases in [O</a:t>
+            </a:r>
+            <a:r>
+              <a:rPr lang="en-US" baseline="-25000" dirty="0"/>
+              <a:t>3</a:t>
+            </a:r>
+            <a:r>
+              <a:rPr lang="en-US" dirty="0"/>
+              <a:t>] are likely a result of lower photon flux </a:t>
+            </a:r>
+            <a:r>
+              <a:rPr lang="en-US" dirty="0">
+                <a:sym typeface="Wingdings" panose="05000000000000000000" pitchFamily="2" charset="2"/>
+              </a:rPr>
+              <a:t> Does NO</a:t>
+            </a:r>
+            <a:r>
+              <a:rPr lang="en-US" baseline="-25000" dirty="0">
+                <a:sym typeface="Wingdings" panose="05000000000000000000" pitchFamily="2" charset="2"/>
+              </a:rPr>
+              <a:t>2</a:t>
+            </a:r>
+            <a:r>
+              <a:rPr lang="en-US" dirty="0">
+                <a:sym typeface="Wingdings" panose="05000000000000000000" pitchFamily="2" charset="2"/>
+              </a:rPr>
+              <a:t> efficiently photolyze here? </a:t>
+            </a:r>
+            <a:endParaRPr lang="en-US" dirty="0"/>
+          </a:p>
+        </p:txBody>
+      </p:sp>
+    </p:spTree>
+    <p:extLst>
+      <p:ext uri="{BB962C8B-B14F-4D97-AF65-F5344CB8AC3E}">
+        <p14:creationId xmlns:p14="http://schemas.microsoft.com/office/powerpoint/2010/main" val="492948143"/>
+      </p:ext>
+    </p:extLst>
+  </p:cSld>
+  <p:clrMapOvr>
+    <a:masterClrMapping/>
+  </p:clrMapOvr>
+</p:sld>
+</file>
+
+<file path=ppt/slides/slide12.xml><?xml version="1.0" encoding="utf-8"?>
+<p:sld xmlns:a="http://schemas.openxmlformats.org/drawingml/2006/main" xmlns:r="http://schemas.openxmlformats.org/officeDocument/2006/relationships" xmlns:p="http://schemas.openxmlformats.org/presentationml/2006/main">
+  <p:cSld>
+    <p:spTree>
+      <p:nvGrpSpPr>
+        <p:cNvPr id="1" name=""/>
+        <p:cNvGrpSpPr/>
+        <p:nvPr/>
+      </p:nvGrpSpPr>
+      <p:grpSpPr>
+        <a:xfrm>
+          <a:off x="0" y="0"/>
+          <a:ext cx="0" cy="0"/>
+          <a:chOff x="0" y="0"/>
+          <a:chExt cx="0" cy="0"/>
+        </a:xfrm>
+      </p:grpSpPr>
+      <p:pic>
+        <p:nvPicPr>
+          <p:cNvPr id="4" name="Content Placeholder 3" descr="A close up of a map&#10;&#10;Description generated with very high confidence">
+            <a:extLst>
+              <a:ext uri="{FF2B5EF4-FFF2-40B4-BE49-F238E27FC236}">
+                <a16:creationId xmlns:a16="http://schemas.microsoft.com/office/drawing/2014/main" id="{6AD2E1F6-0325-4ED7-9B2B-6CF300EEFB91}"/>
+              </a:ext>
+            </a:extLst>
+          </p:cNvPr>
+          <p:cNvPicPr>
+            <a:picLocks noGrp="1" noChangeAspect="1"/>
+          </p:cNvPicPr>
+          <p:nvPr>
+            <p:ph idx="1"/>
+          </p:nvPr>
+        </p:nvPicPr>
+        <p:blipFill rotWithShape="1">
+          <a:blip r:embed="rId2">
+            <a:extLst>
+              <a:ext uri="{28A0092B-C50C-407E-A947-70E740481C1C}">
+                <a14:useLocalDpi xmlns:a14="http://schemas.microsoft.com/office/drawing/2010/main" val="0"/>
+              </a:ext>
+            </a:extLst>
+          </a:blip>
+          <a:srcRect l="7160" t="3239" r="7475" b="2794"/>
+          <a:stretch/>
+        </p:blipFill>
+        <p:spPr>
+          <a:xfrm>
+            <a:off x="49877" y="958735"/>
+            <a:ext cx="4810298" cy="4416830"/>
+          </a:xfrm>
+        </p:spPr>
+      </p:pic>
+      <p:sp>
+        <p:nvSpPr>
+          <p:cNvPr id="6" name="Title 1">
+            <a:extLst>
+              <a:ext uri="{FF2B5EF4-FFF2-40B4-BE49-F238E27FC236}">
+                <a16:creationId xmlns:a16="http://schemas.microsoft.com/office/drawing/2014/main" id="{F7B587BC-F78F-4B4A-B59D-215E142E0429}"/>
+              </a:ext>
+            </a:extLst>
+          </p:cNvPr>
+          <p:cNvSpPr txBox="1">
+            <a:spLocks/>
+          </p:cNvSpPr>
+          <p:nvPr/>
+        </p:nvSpPr>
+        <p:spPr>
+          <a:xfrm>
+            <a:off x="0" y="0"/>
+            <a:ext cx="12192000" cy="914400"/>
+          </a:xfrm>
+          <a:prstGeom prst="rect">
+            <a:avLst/>
+          </a:prstGeom>
+          <a:solidFill>
+            <a:srgbClr val="C00000"/>
+          </a:solidFill>
+        </p:spPr>
+        <p:txBody>
+          <a:bodyPr vert="horz" lIns="91440" tIns="45720" rIns="91440" bIns="45720" rtlCol="0" anchor="ctr">
+            <a:noAutofit/>
+          </a:bodyPr>
+          <a:lstStyle>
+            <a:lvl1pPr algn="ctr" defTabSz="914400" rtl="0" eaLnBrk="1" latinLnBrk="0" hangingPunct="1">
+              <a:spcBef>
+                <a:spcPct val="0"/>
+              </a:spcBef>
+              <a:buNone/>
+              <a:defRPr sz="4400" kern="1200">
+                <a:solidFill>
+                  <a:schemeClr val="tx1"/>
+                </a:solidFill>
+                <a:latin typeface="+mj-lt"/>
+                <a:ea typeface="+mj-ea"/>
+                <a:cs typeface="+mj-cs"/>
+              </a:defRPr>
+            </a:lvl1pPr>
+          </a:lstStyle>
+          <a:p>
+            <a:r>
+              <a:rPr lang="en-US" sz="3600" dirty="0">
+                <a:solidFill>
+                  <a:prstClr val="white"/>
+                </a:solidFill>
+                <a:latin typeface="Arial"/>
+                <a:cs typeface="Arial"/>
+              </a:rPr>
+              <a:t>Photon Fluxes and NO</a:t>
+            </a:r>
+            <a:r>
+              <a:rPr lang="en-US" sz="3600" baseline="-25000" dirty="0">
+                <a:solidFill>
+                  <a:prstClr val="white"/>
+                </a:solidFill>
+                <a:latin typeface="Arial"/>
+                <a:cs typeface="Arial"/>
+              </a:rPr>
+              <a:t>2</a:t>
+            </a:r>
+            <a:r>
+              <a:rPr lang="en-US" sz="3600" dirty="0">
+                <a:solidFill>
+                  <a:prstClr val="white"/>
+                </a:solidFill>
+                <a:latin typeface="Arial"/>
+                <a:cs typeface="Arial"/>
+              </a:rPr>
+              <a:t>: Photolysis Efficiency Indoors</a:t>
+            </a:r>
+          </a:p>
+        </p:txBody>
+      </p:sp>
+      <p:pic>
+        <p:nvPicPr>
+          <p:cNvPr id="7" name="Picture 6" descr="A close up of a map&#10;&#10;Description generated with high confidence">
+            <a:extLst>
+              <a:ext uri="{FF2B5EF4-FFF2-40B4-BE49-F238E27FC236}">
+                <a16:creationId xmlns:a16="http://schemas.microsoft.com/office/drawing/2014/main" id="{01929370-52A5-4392-A103-CE04693755F0}"/>
+              </a:ext>
+            </a:extLst>
+          </p:cNvPr>
+          <p:cNvPicPr>
+            <a:picLocks noChangeAspect="1"/>
+          </p:cNvPicPr>
+          <p:nvPr/>
+        </p:nvPicPr>
+        <p:blipFill rotWithShape="1">
+          <a:blip r:embed="rId3">
+            <a:extLst>
+              <a:ext uri="{28A0092B-C50C-407E-A947-70E740481C1C}">
+                <a14:useLocalDpi xmlns:a14="http://schemas.microsoft.com/office/drawing/2010/main" val="0"/>
+              </a:ext>
+            </a:extLst>
+          </a:blip>
+          <a:srcRect l="6356" t="3436" r="9023" b="2772"/>
+          <a:stretch/>
+        </p:blipFill>
+        <p:spPr>
+          <a:xfrm>
+            <a:off x="5774787" y="958735"/>
+            <a:ext cx="4902591" cy="4532824"/>
+          </a:xfrm>
+          <a:prstGeom prst="rect">
+            <a:avLst/>
+          </a:prstGeom>
+        </p:spPr>
+      </p:pic>
+      <p:cxnSp>
+        <p:nvCxnSpPr>
+          <p:cNvPr id="9" name="Straight Connector 8">
+            <a:extLst>
+              <a:ext uri="{FF2B5EF4-FFF2-40B4-BE49-F238E27FC236}">
+                <a16:creationId xmlns:a16="http://schemas.microsoft.com/office/drawing/2014/main" id="{95555D81-9C3C-4BF8-848C-83772954B4A4}"/>
+              </a:ext>
+            </a:extLst>
+          </p:cNvPr>
+          <p:cNvCxnSpPr/>
+          <p:nvPr/>
+        </p:nvCxnSpPr>
+        <p:spPr>
+          <a:xfrm flipV="1">
+            <a:off x="10237694" y="1087718"/>
+            <a:ext cx="0" cy="3986306"/>
+          </a:xfrm>
+          <a:prstGeom prst="line">
+            <a:avLst/>
+          </a:prstGeom>
+          <a:ln w="57150"/>
+        </p:spPr>
+        <p:style>
+          <a:lnRef idx="1">
+            <a:schemeClr val="accent1"/>
+          </a:lnRef>
+          <a:fillRef idx="0">
+            <a:schemeClr val="accent1"/>
+          </a:fillRef>
+          <a:effectRef idx="0">
+            <a:schemeClr val="accent1"/>
+          </a:effectRef>
+          <a:fontRef idx="minor">
+            <a:schemeClr val="tx1"/>
+          </a:fontRef>
+        </p:style>
+      </p:cxnSp>
+      <p:sp>
+        <p:nvSpPr>
+          <p:cNvPr id="10" name="TextBox 9">
+            <a:extLst>
+              <a:ext uri="{FF2B5EF4-FFF2-40B4-BE49-F238E27FC236}">
+                <a16:creationId xmlns:a16="http://schemas.microsoft.com/office/drawing/2014/main" id="{02E25861-5FE2-4C03-A228-59E14B164204}"/>
+              </a:ext>
+            </a:extLst>
+          </p:cNvPr>
+          <p:cNvSpPr txBox="1"/>
+          <p:nvPr/>
+        </p:nvSpPr>
+        <p:spPr>
+          <a:xfrm>
+            <a:off x="454212" y="5695576"/>
+            <a:ext cx="10751670" cy="707886"/>
+          </a:xfrm>
+          <a:prstGeom prst="rect">
+            <a:avLst/>
+          </a:prstGeom>
+        </p:spPr>
+        <p:style>
+          <a:lnRef idx="2">
+            <a:schemeClr val="accent2"/>
+          </a:lnRef>
+          <a:fillRef idx="1">
+            <a:schemeClr val="lt1"/>
+          </a:fillRef>
+          <a:effectRef idx="0">
+            <a:schemeClr val="accent2"/>
+          </a:effectRef>
+          <a:fontRef idx="minor">
+            <a:schemeClr val="dk1"/>
+          </a:fontRef>
+        </p:style>
+        <p:txBody>
+          <a:bodyPr wrap="square" rtlCol="0">
+            <a:spAutoFit/>
+          </a:bodyPr>
+          <a:lstStyle/>
+          <a:p>
+            <a:r>
+              <a:rPr lang="en-US" sz="2000" dirty="0"/>
+              <a:t>Indoor photon fluxes at wavelengths &lt; 390 nm are small indoors relative to outdoors </a:t>
+            </a:r>
+            <a:r>
+              <a:rPr lang="en-US" sz="2000" dirty="0">
+                <a:sym typeface="Wingdings" panose="05000000000000000000" pitchFamily="2" charset="2"/>
+              </a:rPr>
+              <a:t> less NO</a:t>
+            </a:r>
+            <a:r>
+              <a:rPr lang="en-US" sz="2000" baseline="-25000" dirty="0">
+                <a:sym typeface="Wingdings" panose="05000000000000000000" pitchFamily="2" charset="2"/>
+              </a:rPr>
+              <a:t>2</a:t>
+            </a:r>
+            <a:r>
+              <a:rPr lang="en-US" sz="2000" dirty="0">
+                <a:sym typeface="Wingdings" panose="05000000000000000000" pitchFamily="2" charset="2"/>
+              </a:rPr>
+              <a:t> photolysis, leading to reduced O</a:t>
+            </a:r>
+            <a:r>
+              <a:rPr lang="en-US" sz="2000" baseline="-25000" dirty="0">
+                <a:sym typeface="Wingdings" panose="05000000000000000000" pitchFamily="2" charset="2"/>
+              </a:rPr>
+              <a:t>3</a:t>
+            </a:r>
+            <a:r>
+              <a:rPr lang="en-US" sz="2000" dirty="0">
+                <a:sym typeface="Wingdings" panose="05000000000000000000" pitchFamily="2" charset="2"/>
+              </a:rPr>
+              <a:t> production </a:t>
+            </a:r>
+            <a:endParaRPr lang="en-US" sz="2000" dirty="0"/>
+          </a:p>
+        </p:txBody>
+      </p:sp>
+      <p:cxnSp>
+        <p:nvCxnSpPr>
+          <p:cNvPr id="11" name="Straight Connector 10">
+            <a:extLst>
+              <a:ext uri="{FF2B5EF4-FFF2-40B4-BE49-F238E27FC236}">
+                <a16:creationId xmlns:a16="http://schemas.microsoft.com/office/drawing/2014/main" id="{A7C05D35-1D3A-4E33-AEDB-89E51B580040}"/>
+              </a:ext>
+            </a:extLst>
+          </p:cNvPr>
+          <p:cNvCxnSpPr/>
+          <p:nvPr/>
+        </p:nvCxnSpPr>
+        <p:spPr>
+          <a:xfrm flipV="1">
+            <a:off x="1222189" y="1087718"/>
+            <a:ext cx="0" cy="3986306"/>
+          </a:xfrm>
+          <a:prstGeom prst="line">
+            <a:avLst/>
+          </a:prstGeom>
+          <a:ln w="57150"/>
+        </p:spPr>
+        <p:style>
+          <a:lnRef idx="1">
+            <a:schemeClr val="accent1"/>
+          </a:lnRef>
+          <a:fillRef idx="0">
+            <a:schemeClr val="accent1"/>
+          </a:fillRef>
+          <a:effectRef idx="0">
+            <a:schemeClr val="accent1"/>
+          </a:effectRef>
+          <a:fontRef idx="minor">
+            <a:schemeClr val="tx1"/>
+          </a:fontRef>
+        </p:style>
+      </p:cxnSp>
+    </p:spTree>
+    <p:extLst>
+      <p:ext uri="{BB962C8B-B14F-4D97-AF65-F5344CB8AC3E}">
+        <p14:creationId xmlns:p14="http://schemas.microsoft.com/office/powerpoint/2010/main" val="2073884843"/>
+      </p:ext>
+    </p:extLst>
+  </p:cSld>
+  <p:clrMapOvr>
+    <a:masterClrMapping/>
+  </p:clrMapOvr>
+</p:sld>
+</file>
+
+<file path=ppt/slides/slide13.xml><?xml version="1.0" encoding="utf-8"?>
+<p:sld xmlns:a="http://schemas.openxmlformats.org/drawingml/2006/main" xmlns:r="http://schemas.openxmlformats.org/officeDocument/2006/relationships" xmlns:p="http://schemas.openxmlformats.org/presentationml/2006/main">
+  <p:cSld>
+    <p:spTree>
+      <p:nvGrpSpPr>
+        <p:cNvPr id="1" name=""/>
+        <p:cNvGrpSpPr/>
+        <p:nvPr/>
+      </p:nvGrpSpPr>
+      <p:grpSpPr>
+        <a:xfrm>
+          <a:off x="0" y="0"/>
+          <a:ext cx="0" cy="0"/>
+          <a:chOff x="0" y="0"/>
+          <a:chExt cx="0" cy="0"/>
+        </a:xfrm>
+      </p:grpSpPr>
+      <p:pic>
+        <p:nvPicPr>
+          <p:cNvPr id="4" name="Content Placeholder 3" descr="A screenshot of a map&#10;&#10;Description generated with very high confidence">
+            <a:extLst>
+              <a:ext uri="{FF2B5EF4-FFF2-40B4-BE49-F238E27FC236}">
+                <a16:creationId xmlns:a16="http://schemas.microsoft.com/office/drawing/2014/main" id="{38136FFC-AA46-4A6C-A2CC-694C839C9A65}"/>
+              </a:ext>
+            </a:extLst>
+          </p:cNvPr>
+          <p:cNvPicPr>
+            <a:picLocks noGrp="1" noChangeAspect="1"/>
+          </p:cNvPicPr>
+          <p:nvPr>
+            <p:ph idx="1"/>
+          </p:nvPr>
+        </p:nvPicPr>
+        <p:blipFill rotWithShape="1">
+          <a:blip r:embed="rId2">
+            <a:extLst>
+              <a:ext uri="{28A0092B-C50C-407E-A947-70E740481C1C}">
+                <a14:useLocalDpi xmlns:a14="http://schemas.microsoft.com/office/drawing/2010/main" val="0"/>
+              </a:ext>
+            </a:extLst>
+          </a:blip>
+          <a:srcRect l="8289" t="1715" r="9149" b="696"/>
+          <a:stretch/>
+        </p:blipFill>
+        <p:spPr>
+          <a:xfrm>
+            <a:off x="45895" y="659477"/>
+            <a:ext cx="5888401" cy="3635432"/>
+          </a:xfrm>
+        </p:spPr>
+      </p:pic>
+      <p:sp>
+        <p:nvSpPr>
+          <p:cNvPr id="6" name="Title 1">
+            <a:extLst>
+              <a:ext uri="{FF2B5EF4-FFF2-40B4-BE49-F238E27FC236}">
+                <a16:creationId xmlns:a16="http://schemas.microsoft.com/office/drawing/2014/main" id="{F7B587BC-F78F-4B4A-B59D-215E142E0429}"/>
+              </a:ext>
+            </a:extLst>
+          </p:cNvPr>
+          <p:cNvSpPr txBox="1">
+            <a:spLocks/>
+          </p:cNvSpPr>
+          <p:nvPr/>
+        </p:nvSpPr>
+        <p:spPr>
+          <a:xfrm>
+            <a:off x="0" y="0"/>
+            <a:ext cx="12192000" cy="564776"/>
+          </a:xfrm>
+          <a:prstGeom prst="rect">
+            <a:avLst/>
+          </a:prstGeom>
+          <a:solidFill>
+            <a:srgbClr val="C00000"/>
+          </a:solidFill>
+        </p:spPr>
+        <p:txBody>
+          <a:bodyPr vert="horz" lIns="91440" tIns="45720" rIns="91440" bIns="45720" rtlCol="0" anchor="ctr">
+            <a:noAutofit/>
+          </a:bodyPr>
+          <a:lstStyle>
+            <a:lvl1pPr algn="ctr" defTabSz="914400" rtl="0" eaLnBrk="1" latinLnBrk="0" hangingPunct="1">
+              <a:spcBef>
+                <a:spcPct val="0"/>
+              </a:spcBef>
+              <a:buNone/>
+              <a:defRPr sz="4400" kern="1200">
+                <a:solidFill>
+                  <a:schemeClr val="tx1"/>
+                </a:solidFill>
+                <a:latin typeface="+mj-lt"/>
+                <a:ea typeface="+mj-ea"/>
+                <a:cs typeface="+mj-cs"/>
+              </a:defRPr>
+            </a:lvl1pPr>
+          </a:lstStyle>
+          <a:p>
+            <a:r>
+              <a:rPr lang="en-US" sz="3600" dirty="0">
+                <a:solidFill>
+                  <a:prstClr val="white"/>
+                </a:solidFill>
+                <a:latin typeface="Arial"/>
+                <a:cs typeface="Arial"/>
+              </a:rPr>
+              <a:t>Varying Initial [O</a:t>
+            </a:r>
+            <a:r>
+              <a:rPr lang="en-US" sz="3600" baseline="-25000" dirty="0">
+                <a:solidFill>
+                  <a:prstClr val="white"/>
+                </a:solidFill>
+                <a:latin typeface="Arial"/>
+                <a:cs typeface="Arial"/>
+              </a:rPr>
+              <a:t>3</a:t>
+            </a:r>
+            <a:r>
+              <a:rPr lang="en-US" sz="3600" dirty="0">
+                <a:solidFill>
+                  <a:prstClr val="white"/>
+                </a:solidFill>
+                <a:latin typeface="Arial"/>
+                <a:cs typeface="Arial"/>
+              </a:rPr>
+              <a:t>] at Indoor Sunlight</a:t>
+            </a:r>
+          </a:p>
+        </p:txBody>
+      </p:sp>
+      <p:pic>
+        <p:nvPicPr>
+          <p:cNvPr id="7" name="Picture 6" descr="A close up of a map&#10;&#10;Description generated with high confidence">
+            <a:extLst>
+              <a:ext uri="{FF2B5EF4-FFF2-40B4-BE49-F238E27FC236}">
+                <a16:creationId xmlns:a16="http://schemas.microsoft.com/office/drawing/2014/main" id="{7AE8FDE1-8EE9-4197-9D1A-CC14073ACAB7}"/>
+              </a:ext>
+            </a:extLst>
+          </p:cNvPr>
+          <p:cNvPicPr>
+            <a:picLocks noChangeAspect="1"/>
+          </p:cNvPicPr>
+          <p:nvPr/>
+        </p:nvPicPr>
+        <p:blipFill rotWithShape="1">
+          <a:blip r:embed="rId3">
+            <a:extLst>
+              <a:ext uri="{28A0092B-C50C-407E-A947-70E740481C1C}">
+                <a14:useLocalDpi xmlns:a14="http://schemas.microsoft.com/office/drawing/2010/main" val="0"/>
+              </a:ext>
+            </a:extLst>
+          </a:blip>
+          <a:srcRect l="8460" t="3287" r="8979" b="3339"/>
+          <a:stretch/>
+        </p:blipFill>
+        <p:spPr>
+          <a:xfrm>
+            <a:off x="6008690" y="659477"/>
+            <a:ext cx="6137415" cy="3757354"/>
+          </a:xfrm>
+          <a:prstGeom prst="rect">
+            <a:avLst/>
+          </a:prstGeom>
+        </p:spPr>
+      </p:pic>
+      <p:sp>
+        <p:nvSpPr>
+          <p:cNvPr id="8" name="TextBox 7">
+            <a:extLst>
+              <a:ext uri="{FF2B5EF4-FFF2-40B4-BE49-F238E27FC236}">
+                <a16:creationId xmlns:a16="http://schemas.microsoft.com/office/drawing/2014/main" id="{5D3EF364-FD82-436A-99A9-B291485F97FF}"/>
+              </a:ext>
+            </a:extLst>
+          </p:cNvPr>
+          <p:cNvSpPr txBox="1"/>
+          <p:nvPr/>
+        </p:nvSpPr>
+        <p:spPr>
+          <a:xfrm>
+            <a:off x="304149" y="4715436"/>
+            <a:ext cx="11409082" cy="369332"/>
+          </a:xfrm>
+          <a:prstGeom prst="rect">
+            <a:avLst/>
+          </a:prstGeom>
+          <a:noFill/>
+        </p:spPr>
+        <p:txBody>
+          <a:bodyPr wrap="square" rtlCol="0">
+            <a:spAutoFit/>
+          </a:bodyPr>
+          <a:lstStyle/>
+          <a:p>
+            <a:pPr marL="285750" indent="-285750">
+              <a:buFont typeface="Arial" panose="020B0604020202020204" pitchFamily="34" charset="0"/>
+              <a:buChar char="•"/>
+            </a:pPr>
+            <a:r>
+              <a:rPr lang="en-US" dirty="0"/>
+              <a:t>2 O</a:t>
+            </a:r>
+            <a:r>
+              <a:rPr lang="en-US" baseline="-25000" dirty="0"/>
+              <a:t>3</a:t>
+            </a:r>
+            <a:r>
+              <a:rPr lang="en-US" dirty="0"/>
+              <a:t> regimes observed: one where O</a:t>
+            </a:r>
+            <a:r>
+              <a:rPr lang="en-US" baseline="-25000" dirty="0"/>
+              <a:t>3</a:t>
+            </a:r>
+            <a:r>
+              <a:rPr lang="en-US" dirty="0"/>
+              <a:t> is initially produced and one where O</a:t>
+            </a:r>
+            <a:r>
+              <a:rPr lang="en-US" baseline="-25000" dirty="0"/>
+              <a:t>3</a:t>
+            </a:r>
+            <a:r>
+              <a:rPr lang="en-US" dirty="0"/>
+              <a:t> decays </a:t>
+            </a:r>
+            <a:r>
+              <a:rPr lang="en-US" dirty="0">
+                <a:sym typeface="Wingdings" panose="05000000000000000000" pitchFamily="2" charset="2"/>
+              </a:rPr>
+              <a:t> Null Cycle Equilibria (NO</a:t>
+            </a:r>
+            <a:r>
+              <a:rPr lang="en-US" baseline="-25000" dirty="0">
+                <a:sym typeface="Wingdings" panose="05000000000000000000" pitchFamily="2" charset="2"/>
+              </a:rPr>
+              <a:t>2</a:t>
+            </a:r>
+            <a:r>
+              <a:rPr lang="en-US" dirty="0">
+                <a:sym typeface="Wingdings" panose="05000000000000000000" pitchFamily="2" charset="2"/>
+              </a:rPr>
+              <a:t>/O</a:t>
+            </a:r>
+            <a:r>
+              <a:rPr lang="en-US" baseline="-25000" dirty="0">
+                <a:sym typeface="Wingdings" panose="05000000000000000000" pitchFamily="2" charset="2"/>
+              </a:rPr>
+              <a:t>3</a:t>
+            </a:r>
+            <a:r>
+              <a:rPr lang="en-US" dirty="0">
+                <a:sym typeface="Wingdings" panose="05000000000000000000" pitchFamily="2" charset="2"/>
+              </a:rPr>
+              <a:t>) </a:t>
+            </a:r>
+            <a:endParaRPr lang="en-US" dirty="0"/>
+          </a:p>
+        </p:txBody>
+      </p:sp>
+      <p:sp>
+        <p:nvSpPr>
+          <p:cNvPr id="9" name="TextBox 8">
+            <a:extLst>
+              <a:ext uri="{FF2B5EF4-FFF2-40B4-BE49-F238E27FC236}">
+                <a16:creationId xmlns:a16="http://schemas.microsoft.com/office/drawing/2014/main" id="{AD89AA67-A187-4175-B25E-8109CBBB6E0A}"/>
+              </a:ext>
+            </a:extLst>
+          </p:cNvPr>
+          <p:cNvSpPr txBox="1"/>
+          <p:nvPr/>
+        </p:nvSpPr>
+        <p:spPr>
+          <a:xfrm>
+            <a:off x="304149" y="5244353"/>
+            <a:ext cx="11409082" cy="646331"/>
+          </a:xfrm>
+          <a:prstGeom prst="rect">
+            <a:avLst/>
+          </a:prstGeom>
+          <a:noFill/>
+        </p:spPr>
+        <p:txBody>
+          <a:bodyPr wrap="square" rtlCol="0">
+            <a:spAutoFit/>
+          </a:bodyPr>
+          <a:lstStyle/>
+          <a:p>
+            <a:pPr marL="285750" indent="-285750">
+              <a:buFont typeface="Arial" panose="020B0604020202020204" pitchFamily="34" charset="0"/>
+              <a:buChar char="•"/>
+            </a:pPr>
+            <a:r>
+              <a:rPr lang="en-US" dirty="0"/>
+              <a:t>For Low VOC, O</a:t>
+            </a:r>
+            <a:r>
+              <a:rPr lang="en-US" baseline="-25000" dirty="0"/>
+              <a:t>3</a:t>
+            </a:r>
+            <a:r>
+              <a:rPr lang="en-US" dirty="0"/>
+              <a:t> profiles decrease over time due to lack of RO</a:t>
+            </a:r>
+            <a:r>
+              <a:rPr lang="en-US" baseline="-25000" dirty="0"/>
+              <a:t>2</a:t>
+            </a:r>
+            <a:r>
+              <a:rPr lang="en-US" dirty="0"/>
+              <a:t> being produced; vice-versa for High VOC</a:t>
+            </a:r>
+          </a:p>
+          <a:p>
+            <a:r>
+              <a:rPr lang="en-US" dirty="0"/>
+              <a:t>              -Note: We looked at plot rates and saw the RO</a:t>
+            </a:r>
+            <a:r>
+              <a:rPr lang="en-US" baseline="-25000" dirty="0"/>
+              <a:t>2</a:t>
+            </a:r>
+            <a:r>
+              <a:rPr lang="en-US" dirty="0"/>
+              <a:t> species were produced when O</a:t>
+            </a:r>
+            <a:r>
+              <a:rPr lang="en-US" baseline="-25000" dirty="0"/>
+              <a:t>3</a:t>
+            </a:r>
+            <a:r>
+              <a:rPr lang="en-US" dirty="0"/>
+              <a:t> started to increase for high VOC</a:t>
+            </a:r>
+          </a:p>
+        </p:txBody>
+      </p:sp>
+    </p:spTree>
+    <p:extLst>
+      <p:ext uri="{BB962C8B-B14F-4D97-AF65-F5344CB8AC3E}">
+        <p14:creationId xmlns:p14="http://schemas.microsoft.com/office/powerpoint/2010/main" val="780005031"/>
+      </p:ext>
+    </p:extLst>
+  </p:cSld>
+  <p:clrMapOvr>
+    <a:masterClrMapping/>
+  </p:clrMapOvr>
+</p:sld>
+</file>
+
+<file path=ppt/slides/slide14.xml><?xml version="1.0" encoding="utf-8"?>
+<p:sld xmlns:a="http://schemas.openxmlformats.org/drawingml/2006/main" xmlns:r="http://schemas.openxmlformats.org/officeDocument/2006/relationships" xmlns:p="http://schemas.openxmlformats.org/presentationml/2006/main">
+  <p:cSld>
+    <p:spTree>
+      <p:nvGrpSpPr>
+        <p:cNvPr id="1" name=""/>
+        <p:cNvGrpSpPr/>
+        <p:nvPr/>
+      </p:nvGrpSpPr>
+      <p:grpSpPr>
+        <a:xfrm>
+          <a:off x="0" y="0"/>
+          <a:ext cx="0" cy="0"/>
+          <a:chOff x="0" y="0"/>
+          <a:chExt cx="0" cy="0"/>
+        </a:xfrm>
+      </p:grpSpPr>
+      <p:sp>
+        <p:nvSpPr>
+          <p:cNvPr id="6" name="Title 1">
+            <a:extLst>
+              <a:ext uri="{FF2B5EF4-FFF2-40B4-BE49-F238E27FC236}">
+                <a16:creationId xmlns:a16="http://schemas.microsoft.com/office/drawing/2014/main" id="{F7B587BC-F78F-4B4A-B59D-215E142E0429}"/>
+              </a:ext>
+            </a:extLst>
+          </p:cNvPr>
+          <p:cNvSpPr txBox="1">
+            <a:spLocks/>
+          </p:cNvSpPr>
+          <p:nvPr/>
+        </p:nvSpPr>
+        <p:spPr>
+          <a:xfrm>
+            <a:off x="0" y="0"/>
+            <a:ext cx="12192000" cy="914400"/>
+          </a:xfrm>
+          <a:prstGeom prst="rect">
+            <a:avLst/>
+          </a:prstGeom>
+          <a:solidFill>
+            <a:srgbClr val="C00000"/>
+          </a:solidFill>
+        </p:spPr>
+        <p:txBody>
+          <a:bodyPr vert="horz" lIns="91440" tIns="45720" rIns="91440" bIns="45720" rtlCol="0" anchor="ctr">
+            <a:noAutofit/>
+          </a:bodyPr>
+          <a:lstStyle>
+            <a:lvl1pPr algn="ctr" defTabSz="914400" rtl="0" eaLnBrk="1" latinLnBrk="0" hangingPunct="1">
+              <a:spcBef>
+                <a:spcPct val="0"/>
+              </a:spcBef>
+              <a:buNone/>
+              <a:defRPr sz="4400" kern="1200">
+                <a:solidFill>
+                  <a:schemeClr val="tx1"/>
+                </a:solidFill>
+                <a:latin typeface="+mj-lt"/>
+                <a:ea typeface="+mj-ea"/>
+                <a:cs typeface="+mj-cs"/>
+              </a:defRPr>
+            </a:lvl1pPr>
+          </a:lstStyle>
+          <a:p>
+            <a:r>
+              <a:rPr lang="en-US" sz="3600" dirty="0">
+                <a:solidFill>
+                  <a:prstClr val="white"/>
+                </a:solidFill>
+                <a:latin typeface="Arial"/>
+                <a:cs typeface="Arial"/>
+              </a:rPr>
+              <a:t>Varying Surface Deposition</a:t>
+            </a:r>
+          </a:p>
+        </p:txBody>
+      </p:sp>
+      <p:pic>
+        <p:nvPicPr>
+          <p:cNvPr id="8" name="Content Placeholder 7" descr="A screenshot of a cell phone&#10;&#10;Description generated with very high confidence">
+            <a:extLst>
+              <a:ext uri="{FF2B5EF4-FFF2-40B4-BE49-F238E27FC236}">
+                <a16:creationId xmlns:a16="http://schemas.microsoft.com/office/drawing/2014/main" id="{CC9A5911-2532-4A60-BB4C-962742BE1512}"/>
+              </a:ext>
+            </a:extLst>
+          </p:cNvPr>
+          <p:cNvPicPr>
+            <a:picLocks noGrp="1" noChangeAspect="1"/>
+          </p:cNvPicPr>
+          <p:nvPr>
+            <p:ph idx="1"/>
+          </p:nvPr>
+        </p:nvPicPr>
+        <p:blipFill>
+          <a:blip r:embed="rId2">
+            <a:extLst>
+              <a:ext uri="{28A0092B-C50C-407E-A947-70E740481C1C}">
+                <a14:useLocalDpi xmlns:a14="http://schemas.microsoft.com/office/drawing/2010/main" val="0"/>
+              </a:ext>
+            </a:extLst>
+          </a:blip>
+          <a:stretch>
+            <a:fillRect/>
+          </a:stretch>
+        </p:blipFill>
+        <p:spPr>
+          <a:xfrm>
+            <a:off x="95623" y="914400"/>
+            <a:ext cx="5360895" cy="4471829"/>
+          </a:xfrm>
+        </p:spPr>
+      </p:pic>
+      <p:pic>
+        <p:nvPicPr>
+          <p:cNvPr id="10" name="Picture 9" descr="A screenshot of a cell phone&#10;&#10;Description generated with very high confidence">
+            <a:extLst>
+              <a:ext uri="{FF2B5EF4-FFF2-40B4-BE49-F238E27FC236}">
+                <a16:creationId xmlns:a16="http://schemas.microsoft.com/office/drawing/2014/main" id="{5419B9A3-E441-417A-A293-B58A5CC4C3E9}"/>
+              </a:ext>
+            </a:extLst>
+          </p:cNvPr>
+          <p:cNvPicPr>
+            <a:picLocks noChangeAspect="1"/>
+          </p:cNvPicPr>
+          <p:nvPr/>
+        </p:nvPicPr>
+        <p:blipFill>
+          <a:blip r:embed="rId3">
+            <a:extLst>
+              <a:ext uri="{28A0092B-C50C-407E-A947-70E740481C1C}">
+                <a14:useLocalDpi xmlns:a14="http://schemas.microsoft.com/office/drawing/2010/main" val="0"/>
+              </a:ext>
+            </a:extLst>
+          </a:blip>
+          <a:stretch>
+            <a:fillRect/>
+          </a:stretch>
+        </p:blipFill>
+        <p:spPr>
+          <a:xfrm>
+            <a:off x="6215528" y="962211"/>
+            <a:ext cx="5360895" cy="4471829"/>
+          </a:xfrm>
+          <a:prstGeom prst="rect">
+            <a:avLst/>
+          </a:prstGeom>
+        </p:spPr>
+      </p:pic>
+      <p:sp>
+        <p:nvSpPr>
+          <p:cNvPr id="11" name="TextBox 10">
+            <a:extLst>
+              <a:ext uri="{FF2B5EF4-FFF2-40B4-BE49-F238E27FC236}">
+                <a16:creationId xmlns:a16="http://schemas.microsoft.com/office/drawing/2014/main" id="{E3EF3CAE-8208-438A-9757-918C3C46AE84}"/>
+              </a:ext>
+            </a:extLst>
+          </p:cNvPr>
+          <p:cNvSpPr txBox="1"/>
+          <p:nvPr/>
+        </p:nvSpPr>
+        <p:spPr>
+          <a:xfrm>
+            <a:off x="328706" y="5386229"/>
+            <a:ext cx="11409082" cy="369332"/>
+          </a:xfrm>
+          <a:prstGeom prst="rect">
+            <a:avLst/>
+          </a:prstGeom>
+          <a:noFill/>
+        </p:spPr>
+        <p:txBody>
+          <a:bodyPr wrap="square" rtlCol="0">
+            <a:spAutoFit/>
+          </a:bodyPr>
+          <a:lstStyle/>
+          <a:p>
+            <a:pPr marL="285750" indent="-285750">
+              <a:buFont typeface="Arial" panose="020B0604020202020204" pitchFamily="34" charset="0"/>
+              <a:buChar char="•"/>
+            </a:pPr>
+            <a:r>
+              <a:rPr lang="en-US" dirty="0"/>
+              <a:t>Increasing surface deposition rate results in significant loss of O</a:t>
+            </a:r>
+            <a:r>
+              <a:rPr lang="en-US" baseline="-25000" dirty="0"/>
+              <a:t>3 </a:t>
+            </a:r>
+            <a:r>
+              <a:rPr lang="en-US" dirty="0"/>
+              <a:t>(almost 100% loss over an hour) </a:t>
+            </a:r>
+            <a:r>
+              <a:rPr lang="en-US" dirty="0">
+                <a:sym typeface="Wingdings" panose="05000000000000000000" pitchFamily="2" charset="2"/>
+              </a:rPr>
+              <a:t> strong sink!</a:t>
+            </a:r>
+            <a:endParaRPr lang="en-US" dirty="0"/>
+          </a:p>
+        </p:txBody>
+      </p:sp>
+      <p:sp>
+        <p:nvSpPr>
+          <p:cNvPr id="12" name="TextBox 11">
+            <a:extLst>
+              <a:ext uri="{FF2B5EF4-FFF2-40B4-BE49-F238E27FC236}">
+                <a16:creationId xmlns:a16="http://schemas.microsoft.com/office/drawing/2014/main" id="{5C1C1EAA-E229-4AFA-8541-31F8B8BC1555}"/>
+              </a:ext>
+            </a:extLst>
+          </p:cNvPr>
+          <p:cNvSpPr txBox="1"/>
+          <p:nvPr/>
+        </p:nvSpPr>
+        <p:spPr>
+          <a:xfrm>
+            <a:off x="328706" y="5943600"/>
+            <a:ext cx="11409082" cy="369332"/>
+          </a:xfrm>
+          <a:prstGeom prst="rect">
+            <a:avLst/>
+          </a:prstGeom>
+          <a:noFill/>
+        </p:spPr>
+        <p:txBody>
+          <a:bodyPr wrap="square" rtlCol="0">
+            <a:spAutoFit/>
+          </a:bodyPr>
+          <a:lstStyle/>
+          <a:p>
+            <a:pPr marL="285750" indent="-285750">
+              <a:buFont typeface="Arial" panose="020B0604020202020204" pitchFamily="34" charset="0"/>
+              <a:buChar char="•"/>
+            </a:pPr>
+            <a:r>
+              <a:rPr lang="en-US" dirty="0"/>
+              <a:t>High VOC case without surface deposition shows a small decrease due to NO + O</a:t>
+            </a:r>
+            <a:r>
+              <a:rPr lang="en-US" baseline="-25000" dirty="0"/>
+              <a:t>3</a:t>
+            </a:r>
+            <a:r>
+              <a:rPr lang="en-US" dirty="0"/>
+              <a:t>; increase again due to RO</a:t>
+            </a:r>
+            <a:r>
+              <a:rPr lang="en-US" baseline="-25000" dirty="0"/>
+              <a:t>2</a:t>
+            </a:r>
+            <a:endParaRPr lang="en-US" dirty="0"/>
+          </a:p>
+        </p:txBody>
+      </p:sp>
+    </p:spTree>
+    <p:extLst>
+      <p:ext uri="{BB962C8B-B14F-4D97-AF65-F5344CB8AC3E}">
+        <p14:creationId xmlns:p14="http://schemas.microsoft.com/office/powerpoint/2010/main" val="3315929640"/>
+      </p:ext>
+    </p:extLst>
+  </p:cSld>
+  <p:clrMapOvr>
+    <a:masterClrMapping/>
+  </p:clrMapOvr>
+</p:sld>
+</file>
+
+<file path=ppt/slides/slide15.xml><?xml version="1.0" encoding="utf-8"?>
+<p:sld xmlns:a="http://schemas.openxmlformats.org/drawingml/2006/main" xmlns:r="http://schemas.openxmlformats.org/officeDocument/2006/relationships" xmlns:p="http://schemas.openxmlformats.org/presentationml/2006/main">
+  <p:cSld>
+    <p:spTree>
+      <p:nvGrpSpPr>
+        <p:cNvPr id="1" name=""/>
+        <p:cNvGrpSpPr/>
+        <p:nvPr/>
+      </p:nvGrpSpPr>
+      <p:grpSpPr>
+        <a:xfrm>
+          <a:off x="0" y="0"/>
+          <a:ext cx="0" cy="0"/>
+          <a:chOff x="0" y="0"/>
+          <a:chExt cx="0" cy="0"/>
+        </a:xfrm>
+      </p:grpSpPr>
+      <p:pic>
+        <p:nvPicPr>
+          <p:cNvPr id="4" name="Content Placeholder 3" descr="A close up of a map&#10;&#10;Description generated with high confidence">
+            <a:extLst>
+              <a:ext uri="{FF2B5EF4-FFF2-40B4-BE49-F238E27FC236}">
+                <a16:creationId xmlns:a16="http://schemas.microsoft.com/office/drawing/2014/main" id="{6AE1B376-3744-4A57-AEAC-362C4CA653CF}"/>
+              </a:ext>
+            </a:extLst>
+          </p:cNvPr>
+          <p:cNvPicPr>
+            <a:picLocks noGrp="1" noChangeAspect="1"/>
+          </p:cNvPicPr>
+          <p:nvPr>
+            <p:ph idx="1"/>
+          </p:nvPr>
+        </p:nvPicPr>
+        <p:blipFill>
+          <a:blip r:embed="rId2">
+            <a:extLst>
+              <a:ext uri="{28A0092B-C50C-407E-A947-70E740481C1C}">
+                <a14:useLocalDpi xmlns:a14="http://schemas.microsoft.com/office/drawing/2010/main" val="0"/>
+              </a:ext>
+            </a:extLst>
+          </a:blip>
+          <a:stretch>
+            <a:fillRect/>
+          </a:stretch>
+        </p:blipFill>
+        <p:spPr>
+          <a:xfrm>
+            <a:off x="156646" y="968189"/>
+            <a:ext cx="5110657" cy="4263091"/>
+          </a:xfrm>
+        </p:spPr>
+      </p:pic>
+      <p:sp>
+        <p:nvSpPr>
+          <p:cNvPr id="6" name="Title 1">
+            <a:extLst>
+              <a:ext uri="{FF2B5EF4-FFF2-40B4-BE49-F238E27FC236}">
+                <a16:creationId xmlns:a16="http://schemas.microsoft.com/office/drawing/2014/main" id="{F7B587BC-F78F-4B4A-B59D-215E142E0429}"/>
+              </a:ext>
+            </a:extLst>
+          </p:cNvPr>
+          <p:cNvSpPr txBox="1">
+            <a:spLocks/>
+          </p:cNvSpPr>
+          <p:nvPr/>
+        </p:nvSpPr>
+        <p:spPr>
+          <a:xfrm>
+            <a:off x="0" y="0"/>
+            <a:ext cx="12192000" cy="914400"/>
+          </a:xfrm>
+          <a:prstGeom prst="rect">
+            <a:avLst/>
+          </a:prstGeom>
+          <a:solidFill>
+            <a:srgbClr val="C00000"/>
+          </a:solidFill>
+        </p:spPr>
+        <p:txBody>
+          <a:bodyPr vert="horz" lIns="91440" tIns="45720" rIns="91440" bIns="45720" rtlCol="0" anchor="ctr">
+            <a:noAutofit/>
+          </a:bodyPr>
+          <a:lstStyle>
+            <a:lvl1pPr algn="ctr" defTabSz="914400" rtl="0" eaLnBrk="1" latinLnBrk="0" hangingPunct="1">
+              <a:spcBef>
+                <a:spcPct val="0"/>
+              </a:spcBef>
+              <a:buNone/>
+              <a:defRPr sz="4400" kern="1200">
+                <a:solidFill>
+                  <a:schemeClr val="tx1"/>
+                </a:solidFill>
+                <a:latin typeface="+mj-lt"/>
+                <a:ea typeface="+mj-ea"/>
+                <a:cs typeface="+mj-cs"/>
+              </a:defRPr>
+            </a:lvl1pPr>
+          </a:lstStyle>
+          <a:p>
+            <a:r>
+              <a:rPr lang="en-US" sz="3600" dirty="0">
+                <a:solidFill>
+                  <a:prstClr val="white"/>
+                </a:solidFill>
+                <a:latin typeface="Arial"/>
+                <a:cs typeface="Arial"/>
+              </a:rPr>
+              <a:t>Varying [NO</a:t>
+            </a:r>
+            <a:r>
+              <a:rPr lang="en-US" sz="3600" baseline="-25000" dirty="0">
+                <a:solidFill>
+                  <a:prstClr val="white"/>
+                </a:solidFill>
+                <a:latin typeface="Arial"/>
+                <a:cs typeface="Arial"/>
+              </a:rPr>
+              <a:t>x</a:t>
+            </a:r>
+            <a:r>
+              <a:rPr lang="en-US" sz="3600" dirty="0">
+                <a:solidFill>
+                  <a:prstClr val="white"/>
+                </a:solidFill>
+                <a:latin typeface="Arial"/>
+                <a:cs typeface="Arial"/>
+              </a:rPr>
+              <a:t>]</a:t>
+            </a:r>
+          </a:p>
+        </p:txBody>
+      </p:sp>
+      <p:pic>
+        <p:nvPicPr>
+          <p:cNvPr id="7" name="Picture 6" descr="A screenshot of a cell phone&#10;&#10;Description generated with high confidence">
+            <a:extLst>
+              <a:ext uri="{FF2B5EF4-FFF2-40B4-BE49-F238E27FC236}">
+                <a16:creationId xmlns:a16="http://schemas.microsoft.com/office/drawing/2014/main" id="{147170AE-92BC-4DD3-A816-7723391332DD}"/>
+              </a:ext>
+            </a:extLst>
+          </p:cNvPr>
+          <p:cNvPicPr>
+            <a:picLocks noChangeAspect="1"/>
+          </p:cNvPicPr>
+          <p:nvPr/>
+        </p:nvPicPr>
+        <p:blipFill>
+          <a:blip r:embed="rId3">
+            <a:extLst>
+              <a:ext uri="{28A0092B-C50C-407E-A947-70E740481C1C}">
+                <a14:useLocalDpi xmlns:a14="http://schemas.microsoft.com/office/drawing/2010/main" val="0"/>
+              </a:ext>
+            </a:extLst>
+          </a:blip>
+          <a:stretch>
+            <a:fillRect/>
+          </a:stretch>
+        </p:blipFill>
+        <p:spPr>
+          <a:xfrm>
+            <a:off x="5917781" y="907413"/>
+            <a:ext cx="5256375" cy="4384642"/>
+          </a:xfrm>
+          <a:prstGeom prst="rect">
+            <a:avLst/>
+          </a:prstGeom>
+        </p:spPr>
+      </p:pic>
+      <p:sp>
+        <p:nvSpPr>
+          <p:cNvPr id="8" name="TextBox 7">
+            <a:extLst>
+              <a:ext uri="{FF2B5EF4-FFF2-40B4-BE49-F238E27FC236}">
+                <a16:creationId xmlns:a16="http://schemas.microsoft.com/office/drawing/2014/main" id="{B45F115D-275D-4562-9B48-0CD4831449B8}"/>
+              </a:ext>
+            </a:extLst>
+          </p:cNvPr>
+          <p:cNvSpPr txBox="1"/>
+          <p:nvPr/>
+        </p:nvSpPr>
+        <p:spPr>
+          <a:xfrm>
+            <a:off x="597647" y="5292055"/>
+            <a:ext cx="10488706" cy="369332"/>
+          </a:xfrm>
+          <a:prstGeom prst="rect">
+            <a:avLst/>
+          </a:prstGeom>
+          <a:noFill/>
+        </p:spPr>
+        <p:txBody>
+          <a:bodyPr wrap="square" rtlCol="0">
+            <a:spAutoFit/>
+          </a:bodyPr>
+          <a:lstStyle/>
+          <a:p>
+            <a:pPr marL="285750" indent="-285750">
+              <a:buFont typeface="Arial" panose="020B0604020202020204" pitchFamily="34" charset="0"/>
+              <a:buChar char="•"/>
+            </a:pPr>
+            <a:r>
+              <a:rPr lang="en-US" dirty="0"/>
+              <a:t>At NO</a:t>
+            </a:r>
+            <a:r>
+              <a:rPr lang="en-US" baseline="-25000" dirty="0"/>
+              <a:t>x</a:t>
+            </a:r>
+            <a:r>
+              <a:rPr lang="en-US" dirty="0"/>
+              <a:t> = 0 ppb for both VOC regimes, loss of O</a:t>
+            </a:r>
+            <a:r>
+              <a:rPr lang="en-US" baseline="-25000" dirty="0"/>
+              <a:t>3</a:t>
+            </a:r>
+            <a:r>
+              <a:rPr lang="en-US" dirty="0"/>
+              <a:t> is completely dominated by surface deposition </a:t>
+            </a:r>
+          </a:p>
+        </p:txBody>
+      </p:sp>
+      <p:sp>
+        <p:nvSpPr>
+          <p:cNvPr id="9" name="TextBox 8">
+            <a:extLst>
+              <a:ext uri="{FF2B5EF4-FFF2-40B4-BE49-F238E27FC236}">
+                <a16:creationId xmlns:a16="http://schemas.microsoft.com/office/drawing/2014/main" id="{248D6563-0872-4993-A765-618C7FBAD13B}"/>
+              </a:ext>
+            </a:extLst>
+          </p:cNvPr>
+          <p:cNvSpPr txBox="1"/>
+          <p:nvPr/>
+        </p:nvSpPr>
+        <p:spPr>
+          <a:xfrm>
+            <a:off x="597646" y="5765921"/>
+            <a:ext cx="11594353" cy="369332"/>
+          </a:xfrm>
+          <a:prstGeom prst="rect">
+            <a:avLst/>
+          </a:prstGeom>
+          <a:noFill/>
+        </p:spPr>
+        <p:txBody>
+          <a:bodyPr wrap="square" rtlCol="0">
+            <a:spAutoFit/>
+          </a:bodyPr>
+          <a:lstStyle/>
+          <a:p>
+            <a:pPr marL="285750" indent="-285750">
+              <a:buFont typeface="Arial" panose="020B0604020202020204" pitchFamily="34" charset="0"/>
+              <a:buChar char="•"/>
+            </a:pPr>
+            <a:r>
+              <a:rPr lang="en-US" dirty="0"/>
+              <a:t>For Low VOC (VOC limited): &lt;1500 s, O</a:t>
+            </a:r>
+            <a:r>
+              <a:rPr lang="en-US" baseline="-25000" dirty="0"/>
+              <a:t>3</a:t>
+            </a:r>
+            <a:r>
+              <a:rPr lang="en-US" dirty="0"/>
+              <a:t> decreases fast due to NO + O</a:t>
+            </a:r>
+            <a:r>
+              <a:rPr lang="en-US" baseline="-25000" dirty="0"/>
+              <a:t>3</a:t>
+            </a:r>
+            <a:r>
+              <a:rPr lang="en-US" dirty="0"/>
+              <a:t>; &gt;1500s, slower removal due to NO</a:t>
+            </a:r>
+            <a:r>
+              <a:rPr lang="en-US" baseline="-25000" dirty="0"/>
+              <a:t>x</a:t>
+            </a:r>
+            <a:r>
+              <a:rPr lang="en-US" dirty="0"/>
+              <a:t> cycling </a:t>
+            </a:r>
+          </a:p>
+        </p:txBody>
+      </p:sp>
+      <p:sp>
+        <p:nvSpPr>
+          <p:cNvPr id="10" name="TextBox 9">
+            <a:extLst>
+              <a:ext uri="{FF2B5EF4-FFF2-40B4-BE49-F238E27FC236}">
+                <a16:creationId xmlns:a16="http://schemas.microsoft.com/office/drawing/2014/main" id="{A5ED6C62-8CAD-4767-957B-89B8698031C5}"/>
+              </a:ext>
+            </a:extLst>
+          </p:cNvPr>
+          <p:cNvSpPr txBox="1"/>
+          <p:nvPr/>
+        </p:nvSpPr>
+        <p:spPr>
+          <a:xfrm>
+            <a:off x="597647" y="6196028"/>
+            <a:ext cx="11594353" cy="646331"/>
+          </a:xfrm>
+          <a:prstGeom prst="rect">
+            <a:avLst/>
+          </a:prstGeom>
+          <a:noFill/>
+        </p:spPr>
+        <p:txBody>
+          <a:bodyPr wrap="square" rtlCol="0">
+            <a:spAutoFit/>
+          </a:bodyPr>
+          <a:lstStyle/>
+          <a:p>
+            <a:pPr marL="285750" indent="-285750">
+              <a:buFont typeface="Arial" panose="020B0604020202020204" pitchFamily="34" charset="0"/>
+              <a:buChar char="•"/>
+            </a:pPr>
+            <a:r>
+              <a:rPr lang="en-US" dirty="0"/>
+              <a:t>For High VOC (NO</a:t>
+            </a:r>
+            <a:r>
+              <a:rPr lang="en-US" baseline="-25000" dirty="0"/>
+              <a:t>x</a:t>
+            </a:r>
+            <a:r>
+              <a:rPr lang="en-US" dirty="0"/>
+              <a:t> limited): O</a:t>
+            </a:r>
+            <a:r>
+              <a:rPr lang="en-US" baseline="-25000" dirty="0"/>
+              <a:t>3</a:t>
+            </a:r>
+            <a:r>
+              <a:rPr lang="en-US" dirty="0"/>
+              <a:t> is more sensitive to NO</a:t>
+            </a:r>
+            <a:r>
+              <a:rPr lang="en-US" baseline="-25000" dirty="0"/>
+              <a:t>x </a:t>
+            </a:r>
+            <a:r>
+              <a:rPr lang="en-US" dirty="0">
+                <a:sym typeface="Wingdings" panose="05000000000000000000" pitchFamily="2" charset="2"/>
+              </a:rPr>
+              <a:t> 50 + 100 ppb NO</a:t>
+            </a:r>
+            <a:r>
+              <a:rPr lang="en-US" baseline="-25000" dirty="0">
+                <a:sym typeface="Wingdings" panose="05000000000000000000" pitchFamily="2" charset="2"/>
+              </a:rPr>
+              <a:t>x</a:t>
+            </a:r>
+            <a:r>
+              <a:rPr lang="en-US" dirty="0">
+                <a:sym typeface="Wingdings" panose="05000000000000000000" pitchFamily="2" charset="2"/>
+              </a:rPr>
+              <a:t> cases show larger differences compared to low VOC; however, there is always a decrease in O</a:t>
+            </a:r>
+            <a:r>
+              <a:rPr lang="en-US" baseline="-25000" dirty="0">
+                <a:sym typeface="Wingdings" panose="05000000000000000000" pitchFamily="2" charset="2"/>
+              </a:rPr>
+              <a:t>3</a:t>
+            </a:r>
+            <a:r>
+              <a:rPr lang="en-US" dirty="0">
+                <a:sym typeface="Wingdings" panose="05000000000000000000" pitchFamily="2" charset="2"/>
+              </a:rPr>
+              <a:t> independent of NO</a:t>
+            </a:r>
+            <a:r>
+              <a:rPr lang="en-US" baseline="-25000" dirty="0">
+                <a:sym typeface="Wingdings" panose="05000000000000000000" pitchFamily="2" charset="2"/>
+              </a:rPr>
+              <a:t>x </a:t>
+            </a:r>
+            <a:r>
+              <a:rPr lang="en-US" dirty="0">
+                <a:sym typeface="Wingdings" panose="05000000000000000000" pitchFamily="2" charset="2"/>
+              </a:rPr>
+              <a:t>mixing ratios</a:t>
+            </a:r>
+            <a:endParaRPr lang="en-US" dirty="0"/>
+          </a:p>
+        </p:txBody>
+      </p:sp>
+    </p:spTree>
+    <p:extLst>
+      <p:ext uri="{BB962C8B-B14F-4D97-AF65-F5344CB8AC3E}">
+        <p14:creationId xmlns:p14="http://schemas.microsoft.com/office/powerpoint/2010/main" val="3510424032"/>
+      </p:ext>
+    </p:extLst>
+  </p:cSld>
+  <p:clrMapOvr>
+    <a:masterClrMapping/>
+  </p:clrMapOvr>
+</p:sld>
+</file>
+
+<file path=ppt/slides/slide16.xml><?xml version="1.0" encoding="utf-8"?>
+<p:sld xmlns:a="http://schemas.openxmlformats.org/drawingml/2006/main" xmlns:r="http://schemas.openxmlformats.org/officeDocument/2006/relationships" xmlns:p="http://schemas.openxmlformats.org/presentationml/2006/main">
+  <p:cSld>
+    <p:spTree>
+      <p:nvGrpSpPr>
+        <p:cNvPr id="1" name=""/>
+        <p:cNvGrpSpPr/>
+        <p:nvPr/>
+      </p:nvGrpSpPr>
+      <p:grpSpPr>
+        <a:xfrm>
+          <a:off x="0" y="0"/>
+          <a:ext cx="0" cy="0"/>
+          <a:chOff x="0" y="0"/>
+          <a:chExt cx="0" cy="0"/>
+        </a:xfrm>
+      </p:grpSpPr>
+      <p:pic>
+        <p:nvPicPr>
+          <p:cNvPr id="4" name="Content Placeholder 3" descr="A screenshot of a cell phone&#10;&#10;Description generated with very high confidence">
+            <a:extLst>
+              <a:ext uri="{FF2B5EF4-FFF2-40B4-BE49-F238E27FC236}">
+                <a16:creationId xmlns:a16="http://schemas.microsoft.com/office/drawing/2014/main" id="{F7380F8F-CC31-4D69-B5EE-1A28ADC3F30D}"/>
+              </a:ext>
+            </a:extLst>
+          </p:cNvPr>
+          <p:cNvPicPr>
+            <a:picLocks noGrp="1" noChangeAspect="1"/>
+          </p:cNvPicPr>
+          <p:nvPr>
+            <p:ph idx="1"/>
+          </p:nvPr>
+        </p:nvPicPr>
+        <p:blipFill rotWithShape="1">
+          <a:blip r:embed="rId2">
+            <a:extLst>
+              <a:ext uri="{28A0092B-C50C-407E-A947-70E740481C1C}">
+                <a14:useLocalDpi xmlns:a14="http://schemas.microsoft.com/office/drawing/2010/main" val="0"/>
+              </a:ext>
+            </a:extLst>
+          </a:blip>
+          <a:srcRect r="9316"/>
+          <a:stretch/>
+        </p:blipFill>
+        <p:spPr>
+          <a:xfrm>
+            <a:off x="-760221" y="869979"/>
+            <a:ext cx="8535609" cy="5518151"/>
+          </a:xfrm>
+        </p:spPr>
+      </p:pic>
+      <p:sp>
+        <p:nvSpPr>
+          <p:cNvPr id="6" name="Title 1">
+            <a:extLst>
+              <a:ext uri="{FF2B5EF4-FFF2-40B4-BE49-F238E27FC236}">
+                <a16:creationId xmlns:a16="http://schemas.microsoft.com/office/drawing/2014/main" id="{F7B587BC-F78F-4B4A-B59D-215E142E0429}"/>
+              </a:ext>
+            </a:extLst>
+          </p:cNvPr>
+          <p:cNvSpPr txBox="1">
+            <a:spLocks/>
+          </p:cNvSpPr>
+          <p:nvPr/>
+        </p:nvSpPr>
+        <p:spPr>
+          <a:xfrm>
+            <a:off x="0" y="0"/>
+            <a:ext cx="12192000" cy="914400"/>
+          </a:xfrm>
+          <a:prstGeom prst="rect">
+            <a:avLst/>
+          </a:prstGeom>
+          <a:solidFill>
+            <a:srgbClr val="C00000"/>
+          </a:solidFill>
+        </p:spPr>
+        <p:txBody>
+          <a:bodyPr vert="horz" lIns="91440" tIns="45720" rIns="91440" bIns="45720" rtlCol="0" anchor="ctr">
+            <a:noAutofit/>
+          </a:bodyPr>
+          <a:lstStyle>
+            <a:lvl1pPr algn="ctr" defTabSz="914400" rtl="0" eaLnBrk="1" latinLnBrk="0" hangingPunct="1">
+              <a:spcBef>
+                <a:spcPct val="0"/>
+              </a:spcBef>
+              <a:buNone/>
+              <a:defRPr sz="4400" kern="1200">
+                <a:solidFill>
+                  <a:schemeClr val="tx1"/>
+                </a:solidFill>
+                <a:latin typeface="+mj-lt"/>
+                <a:ea typeface="+mj-ea"/>
+                <a:cs typeface="+mj-cs"/>
+              </a:defRPr>
+            </a:lvl1pPr>
+          </a:lstStyle>
+          <a:p>
+            <a:r>
+              <a:rPr lang="en-US" sz="3600" dirty="0">
+                <a:solidFill>
+                  <a:prstClr val="white"/>
+                </a:solidFill>
+                <a:latin typeface="Arial"/>
+                <a:cs typeface="Arial"/>
+              </a:rPr>
+              <a:t>Base Case Model Run Example (Low VOC) : Revisited  </a:t>
+            </a:r>
+          </a:p>
+        </p:txBody>
+      </p:sp>
+      <p:sp>
+        <p:nvSpPr>
+          <p:cNvPr id="3" name="TextBox 2">
+            <a:extLst>
+              <a:ext uri="{FF2B5EF4-FFF2-40B4-BE49-F238E27FC236}">
+                <a16:creationId xmlns:a16="http://schemas.microsoft.com/office/drawing/2014/main" id="{62300AE0-D7C4-4089-9CAE-B914347F1AB7}"/>
+              </a:ext>
+            </a:extLst>
+          </p:cNvPr>
+          <p:cNvSpPr txBox="1"/>
+          <p:nvPr/>
+        </p:nvSpPr>
+        <p:spPr>
+          <a:xfrm>
+            <a:off x="7912847" y="1374588"/>
+            <a:ext cx="4279153" cy="646331"/>
+          </a:xfrm>
+          <a:prstGeom prst="rect">
+            <a:avLst/>
+          </a:prstGeom>
+          <a:noFill/>
+        </p:spPr>
+        <p:txBody>
+          <a:bodyPr wrap="square" rtlCol="0">
+            <a:spAutoFit/>
+          </a:bodyPr>
+          <a:lstStyle/>
+          <a:p>
+            <a:r>
+              <a:rPr lang="en-US" dirty="0"/>
+              <a:t>1) Low photon fluxes &lt;390 nm </a:t>
+            </a:r>
+            <a:r>
+              <a:rPr lang="en-US" dirty="0">
+                <a:sym typeface="Wingdings" panose="05000000000000000000" pitchFamily="2" charset="2"/>
+              </a:rPr>
+              <a:t> less NO</a:t>
+            </a:r>
+            <a:r>
+              <a:rPr lang="en-US" baseline="-25000" dirty="0">
+                <a:sym typeface="Wingdings" panose="05000000000000000000" pitchFamily="2" charset="2"/>
+              </a:rPr>
+              <a:t>2</a:t>
+            </a:r>
+            <a:r>
+              <a:rPr lang="en-US" dirty="0">
+                <a:sym typeface="Wingdings" panose="05000000000000000000" pitchFamily="2" charset="2"/>
+              </a:rPr>
+              <a:t> photolysis  less VOC/NO</a:t>
+            </a:r>
+            <a:r>
+              <a:rPr lang="en-US" baseline="-25000" dirty="0">
+                <a:sym typeface="Wingdings" panose="05000000000000000000" pitchFamily="2" charset="2"/>
+              </a:rPr>
+              <a:t>x</a:t>
+            </a:r>
+            <a:r>
+              <a:rPr lang="en-US" dirty="0">
+                <a:sym typeface="Wingdings" panose="05000000000000000000" pitchFamily="2" charset="2"/>
+              </a:rPr>
+              <a:t>/O</a:t>
+            </a:r>
+            <a:r>
+              <a:rPr lang="en-US" baseline="-25000" dirty="0">
+                <a:sym typeface="Wingdings" panose="05000000000000000000" pitchFamily="2" charset="2"/>
+              </a:rPr>
+              <a:t>3 </a:t>
+            </a:r>
+            <a:r>
+              <a:rPr lang="en-US" dirty="0">
+                <a:sym typeface="Wingdings" panose="05000000000000000000" pitchFamily="2" charset="2"/>
+              </a:rPr>
+              <a:t>cycling</a:t>
+            </a:r>
+            <a:endParaRPr lang="en-US" dirty="0"/>
+          </a:p>
+        </p:txBody>
+      </p:sp>
+      <p:sp>
+        <p:nvSpPr>
+          <p:cNvPr id="7" name="TextBox 6">
+            <a:extLst>
+              <a:ext uri="{FF2B5EF4-FFF2-40B4-BE49-F238E27FC236}">
+                <a16:creationId xmlns:a16="http://schemas.microsoft.com/office/drawing/2014/main" id="{506CA170-A48B-4B47-829E-A91F040287B0}"/>
+              </a:ext>
+            </a:extLst>
+          </p:cNvPr>
+          <p:cNvSpPr txBox="1"/>
+          <p:nvPr/>
+        </p:nvSpPr>
+        <p:spPr>
+          <a:xfrm>
+            <a:off x="7912846" y="2393576"/>
+            <a:ext cx="4279153" cy="923330"/>
+          </a:xfrm>
+          <a:prstGeom prst="rect">
+            <a:avLst/>
+          </a:prstGeom>
+          <a:noFill/>
+        </p:spPr>
+        <p:txBody>
+          <a:bodyPr wrap="square" rtlCol="0">
+            <a:spAutoFit/>
+          </a:bodyPr>
+          <a:lstStyle/>
+          <a:p>
+            <a:r>
+              <a:rPr lang="en-US" dirty="0"/>
+              <a:t>2) High (~20 ppb) O</a:t>
+            </a:r>
+            <a:r>
+              <a:rPr lang="en-US" baseline="-25000" dirty="0"/>
+              <a:t>3</a:t>
+            </a:r>
+            <a:r>
+              <a:rPr lang="en-US" dirty="0"/>
+              <a:t> mixing ratio leads to a sharp decrease due to null cycle equilibria and lack of RO</a:t>
+            </a:r>
+            <a:r>
+              <a:rPr lang="en-US" baseline="-25000" dirty="0"/>
+              <a:t>2</a:t>
+            </a:r>
+            <a:r>
+              <a:rPr lang="en-US" dirty="0"/>
+              <a:t> </a:t>
+            </a:r>
+          </a:p>
+        </p:txBody>
+      </p:sp>
+      <p:sp>
+        <p:nvSpPr>
+          <p:cNvPr id="8" name="TextBox 7">
+            <a:extLst>
+              <a:ext uri="{FF2B5EF4-FFF2-40B4-BE49-F238E27FC236}">
+                <a16:creationId xmlns:a16="http://schemas.microsoft.com/office/drawing/2014/main" id="{8A041F2E-6A2F-4C55-A3D5-70A742C3BA56}"/>
+              </a:ext>
+            </a:extLst>
+          </p:cNvPr>
+          <p:cNvSpPr txBox="1"/>
+          <p:nvPr/>
+        </p:nvSpPr>
+        <p:spPr>
+          <a:xfrm>
+            <a:off x="7912847" y="3541095"/>
+            <a:ext cx="4279153" cy="923330"/>
+          </a:xfrm>
+          <a:prstGeom prst="rect">
+            <a:avLst/>
+          </a:prstGeom>
+          <a:noFill/>
+        </p:spPr>
+        <p:txBody>
+          <a:bodyPr wrap="square" rtlCol="0">
+            <a:spAutoFit/>
+          </a:bodyPr>
+          <a:lstStyle/>
+          <a:p>
+            <a:r>
+              <a:rPr lang="en-US" dirty="0"/>
+              <a:t>3) Modest deposition rate (5/</a:t>
+            </a:r>
+            <a:r>
+              <a:rPr lang="en-US" dirty="0" err="1"/>
+              <a:t>hr</a:t>
+            </a:r>
+            <a:r>
+              <a:rPr lang="en-US" dirty="0"/>
+              <a:t>) is strong enough to cause O</a:t>
+            </a:r>
+            <a:r>
+              <a:rPr lang="en-US" baseline="-25000" dirty="0"/>
+              <a:t>3</a:t>
+            </a:r>
+            <a:r>
+              <a:rPr lang="en-US" dirty="0"/>
+              <a:t> to sharply decrease and doesn’t go to 0 due to null cycle equilibria</a:t>
+            </a:r>
+          </a:p>
+        </p:txBody>
+      </p:sp>
+      <p:sp>
+        <p:nvSpPr>
+          <p:cNvPr id="9" name="TextBox 8">
+            <a:extLst>
+              <a:ext uri="{FF2B5EF4-FFF2-40B4-BE49-F238E27FC236}">
+                <a16:creationId xmlns:a16="http://schemas.microsoft.com/office/drawing/2014/main" id="{A32BBB08-0483-4C29-B364-663A08D507FF}"/>
+              </a:ext>
+            </a:extLst>
+          </p:cNvPr>
+          <p:cNvSpPr txBox="1"/>
+          <p:nvPr/>
+        </p:nvSpPr>
+        <p:spPr>
+          <a:xfrm>
+            <a:off x="7912847" y="4688614"/>
+            <a:ext cx="4279153" cy="646331"/>
+          </a:xfrm>
+          <a:prstGeom prst="rect">
+            <a:avLst/>
+          </a:prstGeom>
+          <a:noFill/>
+        </p:spPr>
+        <p:txBody>
+          <a:bodyPr wrap="square" rtlCol="0">
+            <a:spAutoFit/>
+          </a:bodyPr>
+          <a:lstStyle/>
+          <a:p>
+            <a:r>
+              <a:rPr lang="en-US" dirty="0"/>
+              <a:t>4) NO</a:t>
+            </a:r>
+            <a:r>
+              <a:rPr lang="en-US" baseline="-25000" dirty="0"/>
+              <a:t>X</a:t>
+            </a:r>
+            <a:r>
+              <a:rPr lang="en-US" dirty="0"/>
+              <a:t> mixing ratios result in a non zero ozone mixing ratio </a:t>
+            </a:r>
+          </a:p>
+        </p:txBody>
+      </p:sp>
+    </p:spTree>
+    <p:extLst>
+      <p:ext uri="{BB962C8B-B14F-4D97-AF65-F5344CB8AC3E}">
+        <p14:creationId xmlns:p14="http://schemas.microsoft.com/office/powerpoint/2010/main" val="4219312924"/>
+      </p:ext>
+    </p:extLst>
+  </p:cSld>
+  <p:clrMapOvr>
+    <a:masterClrMapping/>
+  </p:clrMapOvr>
+</p:sld>
+</file>
+
+<file path=ppt/slides/slide17.xml><?xml version="1.0" encoding="utf-8"?>
+<p:sld xmlns:a="http://schemas.openxmlformats.org/drawingml/2006/main" xmlns:r="http://schemas.openxmlformats.org/officeDocument/2006/relationships" xmlns:p="http://schemas.openxmlformats.org/presentationml/2006/main">
+  <p:cSld>
+    <p:spTree>
+      <p:nvGrpSpPr>
+        <p:cNvPr id="1" name=""/>
+        <p:cNvGrpSpPr/>
+        <p:nvPr/>
+      </p:nvGrpSpPr>
+      <p:grpSpPr>
+        <a:xfrm>
+          <a:off x="0" y="0"/>
+          <a:ext cx="0" cy="0"/>
+          <a:chOff x="0" y="0"/>
+          <a:chExt cx="0" cy="0"/>
+        </a:xfrm>
+      </p:grpSpPr>
+      <p:sp>
+        <p:nvSpPr>
+          <p:cNvPr id="6" name="Title 1">
+            <a:extLst>
+              <a:ext uri="{FF2B5EF4-FFF2-40B4-BE49-F238E27FC236}">
+                <a16:creationId xmlns:a16="http://schemas.microsoft.com/office/drawing/2014/main" id="{F7B587BC-F78F-4B4A-B59D-215E142E0429}"/>
+              </a:ext>
+            </a:extLst>
+          </p:cNvPr>
+          <p:cNvSpPr txBox="1">
+            <a:spLocks/>
+          </p:cNvSpPr>
+          <p:nvPr/>
+        </p:nvSpPr>
+        <p:spPr>
+          <a:xfrm>
+            <a:off x="0" y="0"/>
+            <a:ext cx="12192000" cy="914400"/>
+          </a:xfrm>
+          <a:prstGeom prst="rect">
+            <a:avLst/>
+          </a:prstGeom>
+          <a:solidFill>
+            <a:srgbClr val="C00000"/>
+          </a:solidFill>
+        </p:spPr>
+        <p:txBody>
+          <a:bodyPr vert="horz" lIns="91440" tIns="45720" rIns="91440" bIns="45720" rtlCol="0" anchor="ctr">
+            <a:noAutofit/>
+          </a:bodyPr>
+          <a:lstStyle>
+            <a:lvl1pPr algn="ctr" defTabSz="914400" rtl="0" eaLnBrk="1" latinLnBrk="0" hangingPunct="1">
+              <a:spcBef>
+                <a:spcPct val="0"/>
+              </a:spcBef>
+              <a:buNone/>
+              <a:defRPr sz="4400" kern="1200">
+                <a:solidFill>
+                  <a:schemeClr val="tx1"/>
+                </a:solidFill>
+                <a:latin typeface="+mj-lt"/>
+                <a:ea typeface="+mj-ea"/>
+                <a:cs typeface="+mj-cs"/>
+              </a:defRPr>
+            </a:lvl1pPr>
+          </a:lstStyle>
+          <a:p>
+            <a:r>
+              <a:rPr lang="en-US" sz="3600" dirty="0">
+                <a:solidFill>
+                  <a:prstClr val="white"/>
+                </a:solidFill>
+                <a:latin typeface="Arial"/>
+                <a:cs typeface="Arial"/>
+              </a:rPr>
+              <a:t>Conclusions/Future Directions</a:t>
+            </a:r>
+          </a:p>
+        </p:txBody>
+      </p:sp>
+      <p:sp>
+        <p:nvSpPr>
+          <p:cNvPr id="5" name="TextBox 4">
+            <a:extLst>
+              <a:ext uri="{FF2B5EF4-FFF2-40B4-BE49-F238E27FC236}">
+                <a16:creationId xmlns:a16="http://schemas.microsoft.com/office/drawing/2014/main" id="{6A14B2F4-770D-427B-80B2-22F26C0F4A08}"/>
+              </a:ext>
+            </a:extLst>
+          </p:cNvPr>
+          <p:cNvSpPr txBox="1"/>
+          <p:nvPr/>
+        </p:nvSpPr>
+        <p:spPr>
+          <a:xfrm>
+            <a:off x="651436" y="1447312"/>
+            <a:ext cx="10936941" cy="461665"/>
+          </a:xfrm>
+          <a:prstGeom prst="rect">
+            <a:avLst/>
+          </a:prstGeom>
+          <a:noFill/>
+        </p:spPr>
+        <p:txBody>
+          <a:bodyPr wrap="square" rtlCol="0">
+            <a:spAutoFit/>
+          </a:bodyPr>
+          <a:lstStyle/>
+          <a:p>
+            <a:r>
+              <a:rPr lang="en-US" sz="2400" dirty="0"/>
+              <a:t>1) Photochemistry appears to be relatively weak indoors with respect to O</a:t>
+            </a:r>
+            <a:r>
+              <a:rPr lang="en-US" sz="2400" baseline="-25000" dirty="0"/>
+              <a:t>3</a:t>
+            </a:r>
+            <a:r>
+              <a:rPr lang="en-US" sz="2400" dirty="0"/>
+              <a:t> production</a:t>
+            </a:r>
+          </a:p>
+        </p:txBody>
+      </p:sp>
+      <p:sp>
+        <p:nvSpPr>
+          <p:cNvPr id="7" name="TextBox 6">
+            <a:extLst>
+              <a:ext uri="{FF2B5EF4-FFF2-40B4-BE49-F238E27FC236}">
+                <a16:creationId xmlns:a16="http://schemas.microsoft.com/office/drawing/2014/main" id="{09132359-C6A5-40BC-B176-3FE1621C764E}"/>
+              </a:ext>
+            </a:extLst>
+          </p:cNvPr>
+          <p:cNvSpPr txBox="1"/>
+          <p:nvPr/>
+        </p:nvSpPr>
+        <p:spPr>
+          <a:xfrm>
+            <a:off x="651435" y="2413484"/>
+            <a:ext cx="10936941" cy="1200329"/>
+          </a:xfrm>
+          <a:prstGeom prst="rect">
+            <a:avLst/>
+          </a:prstGeom>
+          <a:noFill/>
+        </p:spPr>
+        <p:txBody>
+          <a:bodyPr wrap="square" rtlCol="0">
+            <a:spAutoFit/>
+          </a:bodyPr>
+          <a:lstStyle/>
+          <a:p>
+            <a:r>
+              <a:rPr lang="en-US" sz="2400" dirty="0"/>
+              <a:t>2) Surface Deposition Rates appear to be significant in O</a:t>
+            </a:r>
+            <a:r>
+              <a:rPr lang="en-US" sz="2400" baseline="-25000" dirty="0"/>
+              <a:t>3</a:t>
+            </a:r>
+            <a:r>
+              <a:rPr lang="en-US" sz="2400" dirty="0"/>
+              <a:t> removal and should be taken into account in all indoor air chemistry models (What about other species?? This is not currently known!!) </a:t>
+            </a:r>
+            <a:r>
+              <a:rPr lang="en-US" sz="2400" dirty="0">
+                <a:sym typeface="Wingdings" panose="05000000000000000000" pitchFamily="2" charset="2"/>
+              </a:rPr>
+              <a:t> Surfaces extremely important!</a:t>
+            </a:r>
+            <a:endParaRPr lang="en-US" sz="2400" dirty="0"/>
+          </a:p>
+        </p:txBody>
+      </p:sp>
+      <p:sp>
+        <p:nvSpPr>
+          <p:cNvPr id="8" name="TextBox 7">
+            <a:extLst>
+              <a:ext uri="{FF2B5EF4-FFF2-40B4-BE49-F238E27FC236}">
+                <a16:creationId xmlns:a16="http://schemas.microsoft.com/office/drawing/2014/main" id="{DF140624-3595-4EFC-B7B3-BFD88CBC422F}"/>
+              </a:ext>
+            </a:extLst>
+          </p:cNvPr>
+          <p:cNvSpPr txBox="1"/>
+          <p:nvPr/>
+        </p:nvSpPr>
+        <p:spPr>
+          <a:xfrm>
+            <a:off x="651436" y="4105365"/>
+            <a:ext cx="12030634" cy="461665"/>
+          </a:xfrm>
+          <a:prstGeom prst="rect">
+            <a:avLst/>
+          </a:prstGeom>
+          <a:noFill/>
+        </p:spPr>
+        <p:txBody>
+          <a:bodyPr wrap="square" rtlCol="0">
+            <a:spAutoFit/>
+          </a:bodyPr>
+          <a:lstStyle/>
+          <a:p>
+            <a:r>
+              <a:rPr lang="en-US" sz="2400" dirty="0"/>
+              <a:t>3) Indoor Field Campaign: Measure VOCs + HCHO/CHOCHO </a:t>
+            </a:r>
+            <a:r>
+              <a:rPr lang="en-US" sz="2400" dirty="0">
+                <a:sym typeface="Wingdings" panose="05000000000000000000" pitchFamily="2" charset="2"/>
+              </a:rPr>
+              <a:t> F0AM  Constrain/Compare</a:t>
+            </a:r>
+            <a:endParaRPr lang="en-US" sz="2400" dirty="0"/>
+          </a:p>
+        </p:txBody>
+      </p:sp>
+      <p:sp>
+        <p:nvSpPr>
+          <p:cNvPr id="9" name="TextBox 8">
+            <a:extLst>
+              <a:ext uri="{FF2B5EF4-FFF2-40B4-BE49-F238E27FC236}">
+                <a16:creationId xmlns:a16="http://schemas.microsoft.com/office/drawing/2014/main" id="{EB5C67F6-9BC1-4BE8-9A26-170589580519}"/>
+              </a:ext>
+            </a:extLst>
+          </p:cNvPr>
+          <p:cNvSpPr txBox="1"/>
+          <p:nvPr/>
+        </p:nvSpPr>
+        <p:spPr>
+          <a:xfrm>
+            <a:off x="651435" y="5058582"/>
+            <a:ext cx="10936941" cy="461665"/>
+          </a:xfrm>
+          <a:prstGeom prst="rect">
+            <a:avLst/>
+          </a:prstGeom>
+          <a:noFill/>
+        </p:spPr>
+        <p:txBody>
+          <a:bodyPr wrap="square" rtlCol="0">
+            <a:spAutoFit/>
+          </a:bodyPr>
+          <a:lstStyle/>
+          <a:p>
+            <a:r>
+              <a:rPr lang="en-US" sz="2400" dirty="0"/>
+              <a:t>4) Measurement of Deposition and Resuspension Rates of Indoor VOCs/Inorganics</a:t>
+            </a:r>
+          </a:p>
+        </p:txBody>
+      </p:sp>
+    </p:spTree>
+    <p:extLst>
+      <p:ext uri="{BB962C8B-B14F-4D97-AF65-F5344CB8AC3E}">
+        <p14:creationId xmlns:p14="http://schemas.microsoft.com/office/powerpoint/2010/main" val="4226965109"/>
       </p:ext>
     </p:extLst>
   </p:cSld>
@@ -3786,39 +6369,6 @@
       </p:grpSpPr>
       <p:sp>
         <p:nvSpPr>
-          <p:cNvPr id="3" name="Content Placeholder 2">
-            <a:extLst>
-              <a:ext uri="{FF2B5EF4-FFF2-40B4-BE49-F238E27FC236}">
-                <a16:creationId xmlns:a16="http://schemas.microsoft.com/office/drawing/2014/main" id="{28B29C68-9D1F-4A44-ABD0-8A2E2DE6262A}"/>
-              </a:ext>
-            </a:extLst>
-          </p:cNvPr>
-          <p:cNvSpPr>
-            <a:spLocks noGrp="1"/>
-          </p:cNvSpPr>
-          <p:nvPr>
-            <p:ph idx="1"/>
-          </p:nvPr>
-        </p:nvSpPr>
-        <p:spPr>
-          <a:xfrm>
-            <a:off x="838200" y="1825625"/>
-            <a:ext cx="10515600" cy="3692306"/>
-          </a:xfrm>
-        </p:spPr>
-        <p:txBody>
-          <a:bodyPr/>
-          <a:lstStyle/>
-          <a:p>
-            <a:pPr marL="0" indent="0">
-              <a:buNone/>
-            </a:pPr>
-            <a:endParaRPr lang="en-US" dirty="0"/>
-          </a:p>
-        </p:txBody>
-      </p:sp>
-      <p:sp>
-        <p:nvSpPr>
           <p:cNvPr id="6" name="Title 1">
             <a:extLst>
               <a:ext uri="{FF2B5EF4-FFF2-40B4-BE49-F238E27FC236}">
@@ -3872,25 +6422,200 @@
                 <a:latin typeface="Arial"/>
                 <a:cs typeface="Arial"/>
               </a:rPr>
-              <a:t>Why Study Indoor </a:t>
-            </a:r>
-            <a:r>
-              <a:rPr lang="en-US" sz="3600">
-                <a:solidFill>
-                  <a:prstClr val="white"/>
-                </a:solidFill>
-                <a:latin typeface="Arial"/>
-                <a:cs typeface="Arial"/>
-              </a:rPr>
-              <a:t>Air Chemistry?</a:t>
-            </a:r>
-            <a:endParaRPr lang="en-US" sz="3600" dirty="0">
-              <a:solidFill>
-                <a:prstClr val="white"/>
-              </a:solidFill>
-              <a:latin typeface="Arial"/>
-              <a:cs typeface="Arial"/>
-            </a:endParaRPr>
+              <a:t>Why Study Indoor Air Chemistry?</a:t>
+            </a:r>
+          </a:p>
+        </p:txBody>
+      </p:sp>
+      <p:pic>
+        <p:nvPicPr>
+          <p:cNvPr id="4" name="Picture 3">
+            <a:extLst>
+              <a:ext uri="{FF2B5EF4-FFF2-40B4-BE49-F238E27FC236}">
+                <a16:creationId xmlns:a16="http://schemas.microsoft.com/office/drawing/2014/main" id="{7DD78BA8-955E-47AE-8174-562F8B5F966A}"/>
+              </a:ext>
+            </a:extLst>
+          </p:cNvPr>
+          <p:cNvPicPr>
+            <a:picLocks noChangeAspect="1"/>
+          </p:cNvPicPr>
+          <p:nvPr/>
+        </p:nvPicPr>
+        <p:blipFill>
+          <a:blip r:embed="rId2">
+            <a:extLst>
+              <a:ext uri="{28A0092B-C50C-407E-A947-70E740481C1C}">
+                <a14:useLocalDpi xmlns:a14="http://schemas.microsoft.com/office/drawing/2010/main" val="0"/>
+              </a:ext>
+            </a:extLst>
+          </a:blip>
+          <a:stretch>
+            <a:fillRect/>
+          </a:stretch>
+        </p:blipFill>
+        <p:spPr>
+          <a:xfrm>
+            <a:off x="150211" y="1594196"/>
+            <a:ext cx="6834472" cy="3844391"/>
+          </a:xfrm>
+          <a:prstGeom prst="rect">
+            <a:avLst/>
+          </a:prstGeom>
+        </p:spPr>
+      </p:pic>
+      <p:sp>
+        <p:nvSpPr>
+          <p:cNvPr id="5" name="TextBox 4">
+            <a:extLst>
+              <a:ext uri="{FF2B5EF4-FFF2-40B4-BE49-F238E27FC236}">
+                <a16:creationId xmlns:a16="http://schemas.microsoft.com/office/drawing/2014/main" id="{F8A58681-2B67-487E-81D2-309A98315DF9}"/>
+              </a:ext>
+            </a:extLst>
+          </p:cNvPr>
+          <p:cNvSpPr txBox="1"/>
+          <p:nvPr/>
+        </p:nvSpPr>
+        <p:spPr>
+          <a:xfrm>
+            <a:off x="6977149" y="1651462"/>
+            <a:ext cx="4882342" cy="400110"/>
+          </a:xfrm>
+          <a:prstGeom prst="rect">
+            <a:avLst/>
+          </a:prstGeom>
+          <a:noFill/>
+        </p:spPr>
+        <p:txBody>
+          <a:bodyPr wrap="square" rtlCol="0">
+            <a:spAutoFit/>
+          </a:bodyPr>
+          <a:lstStyle/>
+          <a:p>
+            <a:pPr marL="285750" indent="-285750">
+              <a:buFont typeface="Arial" panose="020B0604020202020204" pitchFamily="34" charset="0"/>
+              <a:buChar char="•"/>
+            </a:pPr>
+            <a:r>
+              <a:rPr lang="en-US" sz="2000" dirty="0"/>
+              <a:t>We spend ~80-90% of our time indoors</a:t>
+            </a:r>
+          </a:p>
+        </p:txBody>
+      </p:sp>
+      <p:sp>
+        <p:nvSpPr>
+          <p:cNvPr id="7" name="TextBox 6">
+            <a:extLst>
+              <a:ext uri="{FF2B5EF4-FFF2-40B4-BE49-F238E27FC236}">
+                <a16:creationId xmlns:a16="http://schemas.microsoft.com/office/drawing/2014/main" id="{D3F55379-E22D-4072-91F5-3D79E726F353}"/>
+              </a:ext>
+            </a:extLst>
+          </p:cNvPr>
+          <p:cNvSpPr txBox="1"/>
+          <p:nvPr/>
+        </p:nvSpPr>
+        <p:spPr>
+          <a:xfrm>
+            <a:off x="6977149" y="2452254"/>
+            <a:ext cx="4882342" cy="707886"/>
+          </a:xfrm>
+          <a:prstGeom prst="rect">
+            <a:avLst/>
+          </a:prstGeom>
+          <a:noFill/>
+        </p:spPr>
+        <p:txBody>
+          <a:bodyPr wrap="square" rtlCol="0">
+            <a:spAutoFit/>
+          </a:bodyPr>
+          <a:lstStyle/>
+          <a:p>
+            <a:pPr marL="285750" indent="-285750">
+              <a:buFont typeface="Arial" panose="020B0604020202020204" pitchFamily="34" charset="0"/>
+              <a:buChar char="•"/>
+            </a:pPr>
+            <a:r>
+              <a:rPr lang="en-US" sz="2000" dirty="0"/>
+              <a:t>Relative to outdoor chemistry, indoor chemistry is understudied</a:t>
+            </a:r>
+          </a:p>
+        </p:txBody>
+      </p:sp>
+      <p:sp>
+        <p:nvSpPr>
+          <p:cNvPr id="8" name="TextBox 7">
+            <a:extLst>
+              <a:ext uri="{FF2B5EF4-FFF2-40B4-BE49-F238E27FC236}">
+                <a16:creationId xmlns:a16="http://schemas.microsoft.com/office/drawing/2014/main" id="{B862E8DE-6AD8-45E2-A495-5E829DEF7BB8}"/>
+              </a:ext>
+            </a:extLst>
+          </p:cNvPr>
+          <p:cNvSpPr txBox="1"/>
+          <p:nvPr/>
+        </p:nvSpPr>
+        <p:spPr>
+          <a:xfrm>
+            <a:off x="7046421" y="3701934"/>
+            <a:ext cx="4882342" cy="707886"/>
+          </a:xfrm>
+          <a:prstGeom prst="rect">
+            <a:avLst/>
+          </a:prstGeom>
+          <a:noFill/>
+        </p:spPr>
+        <p:txBody>
+          <a:bodyPr wrap="square" rtlCol="0">
+            <a:spAutoFit/>
+          </a:bodyPr>
+          <a:lstStyle/>
+          <a:p>
+            <a:pPr marL="285750" indent="-285750">
+              <a:buFont typeface="Arial" panose="020B0604020202020204" pitchFamily="34" charset="0"/>
+              <a:buChar char="•"/>
+            </a:pPr>
+            <a:r>
+              <a:rPr lang="en-US" sz="2000" dirty="0"/>
+              <a:t>What are the impacts of indoor chemistry on human health?</a:t>
+            </a:r>
+          </a:p>
+        </p:txBody>
+      </p:sp>
+      <p:sp>
+        <p:nvSpPr>
+          <p:cNvPr id="9" name="TextBox 8">
+            <a:extLst>
+              <a:ext uri="{FF2B5EF4-FFF2-40B4-BE49-F238E27FC236}">
+                <a16:creationId xmlns:a16="http://schemas.microsoft.com/office/drawing/2014/main" id="{2FD9B6F4-6492-429B-881B-54998D2788DE}"/>
+              </a:ext>
+            </a:extLst>
+          </p:cNvPr>
+          <p:cNvSpPr txBox="1"/>
+          <p:nvPr/>
+        </p:nvSpPr>
+        <p:spPr>
+          <a:xfrm>
+            <a:off x="7046421" y="4845609"/>
+            <a:ext cx="4882342" cy="707886"/>
+          </a:xfrm>
+          <a:prstGeom prst="rect">
+            <a:avLst/>
+          </a:prstGeom>
+          <a:noFill/>
+        </p:spPr>
+        <p:txBody>
+          <a:bodyPr wrap="square" rtlCol="0">
+            <a:spAutoFit/>
+          </a:bodyPr>
+          <a:lstStyle/>
+          <a:p>
+            <a:pPr marL="285750" indent="-285750">
+              <a:buFont typeface="Arial" panose="020B0604020202020204" pitchFamily="34" charset="0"/>
+              <a:buChar char="•"/>
+            </a:pPr>
+            <a:r>
+              <a:rPr lang="en-US" sz="2000" dirty="0"/>
+              <a:t>What are the sources of primary and secondary pollutants indoors? Surfaces?</a:t>
+            </a:r>
           </a:p>
         </p:txBody>
       </p:sp>
@@ -3924,41 +6649,6 @@
           <a:chExt cx="0" cy="0"/>
         </a:xfrm>
       </p:grpSpPr>
-      <p:pic>
-        <p:nvPicPr>
-          <p:cNvPr id="4" name="Content Placeholder 3" descr="A screenshot of a cell phone&#10;&#10;Description generated with very high confidence">
-            <a:extLst>
-              <a:ext uri="{FF2B5EF4-FFF2-40B4-BE49-F238E27FC236}">
-                <a16:creationId xmlns:a16="http://schemas.microsoft.com/office/drawing/2014/main" id="{F7380F8F-CC31-4D69-B5EE-1A28ADC3F30D}"/>
-              </a:ext>
-            </a:extLst>
-          </p:cNvPr>
-          <p:cNvPicPr>
-            <a:picLocks noGrp="1" noChangeAspect="1"/>
-          </p:cNvPicPr>
-          <p:nvPr>
-            <p:ph idx="1"/>
-          </p:nvPr>
-        </p:nvPicPr>
-        <p:blipFill>
-          <a:blip r:embed="rId2">
-            <a:extLst>
-              <a:ext uri="{28A0092B-C50C-407E-A947-70E740481C1C}">
-                <a14:useLocalDpi xmlns:a14="http://schemas.microsoft.com/office/drawing/2010/main" val="0"/>
-              </a:ext>
-            </a:extLst>
-          </a:blip>
-          <a:stretch>
-            <a:fillRect/>
-          </a:stretch>
-        </p:blipFill>
-        <p:spPr>
-          <a:xfrm>
-            <a:off x="1313614" y="914400"/>
-            <a:ext cx="9412506" cy="5518151"/>
-          </a:xfrm>
-        </p:spPr>
-      </p:pic>
       <p:sp>
         <p:nvSpPr>
           <p:cNvPr id="6" name="Title 1">
@@ -4014,7 +6704,525 @@
                 <a:latin typeface="Arial"/>
                 <a:cs typeface="Arial"/>
               </a:rPr>
-              <a:t>Base Case </a:t>
+              <a:t>Pollutants Indoors: Processing and Origins</a:t>
+            </a:r>
+          </a:p>
+        </p:txBody>
+      </p:sp>
+      <p:pic>
+        <p:nvPicPr>
+          <p:cNvPr id="4" name="Picture 3" descr="A close up of a sign&#10;&#10;Description generated with very high confidence">
+            <a:extLst>
+              <a:ext uri="{FF2B5EF4-FFF2-40B4-BE49-F238E27FC236}">
+                <a16:creationId xmlns:a16="http://schemas.microsoft.com/office/drawing/2014/main" id="{CC337365-4411-49D3-887A-14D66020E401}"/>
+              </a:ext>
+            </a:extLst>
+          </p:cNvPr>
+          <p:cNvPicPr>
+            <a:picLocks noChangeAspect="1"/>
+          </p:cNvPicPr>
+          <p:nvPr/>
+        </p:nvPicPr>
+        <p:blipFill>
+          <a:blip r:embed="rId2">
+            <a:extLst>
+              <a:ext uri="{28A0092B-C50C-407E-A947-70E740481C1C}">
+                <a14:useLocalDpi xmlns:a14="http://schemas.microsoft.com/office/drawing/2010/main" val="0"/>
+              </a:ext>
+            </a:extLst>
+          </a:blip>
+          <a:stretch>
+            <a:fillRect/>
+          </a:stretch>
+        </p:blipFill>
+        <p:spPr>
+          <a:xfrm>
+            <a:off x="1874300" y="914400"/>
+            <a:ext cx="7239818" cy="5057113"/>
+          </a:xfrm>
+          <a:prstGeom prst="rect">
+            <a:avLst/>
+          </a:prstGeom>
+        </p:spPr>
+      </p:pic>
+      <p:sp>
+        <p:nvSpPr>
+          <p:cNvPr id="5" name="TextBox 4">
+            <a:extLst>
+              <a:ext uri="{FF2B5EF4-FFF2-40B4-BE49-F238E27FC236}">
+                <a16:creationId xmlns:a16="http://schemas.microsoft.com/office/drawing/2014/main" id="{ECDA95BB-A2D3-4561-88E1-4F8681934342}"/>
+              </a:ext>
+            </a:extLst>
+          </p:cNvPr>
+          <p:cNvSpPr txBox="1"/>
+          <p:nvPr/>
+        </p:nvSpPr>
+        <p:spPr>
+          <a:xfrm>
+            <a:off x="2079811" y="2740973"/>
+            <a:ext cx="1213223" cy="769441"/>
+          </a:xfrm>
+          <a:prstGeom prst="rect">
+            <a:avLst/>
+          </a:prstGeom>
+          <a:noFill/>
+        </p:spPr>
+        <p:txBody>
+          <a:bodyPr wrap="square" rtlCol="0">
+            <a:spAutoFit/>
+          </a:bodyPr>
+          <a:lstStyle/>
+          <a:p>
+            <a:r>
+              <a:rPr lang="en-US" sz="4400" dirty="0">
+                <a:solidFill>
+                  <a:srgbClr val="FF0000"/>
+                </a:solidFill>
+              </a:rPr>
+              <a:t>O</a:t>
+            </a:r>
+            <a:r>
+              <a:rPr lang="en-US" sz="4400" baseline="-25000" dirty="0">
+                <a:solidFill>
+                  <a:srgbClr val="FF0000"/>
+                </a:solidFill>
+              </a:rPr>
+              <a:t>3</a:t>
+            </a:r>
+            <a:endParaRPr lang="en-US" sz="4400" dirty="0">
+              <a:solidFill>
+                <a:srgbClr val="FF0000"/>
+              </a:solidFill>
+            </a:endParaRPr>
+          </a:p>
+        </p:txBody>
+      </p:sp>
+      <p:sp>
+        <p:nvSpPr>
+          <p:cNvPr id="7" name="Sun 6">
+            <a:extLst>
+              <a:ext uri="{FF2B5EF4-FFF2-40B4-BE49-F238E27FC236}">
+                <a16:creationId xmlns:a16="http://schemas.microsoft.com/office/drawing/2014/main" id="{73A3FFAC-BCA5-4956-AA02-3A226D9E31E2}"/>
+              </a:ext>
+            </a:extLst>
+          </p:cNvPr>
+          <p:cNvSpPr/>
+          <p:nvPr/>
+        </p:nvSpPr>
+        <p:spPr>
+          <a:xfrm>
+            <a:off x="346635" y="1195294"/>
+            <a:ext cx="818777" cy="914400"/>
+          </a:xfrm>
+          <a:prstGeom prst="sun">
+            <a:avLst/>
+          </a:prstGeom>
+          <a:solidFill>
+            <a:srgbClr val="FFFF00"/>
+          </a:solidFill>
+        </p:spPr>
+        <p:style>
+          <a:lnRef idx="2">
+            <a:schemeClr val="accent1">
+              <a:shade val="50000"/>
+            </a:schemeClr>
+          </a:lnRef>
+          <a:fillRef idx="1">
+            <a:schemeClr val="accent1"/>
+          </a:fillRef>
+          <a:effectRef idx="0">
+            <a:schemeClr val="accent1"/>
+          </a:effectRef>
+          <a:fontRef idx="minor">
+            <a:schemeClr val="lt1"/>
+          </a:fontRef>
+        </p:style>
+        <p:txBody>
+          <a:bodyPr rtlCol="0" anchor="ctr"/>
+          <a:lstStyle/>
+          <a:p>
+            <a:pPr algn="ctr"/>
+            <a:endParaRPr lang="en-US"/>
+          </a:p>
+        </p:txBody>
+      </p:sp>
+      <p:sp>
+        <p:nvSpPr>
+          <p:cNvPr id="8" name="TextBox 7">
+            <a:extLst>
+              <a:ext uri="{FF2B5EF4-FFF2-40B4-BE49-F238E27FC236}">
+                <a16:creationId xmlns:a16="http://schemas.microsoft.com/office/drawing/2014/main" id="{936B12CD-F30D-4E45-99B8-EE25BC103FA5}"/>
+              </a:ext>
+            </a:extLst>
+          </p:cNvPr>
+          <p:cNvSpPr txBox="1"/>
+          <p:nvPr/>
+        </p:nvSpPr>
+        <p:spPr>
+          <a:xfrm>
+            <a:off x="1993152" y="1899053"/>
+            <a:ext cx="1213223" cy="769441"/>
+          </a:xfrm>
+          <a:prstGeom prst="rect">
+            <a:avLst/>
+          </a:prstGeom>
+          <a:noFill/>
+        </p:spPr>
+        <p:txBody>
+          <a:bodyPr wrap="square" rtlCol="0">
+            <a:spAutoFit/>
+          </a:bodyPr>
+          <a:lstStyle/>
+          <a:p>
+            <a:r>
+              <a:rPr lang="en-US" sz="4400" dirty="0">
+                <a:solidFill>
+                  <a:srgbClr val="FF0000"/>
+                </a:solidFill>
+              </a:rPr>
+              <a:t>VOC</a:t>
+            </a:r>
+          </a:p>
+        </p:txBody>
+      </p:sp>
+      <p:sp>
+        <p:nvSpPr>
+          <p:cNvPr id="9" name="TextBox 8">
+            <a:extLst>
+              <a:ext uri="{FF2B5EF4-FFF2-40B4-BE49-F238E27FC236}">
+                <a16:creationId xmlns:a16="http://schemas.microsoft.com/office/drawing/2014/main" id="{3D48DC63-DFD1-4905-B90C-CC3C9B0096B4}"/>
+              </a:ext>
+            </a:extLst>
+          </p:cNvPr>
+          <p:cNvSpPr txBox="1"/>
+          <p:nvPr/>
+        </p:nvSpPr>
+        <p:spPr>
+          <a:xfrm>
+            <a:off x="6876127" y="2492189"/>
+            <a:ext cx="1213223" cy="769441"/>
+          </a:xfrm>
+          <a:prstGeom prst="rect">
+            <a:avLst/>
+          </a:prstGeom>
+          <a:noFill/>
+        </p:spPr>
+        <p:txBody>
+          <a:bodyPr wrap="square" rtlCol="0">
+            <a:spAutoFit/>
+          </a:bodyPr>
+          <a:lstStyle/>
+          <a:p>
+            <a:r>
+              <a:rPr lang="en-US" sz="4400" dirty="0">
+                <a:solidFill>
+                  <a:srgbClr val="0070C0"/>
+                </a:solidFill>
+              </a:rPr>
+              <a:t>VOC</a:t>
+            </a:r>
+          </a:p>
+        </p:txBody>
+      </p:sp>
+      <p:sp>
+        <p:nvSpPr>
+          <p:cNvPr id="10" name="TextBox 9">
+            <a:extLst>
+              <a:ext uri="{FF2B5EF4-FFF2-40B4-BE49-F238E27FC236}">
+                <a16:creationId xmlns:a16="http://schemas.microsoft.com/office/drawing/2014/main" id="{C45A0266-5A3F-4282-A129-6B7EF30F6140}"/>
+              </a:ext>
+            </a:extLst>
+          </p:cNvPr>
+          <p:cNvSpPr txBox="1"/>
+          <p:nvPr/>
+        </p:nvSpPr>
+        <p:spPr>
+          <a:xfrm>
+            <a:off x="7217943" y="1899052"/>
+            <a:ext cx="1213223" cy="769441"/>
+          </a:xfrm>
+          <a:prstGeom prst="rect">
+            <a:avLst/>
+          </a:prstGeom>
+          <a:noFill/>
+        </p:spPr>
+        <p:txBody>
+          <a:bodyPr wrap="square" rtlCol="0">
+            <a:spAutoFit/>
+          </a:bodyPr>
+          <a:lstStyle/>
+          <a:p>
+            <a:r>
+              <a:rPr lang="en-US" sz="4400" dirty="0">
+                <a:solidFill>
+                  <a:srgbClr val="FF0000"/>
+                </a:solidFill>
+              </a:rPr>
+              <a:t>O</a:t>
+            </a:r>
+            <a:r>
+              <a:rPr lang="en-US" sz="4400" baseline="-25000" dirty="0">
+                <a:solidFill>
+                  <a:srgbClr val="FF0000"/>
+                </a:solidFill>
+              </a:rPr>
+              <a:t>3</a:t>
+            </a:r>
+            <a:endParaRPr lang="en-US" sz="4400" dirty="0">
+              <a:solidFill>
+                <a:srgbClr val="FF0000"/>
+              </a:solidFill>
+            </a:endParaRPr>
+          </a:p>
+        </p:txBody>
+      </p:sp>
+      <p:sp>
+        <p:nvSpPr>
+          <p:cNvPr id="11" name="TextBox 10">
+            <a:extLst>
+              <a:ext uri="{FF2B5EF4-FFF2-40B4-BE49-F238E27FC236}">
+                <a16:creationId xmlns:a16="http://schemas.microsoft.com/office/drawing/2014/main" id="{030E92E7-F36D-4DAB-90F4-4297DC152D6D}"/>
+              </a:ext>
+            </a:extLst>
+          </p:cNvPr>
+          <p:cNvSpPr txBox="1"/>
+          <p:nvPr/>
+        </p:nvSpPr>
+        <p:spPr>
+          <a:xfrm>
+            <a:off x="2184400" y="4567546"/>
+            <a:ext cx="1213223" cy="769441"/>
+          </a:xfrm>
+          <a:prstGeom prst="rect">
+            <a:avLst/>
+          </a:prstGeom>
+          <a:noFill/>
+        </p:spPr>
+        <p:txBody>
+          <a:bodyPr wrap="square" rtlCol="0">
+            <a:spAutoFit/>
+          </a:bodyPr>
+          <a:lstStyle/>
+          <a:p>
+            <a:r>
+              <a:rPr lang="en-US" sz="4400" dirty="0">
+                <a:solidFill>
+                  <a:srgbClr val="FF0000"/>
+                </a:solidFill>
+              </a:rPr>
+              <a:t>SOA</a:t>
+            </a:r>
+          </a:p>
+        </p:txBody>
+      </p:sp>
+      <p:sp>
+        <p:nvSpPr>
+          <p:cNvPr id="12" name="TextBox 11">
+            <a:extLst>
+              <a:ext uri="{FF2B5EF4-FFF2-40B4-BE49-F238E27FC236}">
+                <a16:creationId xmlns:a16="http://schemas.microsoft.com/office/drawing/2014/main" id="{05914B9A-D854-45CC-AE92-956FA04CCC9A}"/>
+              </a:ext>
+            </a:extLst>
+          </p:cNvPr>
+          <p:cNvSpPr txBox="1"/>
+          <p:nvPr/>
+        </p:nvSpPr>
+        <p:spPr>
+          <a:xfrm>
+            <a:off x="3795059" y="4098393"/>
+            <a:ext cx="1213223" cy="769441"/>
+          </a:xfrm>
+          <a:prstGeom prst="rect">
+            <a:avLst/>
+          </a:prstGeom>
+          <a:noFill/>
+        </p:spPr>
+        <p:txBody>
+          <a:bodyPr wrap="square" rtlCol="0">
+            <a:spAutoFit/>
+          </a:bodyPr>
+          <a:lstStyle/>
+          <a:p>
+            <a:r>
+              <a:rPr lang="en-US" sz="4400" dirty="0">
+                <a:solidFill>
+                  <a:srgbClr val="FF0000"/>
+                </a:solidFill>
+              </a:rPr>
+              <a:t>SOA</a:t>
+            </a:r>
+          </a:p>
+        </p:txBody>
+      </p:sp>
+      <p:sp>
+        <p:nvSpPr>
+          <p:cNvPr id="13" name="TextBox 12">
+            <a:extLst>
+              <a:ext uri="{FF2B5EF4-FFF2-40B4-BE49-F238E27FC236}">
+                <a16:creationId xmlns:a16="http://schemas.microsoft.com/office/drawing/2014/main" id="{3B1AF732-1D1A-4B21-B7B0-896C89F27F77}"/>
+              </a:ext>
+            </a:extLst>
+          </p:cNvPr>
+          <p:cNvSpPr txBox="1"/>
+          <p:nvPr/>
+        </p:nvSpPr>
+        <p:spPr>
+          <a:xfrm>
+            <a:off x="4395216" y="1981200"/>
+            <a:ext cx="1213223" cy="769441"/>
+          </a:xfrm>
+          <a:prstGeom prst="rect">
+            <a:avLst/>
+          </a:prstGeom>
+          <a:noFill/>
+        </p:spPr>
+        <p:txBody>
+          <a:bodyPr wrap="square" rtlCol="0">
+            <a:spAutoFit/>
+          </a:bodyPr>
+          <a:lstStyle/>
+          <a:p>
+            <a:r>
+              <a:rPr lang="en-US" sz="4400" dirty="0">
+                <a:solidFill>
+                  <a:srgbClr val="FF0000"/>
+                </a:solidFill>
+              </a:rPr>
+              <a:t>VOC</a:t>
+            </a:r>
+          </a:p>
+        </p:txBody>
+      </p:sp>
+      <p:sp>
+        <p:nvSpPr>
+          <p:cNvPr id="14" name="TextBox 13">
+            <a:extLst>
+              <a:ext uri="{FF2B5EF4-FFF2-40B4-BE49-F238E27FC236}">
+                <a16:creationId xmlns:a16="http://schemas.microsoft.com/office/drawing/2014/main" id="{39894372-CCF6-4170-A740-98E83C00A89D}"/>
+              </a:ext>
+            </a:extLst>
+          </p:cNvPr>
+          <p:cNvSpPr txBox="1"/>
+          <p:nvPr/>
+        </p:nvSpPr>
+        <p:spPr>
+          <a:xfrm>
+            <a:off x="5725656" y="5041154"/>
+            <a:ext cx="1213223" cy="769441"/>
+          </a:xfrm>
+          <a:prstGeom prst="rect">
+            <a:avLst/>
+          </a:prstGeom>
+          <a:noFill/>
+        </p:spPr>
+        <p:txBody>
+          <a:bodyPr wrap="square" rtlCol="0">
+            <a:spAutoFit/>
+          </a:bodyPr>
+          <a:lstStyle/>
+          <a:p>
+            <a:r>
+              <a:rPr lang="en-US" sz="4400" dirty="0">
+                <a:solidFill>
+                  <a:srgbClr val="0070C0"/>
+                </a:solidFill>
+              </a:rPr>
+              <a:t>SOA</a:t>
+            </a:r>
+          </a:p>
+        </p:txBody>
+      </p:sp>
+      <p:sp>
+        <p:nvSpPr>
+          <p:cNvPr id="15" name="TextBox 14">
+            <a:extLst>
+              <a:ext uri="{FF2B5EF4-FFF2-40B4-BE49-F238E27FC236}">
+                <a16:creationId xmlns:a16="http://schemas.microsoft.com/office/drawing/2014/main" id="{A2F016C8-C51B-412A-AC9D-825E580B755F}"/>
+              </a:ext>
+            </a:extLst>
+          </p:cNvPr>
+          <p:cNvSpPr txBox="1"/>
+          <p:nvPr/>
+        </p:nvSpPr>
+        <p:spPr>
+          <a:xfrm>
+            <a:off x="7824554" y="4382276"/>
+            <a:ext cx="1213223" cy="769441"/>
+          </a:xfrm>
+          <a:prstGeom prst="rect">
+            <a:avLst/>
+          </a:prstGeom>
+          <a:noFill/>
+        </p:spPr>
+        <p:txBody>
+          <a:bodyPr wrap="square" rtlCol="0">
+            <a:spAutoFit/>
+          </a:bodyPr>
+          <a:lstStyle/>
+          <a:p>
+            <a:r>
+              <a:rPr lang="en-US" sz="4400" dirty="0">
+                <a:solidFill>
+                  <a:srgbClr val="0070C0"/>
+                </a:solidFill>
+              </a:rPr>
+              <a:t>O</a:t>
+            </a:r>
+            <a:r>
+              <a:rPr lang="en-US" sz="4400" baseline="-25000" dirty="0">
+                <a:solidFill>
+                  <a:srgbClr val="0070C0"/>
+                </a:solidFill>
+              </a:rPr>
+              <a:t>3</a:t>
+            </a:r>
+            <a:endParaRPr lang="en-US" sz="4400" dirty="0">
+              <a:solidFill>
+                <a:srgbClr val="0070C0"/>
+              </a:solidFill>
+            </a:endParaRPr>
+          </a:p>
+        </p:txBody>
+      </p:sp>
+      <p:sp>
+        <p:nvSpPr>
+          <p:cNvPr id="16" name="TextBox 15">
+            <a:extLst>
+              <a:ext uri="{FF2B5EF4-FFF2-40B4-BE49-F238E27FC236}">
+                <a16:creationId xmlns:a16="http://schemas.microsoft.com/office/drawing/2014/main" id="{0E874947-ED48-4AC8-B7CC-9CDC08F5F9D8}"/>
+              </a:ext>
+            </a:extLst>
+          </p:cNvPr>
+          <p:cNvSpPr txBox="1"/>
+          <p:nvPr/>
+        </p:nvSpPr>
+        <p:spPr>
+          <a:xfrm>
+            <a:off x="104588" y="6046729"/>
+            <a:ext cx="11982823" cy="830997"/>
+          </a:xfrm>
+          <a:prstGeom prst="rect">
+            <a:avLst/>
+          </a:prstGeom>
+          <a:noFill/>
+        </p:spPr>
+        <p:txBody>
+          <a:bodyPr wrap="square" rtlCol="0">
+            <a:spAutoFit/>
+          </a:bodyPr>
+          <a:lstStyle/>
+          <a:p>
+            <a:r>
+              <a:rPr lang="en-US" sz="2400" dirty="0"/>
+              <a:t>VOCs, O</a:t>
+            </a:r>
+            <a:r>
+              <a:rPr lang="en-US" sz="2400" baseline="-25000" dirty="0"/>
+              <a:t>3</a:t>
+            </a:r>
+            <a:r>
+              <a:rPr lang="en-US" sz="2400" dirty="0"/>
+              <a:t>, and SOA have sources originating from both outdoor and indoor environments and undergo complex chemical processing</a:t>
             </a:r>
           </a:p>
         </p:txBody>
@@ -4022,7 +7230,7 @@
     </p:spTree>
     <p:extLst>
       <p:ext uri="{BB962C8B-B14F-4D97-AF65-F5344CB8AC3E}">
-        <p14:creationId xmlns:p14="http://schemas.microsoft.com/office/powerpoint/2010/main" val="3165945979"/>
+        <p14:creationId xmlns:p14="http://schemas.microsoft.com/office/powerpoint/2010/main" val="2374129044"/>
       </p:ext>
     </p:extLst>
   </p:cSld>
@@ -4049,41 +7257,75 @@
           <a:chExt cx="0" cy="0"/>
         </a:xfrm>
       </p:grpSpPr>
-      <p:pic>
-        <p:nvPicPr>
-          <p:cNvPr id="4" name="Content Placeholder 3" descr="A screenshot of a map&#10;&#10;Description generated with very high confidence">
-            <a:extLst>
-              <a:ext uri="{FF2B5EF4-FFF2-40B4-BE49-F238E27FC236}">
-                <a16:creationId xmlns:a16="http://schemas.microsoft.com/office/drawing/2014/main" id="{38136FFC-AA46-4A6C-A2CC-694C839C9A65}"/>
-              </a:ext>
-            </a:extLst>
-          </p:cNvPr>
-          <p:cNvPicPr>
-            <a:picLocks noGrp="1" noChangeAspect="1"/>
-          </p:cNvPicPr>
+      <p:sp>
+        <p:nvSpPr>
+          <p:cNvPr id="3" name="Content Placeholder 2">
+            <a:extLst>
+              <a:ext uri="{FF2B5EF4-FFF2-40B4-BE49-F238E27FC236}">
+                <a16:creationId xmlns:a16="http://schemas.microsoft.com/office/drawing/2014/main" id="{28B29C68-9D1F-4A44-ABD0-8A2E2DE6262A}"/>
+              </a:ext>
+            </a:extLst>
+          </p:cNvPr>
+          <p:cNvSpPr>
+            <a:spLocks noGrp="1"/>
+          </p:cNvSpPr>
           <p:nvPr>
             <p:ph idx="1"/>
           </p:nvPr>
-        </p:nvPicPr>
-        <p:blipFill>
-          <a:blip r:embed="rId2">
-            <a:extLst>
-              <a:ext uri="{28A0092B-C50C-407E-A947-70E740481C1C}">
-                <a14:useLocalDpi xmlns:a14="http://schemas.microsoft.com/office/drawing/2010/main" val="0"/>
-              </a:ext>
-            </a:extLst>
-          </a:blip>
-          <a:stretch>
-            <a:fillRect/>
-          </a:stretch>
-        </p:blipFill>
-        <p:spPr>
-          <a:xfrm>
-            <a:off x="-338867" y="629322"/>
-            <a:ext cx="7094669" cy="3089974"/>
-          </a:xfrm>
-        </p:spPr>
-      </p:pic>
+        </p:nvSpPr>
+        <p:spPr>
+          <a:xfrm>
+            <a:off x="838200" y="923178"/>
+            <a:ext cx="10515600" cy="1437528"/>
+          </a:xfrm>
+          <a:ln>
+            <a:solidFill>
+              <a:schemeClr val="bg1"/>
+            </a:solidFill>
+          </a:ln>
+        </p:spPr>
+        <p:style>
+          <a:lnRef idx="2">
+            <a:schemeClr val="dk1"/>
+          </a:lnRef>
+          <a:fillRef idx="1">
+            <a:schemeClr val="lt1"/>
+          </a:fillRef>
+          <a:effectRef idx="0">
+            <a:schemeClr val="dk1"/>
+          </a:effectRef>
+          <a:fontRef idx="minor">
+            <a:schemeClr val="dk1"/>
+          </a:fontRef>
+        </p:style>
+        <p:txBody>
+          <a:bodyPr/>
+          <a:lstStyle/>
+          <a:p>
+            <a:r>
+              <a:rPr lang="en-US" dirty="0"/>
+              <a:t>Outside, VOC processing is largely driven via photochemical processes</a:t>
+            </a:r>
+          </a:p>
+          <a:p>
+            <a:r>
+              <a:rPr lang="en-US" dirty="0"/>
+              <a:t>However, indoors, the light sources can vary—how does this impact photochemical production of secondary pollutants like O</a:t>
+            </a:r>
+            <a:r>
+              <a:rPr lang="en-US" baseline="-25000" dirty="0"/>
+              <a:t>3</a:t>
+            </a:r>
+            <a:r>
+              <a:rPr lang="en-US" dirty="0"/>
+              <a:t> and SOA?</a:t>
+            </a:r>
+          </a:p>
+          <a:p>
+            <a:endParaRPr lang="en-US" dirty="0"/>
+          </a:p>
+        </p:txBody>
+      </p:sp>
       <p:sp>
         <p:nvSpPr>
           <p:cNvPr id="6" name="Title 1">
@@ -4101,7 +7343,7 @@
         <p:spPr>
           <a:xfrm>
             <a:off x="0" y="0"/>
-            <a:ext cx="12192000" cy="564776"/>
+            <a:ext cx="12192000" cy="914400"/>
           </a:xfrm>
           <a:prstGeom prst="rect">
             <a:avLst/>
@@ -4139,37 +7381,17 @@
                 <a:latin typeface="Arial"/>
                 <a:cs typeface="Arial"/>
               </a:rPr>
-              <a:t>Varying Initial [O</a:t>
-            </a:r>
-            <a:r>
-              <a:rPr lang="en-US" sz="3600" baseline="-25000" dirty="0">
-                <a:solidFill>
-                  <a:prstClr val="white"/>
-                </a:solidFill>
-                <a:latin typeface="Arial"/>
-                <a:cs typeface="Arial"/>
-              </a:rPr>
-              <a:t>3</a:t>
-            </a:r>
-            <a:r>
-              <a:rPr lang="en-US" sz="3600" dirty="0">
-                <a:solidFill>
-                  <a:prstClr val="white"/>
-                </a:solidFill>
-                <a:latin typeface="Arial"/>
-                <a:cs typeface="Arial"/>
-              </a:rPr>
-              <a:t>]</a:t>
+              <a:t>Photochemistry Indoors vs. Outdoors</a:t>
             </a:r>
           </a:p>
         </p:txBody>
       </p:sp>
       <p:pic>
         <p:nvPicPr>
-          <p:cNvPr id="7" name="Picture 6" descr="A close up of a map&#10;&#10;Description generated with high confidence">
-            <a:extLst>
-              <a:ext uri="{FF2B5EF4-FFF2-40B4-BE49-F238E27FC236}">
-                <a16:creationId xmlns:a16="http://schemas.microsoft.com/office/drawing/2014/main" id="{7AE8FDE1-8EE9-4197-9D1A-CC14073ACAB7}"/>
+          <p:cNvPr id="4" name="Content Placeholder 3" descr="A close up of a map&#10;&#10;Description generated with very high confidence">
+            <a:extLst>
+              <a:ext uri="{FF2B5EF4-FFF2-40B4-BE49-F238E27FC236}">
+                <a16:creationId xmlns:a16="http://schemas.microsoft.com/office/drawing/2014/main" id="{82415141-11F0-4CFC-A503-D8C0C978BCA0}"/>
               </a:ext>
             </a:extLst>
           </p:cNvPr>
@@ -4178,32 +7400,114 @@
           </p:cNvPicPr>
           <p:nvPr/>
         </p:nvPicPr>
-        <p:blipFill>
-          <a:blip r:embed="rId3">
+        <p:blipFill rotWithShape="1">
+          <a:blip r:embed="rId2">
             <a:extLst>
               <a:ext uri="{28A0092B-C50C-407E-A947-70E740481C1C}">
                 <a14:useLocalDpi xmlns:a14="http://schemas.microsoft.com/office/drawing/2010/main" val="0"/>
               </a:ext>
             </a:extLst>
           </a:blip>
-          <a:stretch>
-            <a:fillRect/>
-          </a:stretch>
+          <a:srcRect l="7160" t="3239" r="7475" b="2794"/>
+          <a:stretch/>
         </p:blipFill>
         <p:spPr>
           <a:xfrm>
-            <a:off x="6352885" y="2718835"/>
-            <a:ext cx="6819854" cy="3691595"/>
+            <a:off x="629596" y="2441170"/>
+            <a:ext cx="4810298" cy="4416830"/>
           </a:xfrm>
           <a:prstGeom prst="rect">
             <a:avLst/>
           </a:prstGeom>
         </p:spPr>
       </p:pic>
+      <p:sp>
+        <p:nvSpPr>
+          <p:cNvPr id="2" name="TextBox 1">
+            <a:extLst>
+              <a:ext uri="{FF2B5EF4-FFF2-40B4-BE49-F238E27FC236}">
+                <a16:creationId xmlns:a16="http://schemas.microsoft.com/office/drawing/2014/main" id="{10AD874E-7BF9-46FA-8A1B-348E07509896}"/>
+              </a:ext>
+            </a:extLst>
+          </p:cNvPr>
+          <p:cNvSpPr txBox="1"/>
+          <p:nvPr/>
+        </p:nvSpPr>
+        <p:spPr>
+          <a:xfrm>
+            <a:off x="5815106" y="3831389"/>
+            <a:ext cx="5904754" cy="1200329"/>
+          </a:xfrm>
+          <a:prstGeom prst="rect">
+            <a:avLst/>
+          </a:prstGeom>
+        </p:spPr>
+        <p:style>
+          <a:lnRef idx="2">
+            <a:schemeClr val="dk1"/>
+          </a:lnRef>
+          <a:fillRef idx="1">
+            <a:schemeClr val="lt1"/>
+          </a:fillRef>
+          <a:effectRef idx="0">
+            <a:schemeClr val="dk1"/>
+          </a:effectRef>
+          <a:fontRef idx="minor">
+            <a:schemeClr val="dk1"/>
+          </a:fontRef>
+        </p:style>
+        <p:txBody>
+          <a:bodyPr wrap="square" rtlCol="0">
+            <a:spAutoFit/>
+          </a:bodyPr>
+          <a:lstStyle/>
+          <a:p>
+            <a:r>
+              <a:rPr lang="en-US" sz="2400" dirty="0"/>
+              <a:t>Note that CFTs and Sunlight transmitted indoors from outdoors are markedly weaker than outside sunlight</a:t>
+            </a:r>
+          </a:p>
+        </p:txBody>
+      </p:sp>
+      <p:sp>
+        <p:nvSpPr>
+          <p:cNvPr id="5" name="TextBox 4">
+            <a:extLst>
+              <a:ext uri="{FF2B5EF4-FFF2-40B4-BE49-F238E27FC236}">
+                <a16:creationId xmlns:a16="http://schemas.microsoft.com/office/drawing/2014/main" id="{F70781EA-9A11-473D-9950-D6B5CDAD1FDF}"/>
+              </a:ext>
+            </a:extLst>
+          </p:cNvPr>
+          <p:cNvSpPr txBox="1"/>
+          <p:nvPr/>
+        </p:nvSpPr>
+        <p:spPr>
+          <a:xfrm>
+            <a:off x="5701553" y="6179671"/>
+            <a:ext cx="4446494" cy="369332"/>
+          </a:xfrm>
+          <a:prstGeom prst="rect">
+            <a:avLst/>
+          </a:prstGeom>
+          <a:noFill/>
+        </p:spPr>
+        <p:txBody>
+          <a:bodyPr wrap="square" rtlCol="0">
+            <a:spAutoFit/>
+          </a:bodyPr>
+          <a:lstStyle/>
+          <a:p>
+            <a:r>
+              <a:rPr lang="en-US" dirty="0"/>
+              <a:t>Kwan et al., 2017</a:t>
+            </a:r>
+          </a:p>
+        </p:txBody>
+      </p:sp>
     </p:spTree>
     <p:extLst>
       <p:ext uri="{BB962C8B-B14F-4D97-AF65-F5344CB8AC3E}">
-        <p14:creationId xmlns:p14="http://schemas.microsoft.com/office/powerpoint/2010/main" val="780005031"/>
+        <p14:creationId xmlns:p14="http://schemas.microsoft.com/office/powerpoint/2010/main" val="3935333575"/>
       </p:ext>
     </p:extLst>
   </p:cSld>
@@ -4232,39 +7536,6 @@
       </p:grpSpPr>
       <p:sp>
         <p:nvSpPr>
-          <p:cNvPr id="3" name="Content Placeholder 2">
-            <a:extLst>
-              <a:ext uri="{FF2B5EF4-FFF2-40B4-BE49-F238E27FC236}">
-                <a16:creationId xmlns:a16="http://schemas.microsoft.com/office/drawing/2014/main" id="{28B29C68-9D1F-4A44-ABD0-8A2E2DE6262A}"/>
-              </a:ext>
-            </a:extLst>
-          </p:cNvPr>
-          <p:cNvSpPr>
-            <a:spLocks noGrp="1"/>
-          </p:cNvSpPr>
-          <p:nvPr>
-            <p:ph idx="1"/>
-          </p:nvPr>
-        </p:nvSpPr>
-        <p:spPr>
-          <a:xfrm>
-            <a:off x="838200" y="1825625"/>
-            <a:ext cx="10515600" cy="3692306"/>
-          </a:xfrm>
-        </p:spPr>
-        <p:txBody>
-          <a:bodyPr/>
-          <a:lstStyle/>
-          <a:p>
-            <a:pPr marL="0" indent="0">
-              <a:buNone/>
-            </a:pPr>
-            <a:endParaRPr lang="en-US" dirty="0"/>
-          </a:p>
-        </p:txBody>
-      </p:sp>
-      <p:sp>
-        <p:nvSpPr>
           <p:cNvPr id="6" name="Title 1">
             <a:extLst>
               <a:ext uri="{FF2B5EF4-FFF2-40B4-BE49-F238E27FC236}">
@@ -4318,15 +7589,131 @@
                 <a:latin typeface="Arial"/>
                 <a:cs typeface="Arial"/>
               </a:rPr>
-              <a:t>Indoor Light Sources Examples</a:t>
-            </a:r>
-          </a:p>
-        </p:txBody>
-      </p:sp>
+              <a:t>Ozone Indoors vs. Outdoors</a:t>
+            </a:r>
+          </a:p>
+        </p:txBody>
+      </p:sp>
+      <p:sp>
+        <p:nvSpPr>
+          <p:cNvPr id="4" name="Content Placeholder 2">
+            <a:extLst>
+              <a:ext uri="{FF2B5EF4-FFF2-40B4-BE49-F238E27FC236}">
+                <a16:creationId xmlns:a16="http://schemas.microsoft.com/office/drawing/2014/main" id="{9F75A2F9-E581-410F-8D51-DEB134143BDA}"/>
+              </a:ext>
+            </a:extLst>
+          </p:cNvPr>
+          <p:cNvSpPr>
+            <a:spLocks noGrp="1"/>
+          </p:cNvSpPr>
+          <p:nvPr>
+            <p:ph idx="1"/>
+          </p:nvPr>
+        </p:nvSpPr>
+        <p:spPr>
+          <a:xfrm>
+            <a:off x="533401" y="705241"/>
+            <a:ext cx="10515600" cy="1810871"/>
+          </a:xfrm>
+        </p:spPr>
+        <p:txBody>
+          <a:bodyPr>
+            <a:normAutofit fontScale="85000" lnSpcReduction="20000"/>
+          </a:bodyPr>
+          <a:lstStyle/>
+          <a:p>
+            <a:pPr marL="0" indent="0">
+              <a:buNone/>
+            </a:pPr>
+            <a:endParaRPr lang="en-US" dirty="0"/>
+          </a:p>
+          <a:p>
+            <a:r>
+              <a:rPr lang="en-US" dirty="0"/>
+              <a:t>O</a:t>
+            </a:r>
+            <a:r>
+              <a:rPr lang="en-US" baseline="-25000" dirty="0"/>
+              <a:t>3</a:t>
+            </a:r>
+            <a:r>
+              <a:rPr lang="en-US" dirty="0"/>
+              <a:t> is produced via photochemical cycles involving NO</a:t>
+            </a:r>
+            <a:r>
+              <a:rPr lang="en-US" baseline="-25000" dirty="0"/>
+              <a:t>x</a:t>
+            </a:r>
+            <a:r>
+              <a:rPr lang="en-US" dirty="0"/>
+              <a:t>, VOCs, and light </a:t>
+            </a:r>
+            <a:r>
+              <a:rPr lang="en-US" dirty="0">
+                <a:sym typeface="Wingdings" panose="05000000000000000000" pitchFamily="2" charset="2"/>
+              </a:rPr>
+              <a:t> Formed indoors largely in photocopiers, laser printers, etc.</a:t>
+            </a:r>
+          </a:p>
+          <a:p>
+            <a:endParaRPr lang="en-US" dirty="0">
+              <a:sym typeface="Wingdings" panose="05000000000000000000" pitchFamily="2" charset="2"/>
+            </a:endParaRPr>
+          </a:p>
+          <a:p>
+            <a:r>
+              <a:rPr lang="en-US" dirty="0"/>
+              <a:t>O</a:t>
+            </a:r>
+            <a:r>
+              <a:rPr lang="en-US" baseline="-25000" dirty="0"/>
+              <a:t>3 </a:t>
+            </a:r>
+            <a:r>
+              <a:rPr lang="en-US" dirty="0"/>
+              <a:t>is thought to mainly originate indoors from outdoors</a:t>
+            </a:r>
+          </a:p>
+          <a:p>
+            <a:pPr marL="0" indent="0">
+              <a:buNone/>
+            </a:pPr>
+            <a:endParaRPr lang="en-US" dirty="0"/>
+          </a:p>
+        </p:txBody>
+      </p:sp>
+      <p:pic>
+        <p:nvPicPr>
+          <p:cNvPr id="7" name="Picture 6">
+            <a:extLst>
+              <a:ext uri="{FF2B5EF4-FFF2-40B4-BE49-F238E27FC236}">
+                <a16:creationId xmlns:a16="http://schemas.microsoft.com/office/drawing/2014/main" id="{19EDA334-D67B-407B-94EE-CE4FB9312DD7}"/>
+              </a:ext>
+            </a:extLst>
+          </p:cNvPr>
+          <p:cNvPicPr/>
+          <p:nvPr/>
+        </p:nvPicPr>
+        <p:blipFill>
+          <a:blip r:embed="rId2"/>
+          <a:stretch>
+            <a:fillRect/>
+          </a:stretch>
+        </p:blipFill>
+        <p:spPr>
+          <a:xfrm>
+            <a:off x="2999067" y="2432441"/>
+            <a:ext cx="6043332" cy="4238287"/>
+          </a:xfrm>
+          <a:prstGeom prst="rect">
+            <a:avLst/>
+          </a:prstGeom>
+        </p:spPr>
+      </p:pic>
     </p:spTree>
     <p:extLst>
       <p:ext uri="{BB962C8B-B14F-4D97-AF65-F5344CB8AC3E}">
-        <p14:creationId xmlns:p14="http://schemas.microsoft.com/office/powerpoint/2010/main" val="2073884843"/>
+        <p14:creationId xmlns:p14="http://schemas.microsoft.com/office/powerpoint/2010/main" val="355038300"/>
       </p:ext>
     </p:extLst>
   </p:cSld>
@@ -4355,39 +7742,6 @@
       </p:grpSpPr>
       <p:sp>
         <p:nvSpPr>
-          <p:cNvPr id="3" name="Content Placeholder 2">
-            <a:extLst>
-              <a:ext uri="{FF2B5EF4-FFF2-40B4-BE49-F238E27FC236}">
-                <a16:creationId xmlns:a16="http://schemas.microsoft.com/office/drawing/2014/main" id="{28B29C68-9D1F-4A44-ABD0-8A2E2DE6262A}"/>
-              </a:ext>
-            </a:extLst>
-          </p:cNvPr>
-          <p:cNvSpPr>
-            <a:spLocks noGrp="1"/>
-          </p:cNvSpPr>
-          <p:nvPr>
-            <p:ph idx="1"/>
-          </p:nvPr>
-        </p:nvSpPr>
-        <p:spPr>
-          <a:xfrm>
-            <a:off x="838200" y="1825625"/>
-            <a:ext cx="10515600" cy="3692306"/>
-          </a:xfrm>
-        </p:spPr>
-        <p:txBody>
-          <a:bodyPr/>
-          <a:lstStyle/>
-          <a:p>
-            <a:pPr marL="0" indent="0">
-              <a:buNone/>
-            </a:pPr>
-            <a:endParaRPr lang="en-US" dirty="0"/>
-          </a:p>
-        </p:txBody>
-      </p:sp>
-      <p:sp>
-        <p:nvSpPr>
           <p:cNvPr id="6" name="Title 1">
             <a:extLst>
               <a:ext uri="{FF2B5EF4-FFF2-40B4-BE49-F238E27FC236}">
@@ -4441,7 +7795,71 @@
                 <a:latin typeface="Arial"/>
                 <a:cs typeface="Arial"/>
               </a:rPr>
-              <a:t>Varying Indoor Light Source</a:t>
+              <a:t>Main Research Question</a:t>
+            </a:r>
+          </a:p>
+        </p:txBody>
+      </p:sp>
+      <p:sp>
+        <p:nvSpPr>
+          <p:cNvPr id="4" name="Rectangle 3">
+            <a:extLst>
+              <a:ext uri="{FF2B5EF4-FFF2-40B4-BE49-F238E27FC236}">
+                <a16:creationId xmlns:a16="http://schemas.microsoft.com/office/drawing/2014/main" id="{3EFAB367-627C-4881-A9C8-18892DAB6C49}"/>
+              </a:ext>
+            </a:extLst>
+          </p:cNvPr>
+          <p:cNvSpPr/>
+          <p:nvPr/>
+        </p:nvSpPr>
+        <p:spPr>
+          <a:xfrm>
+            <a:off x="523688" y="2890391"/>
+            <a:ext cx="11144623" cy="1077218"/>
+          </a:xfrm>
+          <a:prstGeom prst="rect">
+            <a:avLst/>
+          </a:prstGeom>
+        </p:spPr>
+        <p:style>
+          <a:lnRef idx="2">
+            <a:schemeClr val="accent2"/>
+          </a:lnRef>
+          <a:fillRef idx="1">
+            <a:schemeClr val="lt1"/>
+          </a:fillRef>
+          <a:effectRef idx="0">
+            <a:schemeClr val="accent2"/>
+          </a:effectRef>
+          <a:fontRef idx="minor">
+            <a:schemeClr val="dk1"/>
+          </a:fontRef>
+        </p:style>
+        <p:txBody>
+          <a:bodyPr wrap="square">
+            <a:spAutoFit/>
+          </a:bodyPr>
+          <a:lstStyle/>
+          <a:p>
+            <a:r>
+              <a:rPr lang="en-US" sz="3200" b="1" dirty="0"/>
+              <a:t>To what extent does </a:t>
+            </a:r>
+            <a:r>
+              <a:rPr lang="en-US" sz="3200" b="1" i="1" dirty="0"/>
+              <a:t>indoor </a:t>
+            </a:r>
+            <a:r>
+              <a:rPr lang="en-US" sz="3200" b="1" dirty="0"/>
+              <a:t>photochemistry produce and affect O</a:t>
+            </a:r>
+            <a:r>
+              <a:rPr lang="en-US" sz="3200" b="1" baseline="-25000" dirty="0"/>
+              <a:t>3</a:t>
+            </a:r>
+            <a:r>
+              <a:rPr lang="en-US" sz="3200" b="1" dirty="0"/>
+              <a:t> relative to the amount transported from outside?</a:t>
             </a:r>
           </a:p>
         </p:txBody>
@@ -4449,7 +7867,7 @@
     </p:spTree>
     <p:extLst>
       <p:ext uri="{BB962C8B-B14F-4D97-AF65-F5344CB8AC3E}">
-        <p14:creationId xmlns:p14="http://schemas.microsoft.com/office/powerpoint/2010/main" val="492948143"/>
+        <p14:creationId xmlns:p14="http://schemas.microsoft.com/office/powerpoint/2010/main" val="4285484226"/>
       </p:ext>
     </p:extLst>
   </p:cSld>
@@ -4478,39 +7896,6 @@
       </p:grpSpPr>
       <p:sp>
         <p:nvSpPr>
-          <p:cNvPr id="3" name="Content Placeholder 2">
-            <a:extLst>
-              <a:ext uri="{FF2B5EF4-FFF2-40B4-BE49-F238E27FC236}">
-                <a16:creationId xmlns:a16="http://schemas.microsoft.com/office/drawing/2014/main" id="{28B29C68-9D1F-4A44-ABD0-8A2E2DE6262A}"/>
-              </a:ext>
-            </a:extLst>
-          </p:cNvPr>
-          <p:cNvSpPr>
-            <a:spLocks noGrp="1"/>
-          </p:cNvSpPr>
-          <p:nvPr>
-            <p:ph idx="1"/>
-          </p:nvPr>
-        </p:nvSpPr>
-        <p:spPr>
-          <a:xfrm>
-            <a:off x="838200" y="1825625"/>
-            <a:ext cx="10515600" cy="3692306"/>
-          </a:xfrm>
-        </p:spPr>
-        <p:txBody>
-          <a:bodyPr/>
-          <a:lstStyle/>
-          <a:p>
-            <a:pPr marL="0" indent="0">
-              <a:buNone/>
-            </a:pPr>
-            <a:endParaRPr lang="en-US" dirty="0"/>
-          </a:p>
-        </p:txBody>
-      </p:sp>
-      <p:sp>
-        <p:nvSpPr>
           <p:cNvPr id="6" name="Title 1">
             <a:extLst>
               <a:ext uri="{FF2B5EF4-FFF2-40B4-BE49-F238E27FC236}">
@@ -4564,7 +7949,276 @@
                 <a:latin typeface="Arial"/>
                 <a:cs typeface="Arial"/>
               </a:rPr>
-              <a:t>Varying Surface Deposition</a:t>
+              <a:t>Factors to be Investigated for O</a:t>
+            </a:r>
+            <a:r>
+              <a:rPr lang="en-US" sz="3600" baseline="-25000" dirty="0">
+                <a:solidFill>
+                  <a:prstClr val="white"/>
+                </a:solidFill>
+                <a:latin typeface="Arial"/>
+                <a:cs typeface="Arial"/>
+              </a:rPr>
+              <a:t>3</a:t>
+            </a:r>
+            <a:r>
+              <a:rPr lang="en-US" sz="3600" dirty="0">
+                <a:solidFill>
+                  <a:prstClr val="white"/>
+                </a:solidFill>
+                <a:latin typeface="Arial"/>
+                <a:cs typeface="Arial"/>
+              </a:rPr>
+              <a:t> Production Indoors</a:t>
+            </a:r>
+          </a:p>
+        </p:txBody>
+      </p:sp>
+      <p:sp>
+        <p:nvSpPr>
+          <p:cNvPr id="2" name="TextBox 1">
+            <a:extLst>
+              <a:ext uri="{FF2B5EF4-FFF2-40B4-BE49-F238E27FC236}">
+                <a16:creationId xmlns:a16="http://schemas.microsoft.com/office/drawing/2014/main" id="{770446AB-6DC3-49D0-B5C2-ABC34F1442C9}"/>
+              </a:ext>
+            </a:extLst>
+          </p:cNvPr>
+          <p:cNvSpPr txBox="1"/>
+          <p:nvPr/>
+        </p:nvSpPr>
+        <p:spPr>
+          <a:xfrm>
+            <a:off x="484094" y="1255059"/>
+            <a:ext cx="10656047" cy="4524315"/>
+          </a:xfrm>
+          <a:prstGeom prst="rect">
+            <a:avLst/>
+          </a:prstGeom>
+          <a:noFill/>
+        </p:spPr>
+        <p:txBody>
+          <a:bodyPr wrap="square" rtlCol="0">
+            <a:spAutoFit/>
+          </a:bodyPr>
+          <a:lstStyle/>
+          <a:p>
+            <a:pPr marL="342900" indent="-342900">
+              <a:buAutoNum type="arabicParenR"/>
+            </a:pPr>
+            <a:r>
+              <a:rPr lang="en-US" sz="3200" b="1" dirty="0"/>
+              <a:t> VOC Mixing Ratios</a:t>
+            </a:r>
+          </a:p>
+          <a:p>
+            <a:pPr marL="342900" indent="-342900">
+              <a:buAutoNum type="arabicParenR"/>
+            </a:pPr>
+            <a:endParaRPr lang="en-US" sz="3200" b="1" dirty="0"/>
+          </a:p>
+          <a:p>
+            <a:pPr marL="342900" indent="-342900">
+              <a:buAutoNum type="arabicParenR"/>
+            </a:pPr>
+            <a:r>
+              <a:rPr lang="en-US" sz="3200" b="1" dirty="0"/>
+              <a:t> Light Source</a:t>
+            </a:r>
+          </a:p>
+          <a:p>
+            <a:pPr marL="342900" indent="-342900">
+              <a:buAutoNum type="arabicParenR"/>
+            </a:pPr>
+            <a:endParaRPr lang="en-US" sz="3200" b="1" dirty="0"/>
+          </a:p>
+          <a:p>
+            <a:pPr marL="342900" indent="-342900">
+              <a:buAutoNum type="arabicParenR"/>
+            </a:pPr>
+            <a:r>
+              <a:rPr lang="en-US" sz="3200" b="1" dirty="0"/>
+              <a:t> [O</a:t>
+            </a:r>
+            <a:r>
+              <a:rPr lang="en-US" sz="3200" b="1" baseline="-25000" dirty="0"/>
+              <a:t>3</a:t>
+            </a:r>
+            <a:r>
+              <a:rPr lang="en-US" sz="3200" b="1" dirty="0"/>
+              <a:t>]</a:t>
+            </a:r>
+            <a:r>
+              <a:rPr lang="en-US" sz="3200" b="1" baseline="-25000" dirty="0"/>
+              <a:t>0</a:t>
+            </a:r>
+            <a:r>
+              <a:rPr lang="en-US" sz="3200" b="1" dirty="0"/>
+              <a:t> </a:t>
+            </a:r>
+          </a:p>
+          <a:p>
+            <a:pPr marL="342900" indent="-342900">
+              <a:buAutoNum type="arabicParenR"/>
+            </a:pPr>
+            <a:endParaRPr lang="en-US" sz="3200" b="1" dirty="0"/>
+          </a:p>
+          <a:p>
+            <a:pPr marL="342900" indent="-342900">
+              <a:buAutoNum type="arabicParenR"/>
+            </a:pPr>
+            <a:r>
+              <a:rPr lang="en-US" sz="3200" b="1" dirty="0"/>
+              <a:t> Surface Deposition</a:t>
+            </a:r>
+          </a:p>
+          <a:p>
+            <a:pPr marL="342900" indent="-342900">
+              <a:buAutoNum type="arabicParenR"/>
+            </a:pPr>
+            <a:endParaRPr lang="en-US" sz="3200" b="1" dirty="0"/>
+          </a:p>
+          <a:p>
+            <a:pPr marL="342900" indent="-342900">
+              <a:buAutoNum type="arabicParenR"/>
+            </a:pPr>
+            <a:r>
+              <a:rPr lang="en-US" sz="3200" b="1" dirty="0"/>
+              <a:t> NO</a:t>
+            </a:r>
+            <a:r>
+              <a:rPr lang="en-US" sz="3200" b="1" baseline="-25000" dirty="0"/>
+              <a:t>x</a:t>
+            </a:r>
+            <a:r>
+              <a:rPr lang="en-US" sz="3200" b="1" dirty="0"/>
+              <a:t> Mixing Ratios</a:t>
+            </a:r>
+          </a:p>
+        </p:txBody>
+      </p:sp>
+      <p:sp>
+        <p:nvSpPr>
+          <p:cNvPr id="5" name="TextBox 4">
+            <a:extLst>
+              <a:ext uri="{FF2B5EF4-FFF2-40B4-BE49-F238E27FC236}">
+                <a16:creationId xmlns:a16="http://schemas.microsoft.com/office/drawing/2014/main" id="{412E6728-BE9D-42C3-9822-B48447EA04C1}"/>
+              </a:ext>
+            </a:extLst>
+          </p:cNvPr>
+          <p:cNvSpPr txBox="1"/>
+          <p:nvPr/>
+        </p:nvSpPr>
+        <p:spPr>
+          <a:xfrm>
+            <a:off x="5462492" y="1470745"/>
+            <a:ext cx="5904754" cy="1200329"/>
+          </a:xfrm>
+          <a:prstGeom prst="rect">
+            <a:avLst/>
+          </a:prstGeom>
+        </p:spPr>
+        <p:style>
+          <a:lnRef idx="2">
+            <a:schemeClr val="dk1"/>
+          </a:lnRef>
+          <a:fillRef idx="1">
+            <a:schemeClr val="lt1"/>
+          </a:fillRef>
+          <a:effectRef idx="0">
+            <a:schemeClr val="dk1"/>
+          </a:effectRef>
+          <a:fontRef idx="minor">
+            <a:schemeClr val="dk1"/>
+          </a:fontRef>
+        </p:style>
+        <p:txBody>
+          <a:bodyPr wrap="square" rtlCol="0">
+            <a:spAutoFit/>
+          </a:bodyPr>
+          <a:lstStyle/>
+          <a:p>
+            <a:r>
+              <a:rPr lang="en-US" sz="2400" dirty="0"/>
+              <a:t>The F0AM Model provides an excellent tool to model O</a:t>
+            </a:r>
+            <a:r>
+              <a:rPr lang="en-US" sz="2400" baseline="-25000" dirty="0"/>
+              <a:t>3</a:t>
+            </a:r>
+            <a:r>
+              <a:rPr lang="en-US" sz="2400" dirty="0"/>
+              <a:t> production in this environment—indoors, we are essentially living in a box!</a:t>
+            </a:r>
+          </a:p>
+        </p:txBody>
+      </p:sp>
+      <p:pic>
+        <p:nvPicPr>
+          <p:cNvPr id="9" name="Picture 8" descr="Screen Clipping">
+            <a:extLst>
+              <a:ext uri="{FF2B5EF4-FFF2-40B4-BE49-F238E27FC236}">
+                <a16:creationId xmlns:a16="http://schemas.microsoft.com/office/drawing/2014/main" id="{C7A4E3AB-2290-4EE0-805B-C9F0141B54B3}"/>
+              </a:ext>
+            </a:extLst>
+          </p:cNvPr>
+          <p:cNvPicPr>
+            <a:picLocks noChangeAspect="1"/>
+          </p:cNvPicPr>
+          <p:nvPr/>
+        </p:nvPicPr>
+        <p:blipFill>
+          <a:blip r:embed="rId2">
+            <a:extLst>
+              <a:ext uri="{28A0092B-C50C-407E-A947-70E740481C1C}">
+                <a14:useLocalDpi xmlns:a14="http://schemas.microsoft.com/office/drawing/2010/main" val="0"/>
+              </a:ext>
+            </a:extLst>
+          </a:blip>
+          <a:stretch>
+            <a:fillRect/>
+          </a:stretch>
+        </p:blipFill>
+        <p:spPr>
+          <a:xfrm>
+            <a:off x="4576707" y="3093700"/>
+            <a:ext cx="7615293" cy="2738458"/>
+          </a:xfrm>
+          <a:prstGeom prst="rect">
+            <a:avLst/>
+          </a:prstGeom>
+        </p:spPr>
+      </p:pic>
+      <p:sp>
+        <p:nvSpPr>
+          <p:cNvPr id="10" name="TextBox 9">
+            <a:extLst>
+              <a:ext uri="{FF2B5EF4-FFF2-40B4-BE49-F238E27FC236}">
+                <a16:creationId xmlns:a16="http://schemas.microsoft.com/office/drawing/2014/main" id="{8A69E1A2-C686-427F-94CB-30B56B06DB0D}"/>
+              </a:ext>
+            </a:extLst>
+          </p:cNvPr>
+          <p:cNvSpPr txBox="1"/>
+          <p:nvPr/>
+        </p:nvSpPr>
+        <p:spPr>
+          <a:xfrm>
+            <a:off x="7267387" y="5779374"/>
+            <a:ext cx="3018118" cy="369332"/>
+          </a:xfrm>
+          <a:prstGeom prst="rect">
+            <a:avLst/>
+          </a:prstGeom>
+          <a:noFill/>
+        </p:spPr>
+        <p:txBody>
+          <a:bodyPr wrap="square" rtlCol="0">
+            <a:spAutoFit/>
+          </a:bodyPr>
+          <a:lstStyle/>
+          <a:p>
+            <a:r>
+              <a:rPr lang="en-US" dirty="0"/>
+              <a:t>November 24, 2017 from RSC. </a:t>
             </a:r>
           </a:p>
         </p:txBody>
@@ -4572,7 +8226,7 @@
     </p:spTree>
     <p:extLst>
       <p:ext uri="{BB962C8B-B14F-4D97-AF65-F5344CB8AC3E}">
-        <p14:creationId xmlns:p14="http://schemas.microsoft.com/office/powerpoint/2010/main" val="3315929640"/>
+        <p14:creationId xmlns:p14="http://schemas.microsoft.com/office/powerpoint/2010/main" val="941831807"/>
       </p:ext>
     </p:extLst>
   </p:cSld>
@@ -4617,7 +8271,7 @@
         </p:nvSpPr>
         <p:spPr>
           <a:xfrm>
-            <a:off x="838200" y="1825625"/>
+            <a:off x="838200" y="1060637"/>
             <a:ext cx="10515600" cy="3692306"/>
           </a:xfrm>
         </p:spPr>
@@ -4625,9 +8279,129 @@
           <a:bodyPr/>
           <a:lstStyle/>
           <a:p>
-            <a:pPr marL="0" indent="0">
-              <a:buNone/>
-            </a:pPr>
+            <a:r>
+              <a:rPr lang="en-US" dirty="0"/>
+              <a:t>Isoprene – from human breath  </a:t>
+            </a:r>
+          </a:p>
+          <a:p>
+            <a:r>
+              <a:rPr lang="en-US" dirty="0"/>
+              <a:t>Aromatics (toluene, benzene, xylenes) – from paints, solvents, etc.</a:t>
+            </a:r>
+          </a:p>
+          <a:p>
+            <a:r>
+              <a:rPr lang="en-US" dirty="0"/>
+              <a:t>Limonene/</a:t>
+            </a:r>
+            <a:r>
+              <a:rPr lang="el-GR" dirty="0"/>
+              <a:t>α</a:t>
+            </a:r>
+            <a:r>
+              <a:rPr lang="en-US" dirty="0"/>
+              <a:t>-pinene – found in air fresheners</a:t>
+            </a:r>
+          </a:p>
+          <a:p>
+            <a:r>
+              <a:rPr lang="en-US" dirty="0"/>
+              <a:t> HONO – thought to originate from NO</a:t>
+            </a:r>
+            <a:r>
+              <a:rPr lang="en-US" baseline="-25000" dirty="0"/>
+              <a:t>2</a:t>
+            </a:r>
+            <a:r>
+              <a:rPr lang="en-US" dirty="0"/>
+              <a:t>, H</a:t>
+            </a:r>
+            <a:r>
+              <a:rPr lang="en-US" baseline="-25000" dirty="0"/>
+              <a:t>2</a:t>
+            </a:r>
+            <a:r>
+              <a:rPr lang="en-US" dirty="0"/>
+              <a:t>O, light, and a surface</a:t>
+            </a:r>
+          </a:p>
+          <a:p>
+            <a:r>
+              <a:rPr lang="en-US" dirty="0"/>
+              <a:t>NO</a:t>
+            </a:r>
+            <a:r>
+              <a:rPr lang="en-US" baseline="-25000" dirty="0"/>
+              <a:t>x</a:t>
+            </a:r>
+            <a:r>
+              <a:rPr lang="en-US" dirty="0"/>
+              <a:t>– transport from outside; photolysis of HONO</a:t>
+            </a:r>
+          </a:p>
+          <a:p>
+            <a:r>
+              <a:rPr lang="en-US" dirty="0"/>
+              <a:t>H</a:t>
+            </a:r>
+            <a:r>
+              <a:rPr lang="en-US" baseline="-25000" dirty="0"/>
+              <a:t>2</a:t>
+            </a:r>
+            <a:r>
+              <a:rPr lang="en-US" dirty="0"/>
+              <a:t>O</a:t>
+            </a:r>
+            <a:r>
+              <a:rPr lang="en-US" baseline="-25000" dirty="0"/>
+              <a:t>2</a:t>
+            </a:r>
+            <a:r>
+              <a:rPr lang="en-US" dirty="0"/>
+              <a:t> </a:t>
+            </a:r>
+            <a:r>
+              <a:rPr lang="en-US" dirty="0">
+                <a:sym typeface="Wingdings" panose="05000000000000000000" pitchFamily="2" charset="2"/>
+              </a:rPr>
+              <a:t> Ozonolysis of alkenes; HO</a:t>
+            </a:r>
+            <a:r>
+              <a:rPr lang="en-US" baseline="-25000" dirty="0">
+                <a:sym typeface="Wingdings" panose="05000000000000000000" pitchFamily="2" charset="2"/>
+              </a:rPr>
+              <a:t>2</a:t>
+            </a:r>
+            <a:r>
+              <a:rPr lang="en-US" dirty="0">
+                <a:sym typeface="Wingdings" panose="05000000000000000000" pitchFamily="2" charset="2"/>
+              </a:rPr>
+              <a:t> self-reaction </a:t>
+            </a:r>
+          </a:p>
+          <a:p>
+            <a:r>
+              <a:rPr lang="en-US" dirty="0">
+                <a:sym typeface="Wingdings" panose="05000000000000000000" pitchFamily="2" charset="2"/>
+              </a:rPr>
+              <a:t>O</a:t>
+            </a:r>
+            <a:r>
+              <a:rPr lang="en-US" baseline="-25000" dirty="0">
+                <a:sym typeface="Wingdings" panose="05000000000000000000" pitchFamily="2" charset="2"/>
+              </a:rPr>
+              <a:t>3 </a:t>
+            </a:r>
+            <a:r>
+              <a:rPr lang="en-US" dirty="0">
+                <a:sym typeface="Wingdings" panose="05000000000000000000" pitchFamily="2" charset="2"/>
+              </a:rPr>
+              <a:t>initialized to 20 ppb unless stated otherwise </a:t>
+            </a:r>
+            <a:endParaRPr lang="en-US" dirty="0"/>
+          </a:p>
+          <a:p>
             <a:endParaRPr lang="en-US" dirty="0"/>
           </a:p>
         </p:txBody>
@@ -4687,27 +8461,42 @@
                 <a:latin typeface="Arial"/>
                 <a:cs typeface="Arial"/>
               </a:rPr>
-              <a:t>Varying [NO</a:t>
-            </a:r>
-            <a:r>
-              <a:rPr lang="en-US" sz="3600" baseline="-25000" dirty="0">
-                <a:solidFill>
-                  <a:prstClr val="white"/>
-                </a:solidFill>
-                <a:latin typeface="Arial"/>
-                <a:cs typeface="Arial"/>
-              </a:rPr>
-              <a:t>x</a:t>
-            </a:r>
-            <a:r>
-              <a:rPr lang="en-US" sz="3600" dirty="0">
-                <a:solidFill>
-                  <a:prstClr val="white"/>
-                </a:solidFill>
-                <a:latin typeface="Arial"/>
-                <a:cs typeface="Arial"/>
-              </a:rPr>
-              <a:t>]</a:t>
+              <a:t>Base Model Inputs: VOCs and Inorganics</a:t>
+            </a:r>
+          </a:p>
+        </p:txBody>
+      </p:sp>
+      <p:sp>
+        <p:nvSpPr>
+          <p:cNvPr id="2" name="TextBox 1">
+            <a:extLst>
+              <a:ext uri="{FF2B5EF4-FFF2-40B4-BE49-F238E27FC236}">
+                <a16:creationId xmlns:a16="http://schemas.microsoft.com/office/drawing/2014/main" id="{25CE0251-8DC5-4F4C-ABC3-F7E44548AEAA}"/>
+              </a:ext>
+            </a:extLst>
+          </p:cNvPr>
+          <p:cNvSpPr txBox="1"/>
+          <p:nvPr/>
+        </p:nvSpPr>
+        <p:spPr>
+          <a:xfrm>
+            <a:off x="838200" y="4812018"/>
+            <a:ext cx="10821894" cy="1384995"/>
+          </a:xfrm>
+          <a:prstGeom prst="rect">
+            <a:avLst/>
+          </a:prstGeom>
+          <a:noFill/>
+        </p:spPr>
+        <p:txBody>
+          <a:bodyPr wrap="square" rtlCol="0">
+            <a:spAutoFit/>
+          </a:bodyPr>
+          <a:lstStyle/>
+          <a:p>
+            <a:r>
+              <a:rPr lang="en-US" sz="2800" b="1" dirty="0"/>
+              <a:t>Note: Low and high VOC mixing ratios correspond to Limonene at 0.35 ppb and 70 ppb, respectively. All other VOCs are at ~1 ppb or less. Model was run for 1 hour to account for typical air exchange rates</a:t>
             </a:r>
           </a:p>
         </p:txBody>
@@ -4715,7 +8504,7 @@
     </p:spTree>
     <p:extLst>
       <p:ext uri="{BB962C8B-B14F-4D97-AF65-F5344CB8AC3E}">
-        <p14:creationId xmlns:p14="http://schemas.microsoft.com/office/powerpoint/2010/main" val="3510424032"/>
+        <p14:creationId xmlns:p14="http://schemas.microsoft.com/office/powerpoint/2010/main" val="2323174712"/>
       </p:ext>
     </p:extLst>
   </p:cSld>
@@ -4760,8 +8549,8 @@
         </p:nvSpPr>
         <p:spPr>
           <a:xfrm>
-            <a:off x="838200" y="1825625"/>
-            <a:ext cx="10515600" cy="3692306"/>
+            <a:off x="838200" y="2291790"/>
+            <a:ext cx="10515600" cy="2453528"/>
           </a:xfrm>
         </p:spPr>
         <p:txBody>
@@ -4770,21 +8559,36 @@
           <a:p>
             <a:r>
               <a:rPr lang="en-US" dirty="0"/>
-              <a:t>Since deposition and re-emission of chemical </a:t>
-            </a:r>
-            <a:r>
-              <a:rPr lang="en-US"/>
-              <a:t>species onto indoor </a:t>
-            </a:r>
+              <a:t>Light source = Indoor Sunlight from Kowal et al., 2017</a:t>
+            </a:r>
+          </a:p>
+          <a:p>
+            <a:endParaRPr lang="en-US" dirty="0"/>
+          </a:p>
+          <a:p>
+            <a:endParaRPr lang="en-US" dirty="0"/>
+          </a:p>
+          <a:p>
             <a:r>
               <a:rPr lang="en-US" dirty="0"/>
-              <a:t>surfaces are a major process affecting indoor air, the rate of these processes is </a:t>
-            </a:r>
-            <a:r>
-              <a:rPr lang="en-US"/>
-              <a:t>little quantified</a:t>
-            </a:r>
-            <a:endParaRPr lang="en-US" dirty="0"/>
+              <a:t>Surface Deposition Rate = 5/</a:t>
+            </a:r>
+            <a:r>
+              <a:rPr lang="en-US" dirty="0" err="1"/>
+              <a:t>hr</a:t>
+            </a:r>
+            <a:r>
+              <a:rPr lang="en-US" dirty="0"/>
+              <a:t> from </a:t>
+            </a:r>
+            <a:r>
+              <a:rPr lang="en-US" dirty="0" err="1"/>
+              <a:t>Weschler</a:t>
+            </a:r>
+            <a:r>
+              <a:rPr lang="en-US" dirty="0"/>
+              <a:t> et al., 2000 </a:t>
+            </a:r>
           </a:p>
         </p:txBody>
       </p:sp>
@@ -4843,7 +8647,7 @@
                 <a:latin typeface="Arial"/>
                 <a:cs typeface="Arial"/>
               </a:rPr>
-              <a:t>Indoor Flux Measurement Idea</a:t>
+              <a:t>Model Inputs Contd.: Surface Deposition and Light Source </a:t>
             </a:r>
           </a:p>
         </p:txBody>
@@ -4851,7 +8655,7 @@
     </p:spTree>
     <p:extLst>
       <p:ext uri="{BB962C8B-B14F-4D97-AF65-F5344CB8AC3E}">
-        <p14:creationId xmlns:p14="http://schemas.microsoft.com/office/powerpoint/2010/main" val="1833975210"/>
+        <p14:creationId xmlns:p14="http://schemas.microsoft.com/office/powerpoint/2010/main" val="2320999357"/>
       </p:ext>
     </p:extLst>
   </p:cSld>
